--- a/documents/kisaan Bandhu.pptx
+++ b/documents/kisaan Bandhu.pptx
@@ -41,14 +41,14 @@
   <p:notesSz cx="6858000" cy="9144000"/>
   <p:embeddedFontLst>
     <p:embeddedFont>
-      <p:font typeface="Lato" panose="020B0604020202020204" charset="0"/>
+      <p:font typeface="Raleway" panose="020B0604020202020204" charset="0"/>
       <p:regular r:id="rId31"/>
       <p:bold r:id="rId32"/>
       <p:italic r:id="rId33"/>
       <p:boldItalic r:id="rId34"/>
     </p:embeddedFont>
     <p:embeddedFont>
-      <p:font typeface="Raleway" panose="020B0604020202020204" charset="0"/>
+      <p:font typeface="Lato" panose="020B0604020202020204" charset="0"/>
       <p:regular r:id="rId35"/>
       <p:bold r:id="rId36"/>
       <p:italic r:id="rId37"/>
@@ -286,7 +286,7 @@
   </p:defaultTextStyle>
   <p:extLst>
     <p:ext uri="{EFAFB233-063F-42B5-8137-9DF3F51BA10A}">
-      <p15:sldGuideLst xmlns:ahyp="http://schemas.microsoft.com/office/drawing/2018/hyperlinkcolor" xmlns:p15="http://schemas.microsoft.com/office/powerpoint/2012/main" xmlns:p14="http://schemas.microsoft.com/office/powerpoint/2010/main" xmlns:com="http://schemas.openxmlformats.org/drawingml/2006/compatibility" xmlns:pvml="urn:schemas-microsoft-com:office:powerpoint" xmlns:v="urn:schemas-microsoft-com:vml" xmlns:o="urn:schemas-microsoft-com:office:office" xmlns:dgm="http://schemas.openxmlformats.org/drawingml/2006/diagram" xmlns:c="http://schemas.openxmlformats.org/drawingml/2006/chart" xmlns:mv="urn:schemas-microsoft-com:mac:vml" xmlns:mc="http://schemas.openxmlformats.org/markup-compatibility/2006" xmlns="">
+      <p15:sldGuideLst xmlns="" xmlns:mc="http://schemas.openxmlformats.org/markup-compatibility/2006" xmlns:mv="urn:schemas-microsoft-com:mac:vml" xmlns:c="http://schemas.openxmlformats.org/drawingml/2006/chart" xmlns:dgm="http://schemas.openxmlformats.org/drawingml/2006/diagram" xmlns:o="urn:schemas-microsoft-com:office:office" xmlns:v="urn:schemas-microsoft-com:vml" xmlns:pvml="urn:schemas-microsoft-com:office:powerpoint" xmlns:com="http://schemas.openxmlformats.org/drawingml/2006/compatibility" xmlns:p14="http://schemas.microsoft.com/office/powerpoint/2010/main" xmlns:p15="http://schemas.microsoft.com/office/powerpoint/2012/main" xmlns:ahyp="http://schemas.microsoft.com/office/drawing/2018/hyperlinkcolor">
         <p15:guide id="1" orient="horz" pos="1620">
           <p15:clr>
             <a:srgbClr val="A4A3A4"/>
@@ -300,7 +300,7 @@
       </p15:sldGuideLst>
     </p:ext>
     <p:ext uri="http://customooxmlschemas.google.com/">
-      <go:slidesCustomData xmlns:go="http://customooxmlschemas.google.com/" xmlns:ahyp="http://schemas.microsoft.com/office/drawing/2018/hyperlinkcolor" xmlns:p15="http://schemas.microsoft.com/office/powerpoint/2012/main" xmlns:p14="http://schemas.microsoft.com/office/powerpoint/2010/main" xmlns:com="http://schemas.openxmlformats.org/drawingml/2006/compatibility" xmlns:pvml="urn:schemas-microsoft-com:office:powerpoint" xmlns:v="urn:schemas-microsoft-com:vml" xmlns:o="urn:schemas-microsoft-com:office:office" xmlns:dgm="http://schemas.openxmlformats.org/drawingml/2006/diagram" xmlns:c="http://schemas.openxmlformats.org/drawingml/2006/chart" xmlns:mv="urn:schemas-microsoft-com:mac:vml" xmlns:mc="http://schemas.openxmlformats.org/markup-compatibility/2006" xmlns="" r:id="rId39" roundtripDataSignature="AMtx7miAiPLL8H7dVG+qgA3Z9M1yzdJUNQ=="/>
+      <go:slidesCustomData xmlns="" xmlns:mc="http://schemas.openxmlformats.org/markup-compatibility/2006" xmlns:mv="urn:schemas-microsoft-com:mac:vml" xmlns:c="http://schemas.openxmlformats.org/drawingml/2006/chart" xmlns:dgm="http://schemas.openxmlformats.org/drawingml/2006/diagram" xmlns:o="urn:schemas-microsoft-com:office:office" xmlns:v="urn:schemas-microsoft-com:vml" xmlns:pvml="urn:schemas-microsoft-com:office:powerpoint" xmlns:com="http://schemas.openxmlformats.org/drawingml/2006/compatibility" xmlns:p14="http://schemas.microsoft.com/office/powerpoint/2010/main" xmlns:p15="http://schemas.microsoft.com/office/powerpoint/2012/main" xmlns:ahyp="http://schemas.microsoft.com/office/drawing/2018/hyperlinkcolor" xmlns:go="http://customooxmlschemas.google.com/" r:id="rId39" roundtripDataSignature="AMtx7miAiPLL8H7dVG+qgA3Z9M1yzdJUNQ=="/>
     </p:ext>
   </p:extLst>
 </p:presentation>
@@ -18045,8 +18045,8 @@
         </p:nvSpPr>
         <p:spPr>
           <a:xfrm>
-            <a:off x="534925" y="1211350"/>
-            <a:ext cx="8407800" cy="3386700"/>
+            <a:off x="534925" y="1211349"/>
+            <a:ext cx="8407800" cy="3500499"/>
           </a:xfrm>
           <a:prstGeom prst="rect">
             <a:avLst/>
@@ -18082,7 +18082,11 @@
             </a:r>
             <a:r>
               <a:rPr lang="en-IN" sz="1700" dirty="0" smtClean="0"/>
-              <a:t>Getting the latitude and longitude of the current user.</a:t>
+              <a:t>Getting the latitude and longitude of the current user</a:t>
+            </a:r>
+            <a:r>
+              <a:rPr lang="en-IN" sz="1700" dirty="0" smtClean="0"/>
+              <a:t>.</a:t>
             </a:r>
           </a:p>
           <a:p>
@@ -18100,14 +18104,7 @@
               <a:buFont typeface="+mj-lt"/>
               <a:buAutoNum type="arabicPeriod"/>
             </a:pPr>
-            <a:r>
-              <a:rPr lang="en-IN" sz="1700" b="1" u="sng" dirty="0" smtClean="0"/>
-              <a:t>Camera Access – </a:t>
-            </a:r>
-            <a:r>
-              <a:rPr lang="en-IN" sz="1700" dirty="0" smtClean="0"/>
-              <a:t>Getting image of the grain for classification</a:t>
-            </a:r>
+            <a:endParaRPr lang="en-IN" sz="1700" dirty="0" smtClean="0"/>
           </a:p>
           <a:p>
             <a:pPr marL="400050" lvl="0" algn="just" rtl="0">
@@ -18124,23 +18121,13 @@
               <a:buFont typeface="+mj-lt"/>
               <a:buAutoNum type="arabicPeriod"/>
             </a:pPr>
-            <a:r>
-              <a:rPr lang="en-IN" sz="1700" b="1" u="sng" dirty="0" smtClean="0"/>
-              <a:t>DB Deployment – </a:t>
-            </a:r>
-            <a:r>
-              <a:rPr lang="en-IN" sz="1700" dirty="0" smtClean="0"/>
-              <a:t>Multiple user by having live database.</a:t>
-            </a:r>
+            <a:endParaRPr lang="en-IN" sz="1700" dirty="0" smtClean="0"/>
           </a:p>
           <a:p>
             <a:pPr marL="400050" lvl="0" algn="just" rtl="0">
               <a:lnSpc>
                 <a:spcPct val="100000"/>
               </a:lnSpc>
-              <a:spcBef>
-                <a:spcPts val="1200"/>
-              </a:spcBef>
               <a:spcAft>
                 <a:spcPts val="0"/>
               </a:spcAft>
@@ -18150,8 +18137,17 @@
             </a:pPr>
             <a:r>
               <a:rPr lang="en-IN" sz="1700" b="1" u="sng" dirty="0" smtClean="0"/>
-              <a:t>Deployment of some API’s on Heroku</a:t>
-            </a:r>
+              <a:t>Camera Access – </a:t>
+            </a:r>
+            <a:r>
+              <a:rPr lang="en-IN" sz="1700" dirty="0" smtClean="0"/>
+              <a:t>Getting image of the grain for </a:t>
+            </a:r>
+            <a:r>
+              <a:rPr lang="en-IN" sz="1700" dirty="0" smtClean="0"/>
+              <a:t>classification</a:t>
+            </a:r>
+            <a:endParaRPr lang="en-IN" sz="1700" dirty="0" smtClean="0"/>
           </a:p>
           <a:p>
             <a:pPr marL="400050" lvl="0" algn="just" rtl="0">
@@ -18170,13 +18166,12 @@
             </a:pPr>
             <a:r>
               <a:rPr lang="en-IN" sz="1700" b="1" u="sng" dirty="0" smtClean="0"/>
-              <a:t>Parts of Frontend UI  - </a:t>
+              <a:t>DB Deployment – </a:t>
             </a:r>
             <a:r>
               <a:rPr lang="en-IN" sz="1700" dirty="0" smtClean="0"/>
-              <a:t> Some of the UI modules of farmer is completed.</a:t>
-            </a:r>
-            <a:endParaRPr lang="en-IN" sz="1700" dirty="0"/>
+              <a:t>Multiple user by having live database.</a:t>
+            </a:r>
           </a:p>
           <a:p>
             <a:pPr marL="400050" lvl="0" algn="just" rtl="0">
@@ -18195,6 +18190,51 @@
             </a:pPr>
             <a:r>
               <a:rPr lang="en-IN" sz="1700" b="1" u="sng" dirty="0" smtClean="0"/>
+              <a:t>Deployment of some API’s on Heroku</a:t>
+            </a:r>
+          </a:p>
+          <a:p>
+            <a:pPr marL="400050" lvl="0" algn="just" rtl="0">
+              <a:lnSpc>
+                <a:spcPct val="100000"/>
+              </a:lnSpc>
+              <a:spcBef>
+                <a:spcPts val="1200"/>
+              </a:spcBef>
+              <a:spcAft>
+                <a:spcPts val="0"/>
+              </a:spcAft>
+              <a:buSzPts val="1800"/>
+              <a:buFont typeface="+mj-lt"/>
+              <a:buAutoNum type="arabicPeriod"/>
+            </a:pPr>
+            <a:r>
+              <a:rPr lang="en-IN" sz="1700" b="1" u="sng" dirty="0" smtClean="0"/>
+              <a:t>Parts of Frontend UI  - </a:t>
+            </a:r>
+            <a:r>
+              <a:rPr lang="en-IN" sz="1700" dirty="0" smtClean="0"/>
+              <a:t> Some of the UI modules of farmer is completed.</a:t>
+            </a:r>
+            <a:endParaRPr lang="en-IN" sz="1700" dirty="0"/>
+          </a:p>
+          <a:p>
+            <a:pPr marL="400050" lvl="0" algn="just" rtl="0">
+              <a:lnSpc>
+                <a:spcPct val="100000"/>
+              </a:lnSpc>
+              <a:spcBef>
+                <a:spcPts val="1200"/>
+              </a:spcBef>
+              <a:spcAft>
+                <a:spcPts val="0"/>
+              </a:spcAft>
+              <a:buSzPts val="1800"/>
+              <a:buFont typeface="+mj-lt"/>
+              <a:buAutoNum type="arabicPeriod"/>
+            </a:pPr>
+            <a:r>
+              <a:rPr lang="en-IN" sz="1700" b="1" u="sng" dirty="0" smtClean="0"/>
               <a:t>Web Scrapping – </a:t>
             </a:r>
             <a:r>
@@ -18205,6 +18245,28 @@
           </a:p>
         </p:txBody>
       </p:sp>
+      <p:pic>
+        <p:nvPicPr>
+          <p:cNvPr id="4" name="Picture 3"/>
+          <p:cNvPicPr/>
+          <p:nvPr/>
+        </p:nvPicPr>
+        <p:blipFill>
+          <a:blip r:embed="rId3"/>
+          <a:stretch>
+            <a:fillRect/>
+          </a:stretch>
+        </p:blipFill>
+        <p:spPr>
+          <a:xfrm>
+            <a:off x="2024231" y="1750153"/>
+            <a:ext cx="4815840" cy="675005"/>
+          </a:xfrm>
+          <a:prstGeom prst="rect">
+            <a:avLst/>
+          </a:prstGeom>
+        </p:spPr>
+      </p:pic>
     </p:spTree>
     <p:extLst>
       <p:ext uri="{BB962C8B-B14F-4D97-AF65-F5344CB8AC3E}">
@@ -18492,11 +18554,7 @@
             </a:pPr>
             <a:r>
               <a:rPr lang="en" dirty="0" smtClean="0"/>
-              <a:t>10</a:t>
-            </a:r>
-            <a:r>
-              <a:rPr lang="en" dirty="0" smtClean="0"/>
-              <a:t> </a:t>
+              <a:t>10 </a:t>
             </a:r>
             <a:r>
               <a:rPr lang="en" dirty="0"/>

--- a/documents/kisaan Bandhu.pptx
+++ b/documents/kisaan Bandhu.pptx
@@ -15,27 +15,27 @@
     <p:sldId id="260" r:id="rId6"/>
     <p:sldId id="261" r:id="rId7"/>
     <p:sldId id="262" r:id="rId8"/>
-    <p:sldId id="271" r:id="rId9"/>
-    <p:sldId id="263" r:id="rId10"/>
-    <p:sldId id="272" r:id="rId11"/>
-    <p:sldId id="278" r:id="rId12"/>
-    <p:sldId id="273" r:id="rId13"/>
-    <p:sldId id="279" r:id="rId14"/>
-    <p:sldId id="280" r:id="rId15"/>
-    <p:sldId id="274" r:id="rId16"/>
-    <p:sldId id="283" r:id="rId17"/>
-    <p:sldId id="275" r:id="rId18"/>
-    <p:sldId id="276" r:id="rId19"/>
-    <p:sldId id="282" r:id="rId20"/>
-    <p:sldId id="277" r:id="rId21"/>
-    <p:sldId id="264" r:id="rId22"/>
-    <p:sldId id="265" r:id="rId23"/>
-    <p:sldId id="266" r:id="rId24"/>
-    <p:sldId id="267" r:id="rId25"/>
-    <p:sldId id="281" r:id="rId26"/>
-    <p:sldId id="268" r:id="rId27"/>
-    <p:sldId id="269" r:id="rId28"/>
-    <p:sldId id="270" r:id="rId29"/>
+    <p:sldId id="263" r:id="rId9"/>
+    <p:sldId id="264" r:id="rId10"/>
+    <p:sldId id="265" r:id="rId11"/>
+    <p:sldId id="266" r:id="rId12"/>
+    <p:sldId id="267" r:id="rId13"/>
+    <p:sldId id="268" r:id="rId14"/>
+    <p:sldId id="269" r:id="rId15"/>
+    <p:sldId id="270" r:id="rId16"/>
+    <p:sldId id="271" r:id="rId17"/>
+    <p:sldId id="272" r:id="rId18"/>
+    <p:sldId id="273" r:id="rId19"/>
+    <p:sldId id="274" r:id="rId20"/>
+    <p:sldId id="275" r:id="rId21"/>
+    <p:sldId id="276" r:id="rId22"/>
+    <p:sldId id="277" r:id="rId23"/>
+    <p:sldId id="278" r:id="rId24"/>
+    <p:sldId id="279" r:id="rId25"/>
+    <p:sldId id="280" r:id="rId26"/>
+    <p:sldId id="281" r:id="rId27"/>
+    <p:sldId id="282" r:id="rId28"/>
+    <p:sldId id="283" r:id="rId29"/>
   </p:sldIdLst>
   <p:sldSz cx="9144000" cy="5143500" type="screen16x9"/>
   <p:notesSz cx="6858000" cy="9144000"/>
@@ -286,7 +286,7 @@
   </p:defaultTextStyle>
   <p:extLst>
     <p:ext uri="{EFAFB233-063F-42B5-8137-9DF3F51BA10A}">
-      <p15:sldGuideLst xmlns="" xmlns:mc="http://schemas.openxmlformats.org/markup-compatibility/2006" xmlns:mv="urn:schemas-microsoft-com:mac:vml" xmlns:c="http://schemas.openxmlformats.org/drawingml/2006/chart" xmlns:dgm="http://schemas.openxmlformats.org/drawingml/2006/diagram" xmlns:o="urn:schemas-microsoft-com:office:office" xmlns:v="urn:schemas-microsoft-com:vml" xmlns:pvml="urn:schemas-microsoft-com:office:powerpoint" xmlns:com="http://schemas.openxmlformats.org/drawingml/2006/compatibility" xmlns:p14="http://schemas.microsoft.com/office/powerpoint/2010/main" xmlns:p15="http://schemas.microsoft.com/office/powerpoint/2012/main" xmlns:ahyp="http://schemas.microsoft.com/office/drawing/2018/hyperlinkcolor">
+      <p15:sldGuideLst xmlns:ahyp="http://schemas.microsoft.com/office/drawing/2018/hyperlinkcolor" xmlns:p15="http://schemas.microsoft.com/office/powerpoint/2012/main" xmlns:p14="http://schemas.microsoft.com/office/powerpoint/2010/main" xmlns:com="http://schemas.openxmlformats.org/drawingml/2006/compatibility" xmlns:pvml="urn:schemas-microsoft-com:office:powerpoint" xmlns:v="urn:schemas-microsoft-com:vml" xmlns:o="urn:schemas-microsoft-com:office:office" xmlns:dgm="http://schemas.openxmlformats.org/drawingml/2006/diagram" xmlns:c="http://schemas.openxmlformats.org/drawingml/2006/chart" xmlns:mv="urn:schemas-microsoft-com:mac:vml" xmlns:mc="http://schemas.openxmlformats.org/markup-compatibility/2006" xmlns="">
         <p15:guide id="1" orient="horz" pos="1620">
           <p15:clr>
             <a:srgbClr val="A4A3A4"/>
@@ -300,7 +300,7 @@
       </p15:sldGuideLst>
     </p:ext>
     <p:ext uri="http://customooxmlschemas.google.com/">
-      <go:slidesCustomData xmlns="" xmlns:mc="http://schemas.openxmlformats.org/markup-compatibility/2006" xmlns:mv="urn:schemas-microsoft-com:mac:vml" xmlns:c="http://schemas.openxmlformats.org/drawingml/2006/chart" xmlns:dgm="http://schemas.openxmlformats.org/drawingml/2006/diagram" xmlns:o="urn:schemas-microsoft-com:office:office" xmlns:v="urn:schemas-microsoft-com:vml" xmlns:pvml="urn:schemas-microsoft-com:office:powerpoint" xmlns:com="http://schemas.openxmlformats.org/drawingml/2006/compatibility" xmlns:p14="http://schemas.microsoft.com/office/powerpoint/2010/main" xmlns:p15="http://schemas.microsoft.com/office/powerpoint/2012/main" xmlns:ahyp="http://schemas.microsoft.com/office/drawing/2018/hyperlinkcolor" xmlns:go="http://customooxmlschemas.google.com/" r:id="rId39" roundtripDataSignature="AMtx7miAiPLL8H7dVG+qgA3Z9M1yzdJUNQ=="/>
+      <go:slidesCustomData xmlns:go="http://customooxmlschemas.google.com/" xmlns:ahyp="http://schemas.microsoft.com/office/drawing/2018/hyperlinkcolor" xmlns:p15="http://schemas.microsoft.com/office/powerpoint/2012/main" xmlns:p14="http://schemas.microsoft.com/office/powerpoint/2010/main" xmlns:com="http://schemas.openxmlformats.org/drawingml/2006/compatibility" xmlns:pvml="urn:schemas-microsoft-com:office:powerpoint" xmlns:v="urn:schemas-microsoft-com:vml" xmlns:o="urn:schemas-microsoft-com:office:office" xmlns:dgm="http://schemas.openxmlformats.org/drawingml/2006/diagram" xmlns:c="http://schemas.openxmlformats.org/drawingml/2006/chart" xmlns:mv="urn:schemas-microsoft-com:mac:vml" xmlns:mc="http://schemas.openxmlformats.org/markup-compatibility/2006" xmlns="" r:id="rId42" roundtripDataSignature="AMtx7mjVD+1YAndLaIzPKIgbwPPd/m45ng=="/>
     </p:ext>
   </p:extLst>
 </p:presentation>
@@ -310,9 +310,12 @@
 <p:notesMaster xmlns:a="http://schemas.openxmlformats.org/drawingml/2006/main" xmlns:r="http://schemas.openxmlformats.org/officeDocument/2006/relationships" xmlns:p="http://schemas.openxmlformats.org/presentationml/2006/main">
   <p:cSld>
     <p:bg>
-      <p:bgRef idx="1001">
-        <a:schemeClr val="bg1"/>
-      </p:bgRef>
+      <p:bgPr>
+        <a:solidFill>
+          <a:schemeClr val="lt1"/>
+        </a:solidFill>
+        <a:effectLst/>
+      </p:bgPr>
     </p:bg>
     <p:spTree>
       <p:nvGrpSpPr>
@@ -650,7 +653,7 @@
     </p:spTree>
     <p:extLst>
       <p:ext uri="{BB962C8B-B14F-4D97-AF65-F5344CB8AC3E}">
-        <p14:creationId xmlns:p14="http://schemas.microsoft.com/office/powerpoint/2010/main" val="2852843007"/>
+        <p14:creationId xmlns:p14="http://schemas.microsoft.com/office/powerpoint/2010/main" val="2064640671"/>
       </p:ext>
     </p:extLst>
   </p:cSld>
@@ -1014,7 +1017,7 @@
   <p:cSld>
     <p:spTree>
       <p:nvGrpSpPr>
-        <p:cNvPr id="1" name="Shape 104"/>
+        <p:cNvPr id="1" name="Shape 123"/>
         <p:cNvGrpSpPr/>
         <p:nvPr/>
       </p:nvGrpSpPr>
@@ -1028,7 +1031,7 @@
       </p:grpSpPr>
       <p:sp>
         <p:nvSpPr>
-          <p:cNvPr id="105" name="Google Shape;105;p7:notes"/>
+          <p:cNvPr id="124" name="Google Shape;124;p30:notes"/>
           <p:cNvSpPr>
             <a:spLocks noGrp="1" noRot="1" noChangeAspect="1"/>
           </p:cNvSpPr>
@@ -1079,7 +1082,7 @@
       </p:sp>
       <p:sp>
         <p:nvSpPr>
-          <p:cNvPr id="106" name="Google Shape;106;p7:notes"/>
+          <p:cNvPr id="125" name="Google Shape;125;p30:notes"/>
           <p:cNvSpPr txBox="1">
             <a:spLocks noGrp="1"/>
           </p:cNvSpPr>
@@ -1136,7 +1139,7 @@
   <p:cSld>
     <p:spTree>
       <p:nvGrpSpPr>
-        <p:cNvPr id="1" name="Shape 104"/>
+        <p:cNvPr id="1" name="Shape 129"/>
         <p:cNvGrpSpPr/>
         <p:nvPr/>
       </p:nvGrpSpPr>
@@ -1150,7 +1153,7 @@
       </p:grpSpPr>
       <p:sp>
         <p:nvSpPr>
-          <p:cNvPr id="105" name="Google Shape;105;p7:notes"/>
+          <p:cNvPr id="130" name="Google Shape;130;p31:notes"/>
           <p:cNvSpPr>
             <a:spLocks noGrp="1" noRot="1" noChangeAspect="1"/>
           </p:cNvSpPr>
@@ -1201,7 +1204,7 @@
       </p:sp>
       <p:sp>
         <p:nvSpPr>
-          <p:cNvPr id="106" name="Google Shape;106;p7:notes"/>
+          <p:cNvPr id="131" name="Google Shape;131;p31:notes"/>
           <p:cNvSpPr txBox="1">
             <a:spLocks noGrp="1"/>
           </p:cNvSpPr>
@@ -1258,7 +1261,7 @@
   <p:cSld>
     <p:spTree>
       <p:nvGrpSpPr>
-        <p:cNvPr id="1" name="Shape 104"/>
+        <p:cNvPr id="1" name="Shape 136"/>
         <p:cNvGrpSpPr/>
         <p:nvPr/>
       </p:nvGrpSpPr>
@@ -1272,7 +1275,7 @@
       </p:grpSpPr>
       <p:sp>
         <p:nvSpPr>
-          <p:cNvPr id="105" name="Google Shape;105;p7:notes"/>
+          <p:cNvPr id="137" name="Google Shape;137;p32:notes"/>
           <p:cNvSpPr>
             <a:spLocks noGrp="1" noRot="1" noChangeAspect="1"/>
           </p:cNvSpPr>
@@ -1323,7 +1326,7 @@
       </p:sp>
       <p:sp>
         <p:nvSpPr>
-          <p:cNvPr id="106" name="Google Shape;106;p7:notes"/>
+          <p:cNvPr id="138" name="Google Shape;138;p32:notes"/>
           <p:cNvSpPr txBox="1">
             <a:spLocks noGrp="1"/>
           </p:cNvSpPr>
@@ -1380,7 +1383,7 @@
   <p:cSld>
     <p:spTree>
       <p:nvGrpSpPr>
-        <p:cNvPr id="1" name="Shape 104"/>
+        <p:cNvPr id="1" name="Shape 143"/>
         <p:cNvGrpSpPr/>
         <p:nvPr/>
       </p:nvGrpSpPr>
@@ -1394,7 +1397,7 @@
       </p:grpSpPr>
       <p:sp>
         <p:nvSpPr>
-          <p:cNvPr id="105" name="Google Shape;105;p7:notes"/>
+          <p:cNvPr id="144" name="Google Shape;144;p28:notes"/>
           <p:cNvSpPr>
             <a:spLocks noGrp="1" noRot="1" noChangeAspect="1"/>
           </p:cNvSpPr>
@@ -1445,7 +1448,7 @@
       </p:sp>
       <p:sp>
         <p:nvSpPr>
-          <p:cNvPr id="106" name="Google Shape;106;p7:notes"/>
+          <p:cNvPr id="145" name="Google Shape;145;p28:notes"/>
           <p:cNvSpPr txBox="1">
             <a:spLocks noGrp="1"/>
           </p:cNvSpPr>
@@ -1502,7 +1505,7 @@
   <p:cSld>
     <p:spTree>
       <p:nvGrpSpPr>
-        <p:cNvPr id="1" name="Shape 104"/>
+        <p:cNvPr id="1" name="Shape 149"/>
         <p:cNvGrpSpPr/>
         <p:nvPr/>
       </p:nvGrpSpPr>
@@ -1516,7 +1519,7 @@
       </p:grpSpPr>
       <p:sp>
         <p:nvSpPr>
-          <p:cNvPr id="105" name="Google Shape;105;p7:notes"/>
+          <p:cNvPr id="150" name="Google Shape;150;p29:notes"/>
           <p:cNvSpPr>
             <a:spLocks noGrp="1" noRot="1" noChangeAspect="1"/>
           </p:cNvSpPr>
@@ -1567,7 +1570,7 @@
       </p:sp>
       <p:sp>
         <p:nvSpPr>
-          <p:cNvPr id="106" name="Google Shape;106;p7:notes"/>
+          <p:cNvPr id="151" name="Google Shape;151;p29:notes"/>
           <p:cNvSpPr txBox="1">
             <a:spLocks noGrp="1"/>
           </p:cNvSpPr>
@@ -1624,7 +1627,7 @@
   <p:cSld>
     <p:spTree>
       <p:nvGrpSpPr>
-        <p:cNvPr id="1" name="Shape 104"/>
+        <p:cNvPr id="1" name="Shape 156"/>
         <p:cNvGrpSpPr/>
         <p:nvPr/>
       </p:nvGrpSpPr>
@@ -1638,7 +1641,7 @@
       </p:grpSpPr>
       <p:sp>
         <p:nvSpPr>
-          <p:cNvPr id="105" name="Google Shape;105;p7:notes"/>
+          <p:cNvPr id="157" name="Google Shape;157;p33:notes"/>
           <p:cNvSpPr>
             <a:spLocks noGrp="1" noRot="1" noChangeAspect="1"/>
           </p:cNvSpPr>
@@ -1689,7 +1692,7 @@
       </p:sp>
       <p:sp>
         <p:nvSpPr>
-          <p:cNvPr id="106" name="Google Shape;106;p7:notes"/>
+          <p:cNvPr id="158" name="Google Shape;158;p33:notes"/>
           <p:cNvSpPr txBox="1">
             <a:spLocks noGrp="1"/>
           </p:cNvSpPr>
@@ -1746,7 +1749,7 @@
   <p:cSld>
     <p:spTree>
       <p:nvGrpSpPr>
-        <p:cNvPr id="1" name="Shape 104"/>
+        <p:cNvPr id="1" name="Shape 162"/>
         <p:cNvGrpSpPr/>
         <p:nvPr/>
       </p:nvGrpSpPr>
@@ -1760,7 +1763,7 @@
       </p:grpSpPr>
       <p:sp>
         <p:nvSpPr>
-          <p:cNvPr id="105" name="Google Shape;105;p7:notes"/>
+          <p:cNvPr id="163" name="Google Shape;163;p34:notes"/>
           <p:cNvSpPr>
             <a:spLocks noGrp="1" noRot="1" noChangeAspect="1"/>
           </p:cNvSpPr>
@@ -1811,7 +1814,7 @@
       </p:sp>
       <p:sp>
         <p:nvSpPr>
-          <p:cNvPr id="106" name="Google Shape;106;p7:notes"/>
+          <p:cNvPr id="164" name="Google Shape;164;p34:notes"/>
           <p:cNvSpPr txBox="1">
             <a:spLocks noGrp="1"/>
           </p:cNvSpPr>
@@ -1868,7 +1871,7 @@
   <p:cSld>
     <p:spTree>
       <p:nvGrpSpPr>
-        <p:cNvPr id="1" name="Shape 104"/>
+        <p:cNvPr id="1" name="Shape 169"/>
         <p:cNvGrpSpPr/>
         <p:nvPr/>
       </p:nvGrpSpPr>
@@ -1882,7 +1885,7 @@
       </p:grpSpPr>
       <p:sp>
         <p:nvSpPr>
-          <p:cNvPr id="105" name="Google Shape;105;p7:notes"/>
+          <p:cNvPr id="170" name="Google Shape;170;p35:notes"/>
           <p:cNvSpPr>
             <a:spLocks noGrp="1" noRot="1" noChangeAspect="1"/>
           </p:cNvSpPr>
@@ -1933,7 +1936,7 @@
       </p:sp>
       <p:sp>
         <p:nvSpPr>
-          <p:cNvPr id="106" name="Google Shape;106;p7:notes"/>
+          <p:cNvPr id="171" name="Google Shape;171;p35:notes"/>
           <p:cNvSpPr txBox="1">
             <a:spLocks noGrp="1"/>
           </p:cNvSpPr>
@@ -1990,7 +1993,7 @@
   <p:cSld>
     <p:spTree>
       <p:nvGrpSpPr>
-        <p:cNvPr id="1" name="Shape 104"/>
+        <p:cNvPr id="1" name="Shape 175"/>
         <p:cNvGrpSpPr/>
         <p:nvPr/>
       </p:nvGrpSpPr>
@@ -2004,7 +2007,7 @@
       </p:grpSpPr>
       <p:sp>
         <p:nvSpPr>
-          <p:cNvPr id="105" name="Google Shape;105;p7:notes"/>
+          <p:cNvPr id="176" name="Google Shape;176;p36:notes"/>
           <p:cNvSpPr>
             <a:spLocks noGrp="1" noRot="1" noChangeAspect="1"/>
           </p:cNvSpPr>
@@ -2055,7 +2058,7 @@
       </p:sp>
       <p:sp>
         <p:nvSpPr>
-          <p:cNvPr id="106" name="Google Shape;106;p7:notes"/>
+          <p:cNvPr id="177" name="Google Shape;177;p36:notes"/>
           <p:cNvSpPr txBox="1">
             <a:spLocks noGrp="1"/>
           </p:cNvSpPr>
@@ -2112,7 +2115,7 @@
   <p:cSld>
     <p:spTree>
       <p:nvGrpSpPr>
-        <p:cNvPr id="1" name="Shape 104"/>
+        <p:cNvPr id="1" name="Shape 181"/>
         <p:cNvGrpSpPr/>
         <p:nvPr/>
       </p:nvGrpSpPr>
@@ -2126,7 +2129,7 @@
       </p:grpSpPr>
       <p:sp>
         <p:nvSpPr>
-          <p:cNvPr id="105" name="Google Shape;105;p7:notes"/>
+          <p:cNvPr id="182" name="Google Shape;182;p37:notes"/>
           <p:cNvSpPr>
             <a:spLocks noGrp="1" noRot="1" noChangeAspect="1"/>
           </p:cNvSpPr>
@@ -2177,7 +2180,7 @@
       </p:sp>
       <p:sp>
         <p:nvSpPr>
-          <p:cNvPr id="106" name="Google Shape;106;p7:notes"/>
+          <p:cNvPr id="183" name="Google Shape;183;p37:notes"/>
           <p:cNvSpPr txBox="1">
             <a:spLocks noGrp="1"/>
           </p:cNvSpPr>
@@ -2356,7 +2359,7 @@
   <p:cSld>
     <p:spTree>
       <p:nvGrpSpPr>
-        <p:cNvPr id="1" name="Shape 104"/>
+        <p:cNvPr id="1" name="Shape 188"/>
         <p:cNvGrpSpPr/>
         <p:nvPr/>
       </p:nvGrpSpPr>
@@ -2370,7 +2373,7 @@
       </p:grpSpPr>
       <p:sp>
         <p:nvSpPr>
-          <p:cNvPr id="105" name="Google Shape;105;p7:notes"/>
+          <p:cNvPr id="189" name="Google Shape;189;p38:notes"/>
           <p:cNvSpPr>
             <a:spLocks noGrp="1" noRot="1" noChangeAspect="1"/>
           </p:cNvSpPr>
@@ -2421,7 +2424,7 @@
       </p:sp>
       <p:sp>
         <p:nvSpPr>
-          <p:cNvPr id="106" name="Google Shape;106;p7:notes"/>
+          <p:cNvPr id="190" name="Google Shape;190;p38:notes"/>
           <p:cNvSpPr txBox="1">
             <a:spLocks noGrp="1"/>
           </p:cNvSpPr>
@@ -2478,7 +2481,7 @@
   <p:cSld>
     <p:spTree>
       <p:nvGrpSpPr>
-        <p:cNvPr id="1" name="Shape 116"/>
+        <p:cNvPr id="1" name="Shape 194"/>
         <p:cNvGrpSpPr/>
         <p:nvPr/>
       </p:nvGrpSpPr>
@@ -2492,7 +2495,7 @@
       </p:grpSpPr>
       <p:sp>
         <p:nvSpPr>
-          <p:cNvPr id="117" name="Google Shape;117;p8:notes"/>
+          <p:cNvPr id="195" name="Google Shape;195;p8:notes"/>
           <p:cNvSpPr>
             <a:spLocks noGrp="1" noRot="1" noChangeAspect="1"/>
           </p:cNvSpPr>
@@ -2543,7 +2546,7 @@
       </p:sp>
       <p:sp>
         <p:nvSpPr>
-          <p:cNvPr id="118" name="Google Shape;118;p8:notes"/>
+          <p:cNvPr id="196" name="Google Shape;196;p8:notes"/>
           <p:cNvSpPr txBox="1">
             <a:spLocks noGrp="1"/>
           </p:cNvSpPr>
@@ -2600,7 +2603,7 @@
   <p:cSld>
     <p:spTree>
       <p:nvGrpSpPr>
-        <p:cNvPr id="1" name="Shape 122"/>
+        <p:cNvPr id="1" name="Shape 200"/>
         <p:cNvGrpSpPr/>
         <p:nvPr/>
       </p:nvGrpSpPr>
@@ -2614,7 +2617,7 @@
       </p:grpSpPr>
       <p:sp>
         <p:nvSpPr>
-          <p:cNvPr id="123" name="Google Shape;123;p9:notes"/>
+          <p:cNvPr id="201" name="Google Shape;201;p9:notes"/>
           <p:cNvSpPr>
             <a:spLocks noGrp="1" noRot="1" noChangeAspect="1"/>
           </p:cNvSpPr>
@@ -2665,7 +2668,7 @@
       </p:sp>
       <p:sp>
         <p:nvSpPr>
-          <p:cNvPr id="124" name="Google Shape;124;p9:notes"/>
+          <p:cNvPr id="202" name="Google Shape;202;p9:notes"/>
           <p:cNvSpPr txBox="1">
             <a:spLocks noGrp="1"/>
           </p:cNvSpPr>
@@ -2722,7 +2725,7 @@
   <p:cSld>
     <p:spTree>
       <p:nvGrpSpPr>
-        <p:cNvPr id="1" name="Shape 128"/>
+        <p:cNvPr id="1" name="Shape 206"/>
         <p:cNvGrpSpPr/>
         <p:nvPr/>
       </p:nvGrpSpPr>
@@ -2736,7 +2739,7 @@
       </p:grpSpPr>
       <p:sp>
         <p:nvSpPr>
-          <p:cNvPr id="129" name="Google Shape;129;p10:notes"/>
+          <p:cNvPr id="207" name="Google Shape;207;p10:notes"/>
           <p:cNvSpPr>
             <a:spLocks noGrp="1" noRot="1" noChangeAspect="1"/>
           </p:cNvSpPr>
@@ -2787,7 +2790,7 @@
       </p:sp>
       <p:sp>
         <p:nvSpPr>
-          <p:cNvPr id="130" name="Google Shape;130;p10:notes"/>
+          <p:cNvPr id="208" name="Google Shape;208;p10:notes"/>
           <p:cNvSpPr txBox="1">
             <a:spLocks noGrp="1"/>
           </p:cNvSpPr>
@@ -2844,7 +2847,7 @@
   <p:cSld>
     <p:spTree>
       <p:nvGrpSpPr>
-        <p:cNvPr id="1" name="Shape 134"/>
+        <p:cNvPr id="1" name="Shape 212"/>
         <p:cNvGrpSpPr/>
         <p:nvPr/>
       </p:nvGrpSpPr>
@@ -2858,7 +2861,7 @@
       </p:grpSpPr>
       <p:sp>
         <p:nvSpPr>
-          <p:cNvPr id="135" name="Google Shape;135;p11:notes"/>
+          <p:cNvPr id="213" name="Google Shape;213;p11:notes"/>
           <p:cNvSpPr>
             <a:spLocks noGrp="1" noRot="1" noChangeAspect="1"/>
           </p:cNvSpPr>
@@ -2909,7 +2912,7 @@
       </p:sp>
       <p:sp>
         <p:nvSpPr>
-          <p:cNvPr id="136" name="Google Shape;136;p11:notes"/>
+          <p:cNvPr id="214" name="Google Shape;214;p11:notes"/>
           <p:cNvSpPr txBox="1">
             <a:spLocks noGrp="1"/>
           </p:cNvSpPr>
@@ -2966,7 +2969,7 @@
   <p:cSld>
     <p:spTree>
       <p:nvGrpSpPr>
-        <p:cNvPr id="1" name="Shape 134"/>
+        <p:cNvPr id="1" name="Shape 218"/>
         <p:cNvGrpSpPr/>
         <p:nvPr/>
       </p:nvGrpSpPr>
@@ -2980,7 +2983,7 @@
       </p:grpSpPr>
       <p:sp>
         <p:nvSpPr>
-          <p:cNvPr id="135" name="Google Shape;135;p11:notes"/>
+          <p:cNvPr id="219" name="Google Shape;219;p39:notes"/>
           <p:cNvSpPr>
             <a:spLocks noGrp="1" noRot="1" noChangeAspect="1"/>
           </p:cNvSpPr>
@@ -3031,7 +3034,7 @@
       </p:sp>
       <p:sp>
         <p:nvSpPr>
-          <p:cNvPr id="136" name="Google Shape;136;p11:notes"/>
+          <p:cNvPr id="220" name="Google Shape;220;p39:notes"/>
           <p:cNvSpPr txBox="1">
             <a:spLocks noGrp="1"/>
           </p:cNvSpPr>
@@ -3088,7 +3091,7 @@
   <p:cSld>
     <p:spTree>
       <p:nvGrpSpPr>
-        <p:cNvPr id="1" name="Shape 140"/>
+        <p:cNvPr id="1" name="Shape 225"/>
         <p:cNvGrpSpPr/>
         <p:nvPr/>
       </p:nvGrpSpPr>
@@ -3102,7 +3105,7 @@
       </p:grpSpPr>
       <p:sp>
         <p:nvSpPr>
-          <p:cNvPr id="141" name="Google Shape;141;p12:notes"/>
+          <p:cNvPr id="226" name="Google Shape;226;p12:notes"/>
           <p:cNvSpPr>
             <a:spLocks noGrp="1" noRot="1" noChangeAspect="1"/>
           </p:cNvSpPr>
@@ -3153,7 +3156,7 @@
       </p:sp>
       <p:sp>
         <p:nvSpPr>
-          <p:cNvPr id="142" name="Google Shape;142;p12:notes"/>
+          <p:cNvPr id="227" name="Google Shape;227;p12:notes"/>
           <p:cNvSpPr txBox="1">
             <a:spLocks noGrp="1"/>
           </p:cNvSpPr>
@@ -3210,7 +3213,7 @@
   <p:cSld>
     <p:spTree>
       <p:nvGrpSpPr>
-        <p:cNvPr id="1" name="Shape 146"/>
+        <p:cNvPr id="1" name="Shape 231"/>
         <p:cNvGrpSpPr/>
         <p:nvPr/>
       </p:nvGrpSpPr>
@@ -3224,7 +3227,7 @@
       </p:grpSpPr>
       <p:sp>
         <p:nvSpPr>
-          <p:cNvPr id="147" name="Google Shape;147;p13:notes"/>
+          <p:cNvPr id="232" name="Google Shape;232;p13:notes"/>
           <p:cNvSpPr>
             <a:spLocks noGrp="1" noRot="1" noChangeAspect="1"/>
           </p:cNvSpPr>
@@ -3275,7 +3278,7 @@
       </p:sp>
       <p:sp>
         <p:nvSpPr>
-          <p:cNvPr id="148" name="Google Shape;148;p13:notes"/>
+          <p:cNvPr id="233" name="Google Shape;233;p13:notes"/>
           <p:cNvSpPr txBox="1">
             <a:spLocks noGrp="1"/>
           </p:cNvSpPr>
@@ -3332,7 +3335,7 @@
   <p:cSld>
     <p:spTree>
       <p:nvGrpSpPr>
-        <p:cNvPr id="1" name="Shape 152"/>
+        <p:cNvPr id="1" name="Shape 237"/>
         <p:cNvGrpSpPr/>
         <p:nvPr/>
       </p:nvGrpSpPr>
@@ -3346,7 +3349,7 @@
       </p:grpSpPr>
       <p:sp>
         <p:nvSpPr>
-          <p:cNvPr id="153" name="Google Shape;153;p14:notes"/>
+          <p:cNvPr id="238" name="Google Shape;238;p14:notes"/>
           <p:cNvSpPr>
             <a:spLocks noGrp="1" noRot="1" noChangeAspect="1"/>
           </p:cNvSpPr>
@@ -3397,7 +3400,7 @@
       </p:sp>
       <p:sp>
         <p:nvSpPr>
-          <p:cNvPr id="154" name="Google Shape;154;p14:notes"/>
+          <p:cNvPr id="239" name="Google Shape;239;p14:notes"/>
           <p:cNvSpPr txBox="1">
             <a:spLocks noGrp="1"/>
           </p:cNvSpPr>
@@ -4064,7 +4067,7 @@
   <p:cSld>
     <p:spTree>
       <p:nvGrpSpPr>
-        <p:cNvPr id="1" name="Shape 104"/>
+        <p:cNvPr id="1" name="Shape 110"/>
         <p:cNvGrpSpPr/>
         <p:nvPr/>
       </p:nvGrpSpPr>
@@ -4078,7 +4081,7 @@
       </p:grpSpPr>
       <p:sp>
         <p:nvSpPr>
-          <p:cNvPr id="105" name="Google Shape;105;p7:notes"/>
+          <p:cNvPr id="111" name="Google Shape;111;p27:notes"/>
           <p:cNvSpPr>
             <a:spLocks noGrp="1" noRot="1" noChangeAspect="1"/>
           </p:cNvSpPr>
@@ -4129,7 +4132,7 @@
       </p:sp>
       <p:sp>
         <p:nvSpPr>
-          <p:cNvPr id="106" name="Google Shape;106;p7:notes"/>
+          <p:cNvPr id="112" name="Google Shape;112;p27:notes"/>
           <p:cNvSpPr txBox="1">
             <a:spLocks noGrp="1"/>
           </p:cNvSpPr>
@@ -4186,7 +4189,7 @@
   <p:cSld>
     <p:spTree>
       <p:nvGrpSpPr>
-        <p:cNvPr id="1" name="Shape 110"/>
+        <p:cNvPr id="1" name="Shape 116"/>
         <p:cNvGrpSpPr/>
         <p:nvPr/>
       </p:nvGrpSpPr>
@@ -4200,7 +4203,7 @@
       </p:grpSpPr>
       <p:sp>
         <p:nvSpPr>
-          <p:cNvPr id="111" name="Google Shape;111;ga9befa7a57_0_0:notes"/>
+          <p:cNvPr id="117" name="Google Shape;117;ga9befa7a57_0_0:notes"/>
           <p:cNvSpPr>
             <a:spLocks noGrp="1" noRot="1" noChangeAspect="1"/>
           </p:cNvSpPr>
@@ -4251,7 +4254,7 @@
       </p:sp>
       <p:sp>
         <p:nvSpPr>
-          <p:cNvPr id="112" name="Google Shape;112;ga9befa7a57_0_0:notes"/>
+          <p:cNvPr id="118" name="Google Shape;118;ga9befa7a57_0_0:notes"/>
           <p:cNvSpPr txBox="1">
             <a:spLocks noGrp="1"/>
           </p:cNvSpPr>
@@ -13213,6 +13216,13 @@
   <p:clrMapOvr>
     <a:masterClrMapping/>
   </p:clrMapOvr>
+  <p:timing>
+    <p:tnLst>
+      <p:par>
+        <p:cTn id="1" dur="indefinite" restart="never" nodeType="tmRoot"/>
+      </p:par>
+    </p:tnLst>
+  </p:timing>
 </p:sld>
 </file>
 
@@ -13221,7 +13231,7 @@
   <p:cSld>
     <p:spTree>
       <p:nvGrpSpPr>
-        <p:cNvPr id="1" name="Shape 107"/>
+        <p:cNvPr id="1" name="Shape 126"/>
         <p:cNvGrpSpPr/>
         <p:nvPr/>
       </p:nvGrpSpPr>
@@ -13235,7 +13245,7 @@
       </p:grpSpPr>
       <p:sp>
         <p:nvSpPr>
-          <p:cNvPr id="108" name="Google Shape;108;p7"/>
+          <p:cNvPr id="127" name="Google Shape;127;p30"/>
           <p:cNvSpPr txBox="1">
             <a:spLocks noGrp="1"/>
           </p:cNvSpPr>
@@ -13276,20 +13286,16 @@
               <a:buNone/>
             </a:pPr>
             <a:r>
-              <a:rPr lang="en" dirty="0"/>
-              <a:t>6</a:t>
-            </a:r>
-            <a:r>
-              <a:rPr lang="en" dirty="0" smtClean="0"/>
-              <a:t> – Algorithms and Techniques used</a:t>
-            </a:r>
-            <a:endParaRPr dirty="0"/>
+              <a:rPr lang="en"/>
+              <a:t>6 – Algorithms and Techniques used</a:t>
+            </a:r>
+            <a:endParaRPr/>
           </a:p>
         </p:txBody>
       </p:sp>
       <p:sp>
         <p:nvSpPr>
-          <p:cNvPr id="109" name="Google Shape;109;p7"/>
+          <p:cNvPr id="128" name="Google Shape;128;p30"/>
           <p:cNvSpPr txBox="1">
             <a:spLocks noGrp="1"/>
           </p:cNvSpPr>
@@ -13316,125 +13322,508 @@
           </a:bodyPr>
           <a:lstStyle/>
           <a:p>
-            <a:pPr marL="1054100" lvl="2" indent="0">
+            <a:pPr marL="1054100" lvl="2" indent="0" algn="l" rtl="0">
+              <a:lnSpc>
+                <a:spcPct val="115000"/>
+              </a:lnSpc>
+              <a:spcBef>
+                <a:spcPts val="1600"/>
+              </a:spcBef>
+              <a:spcAft>
+                <a:spcPts val="0"/>
+              </a:spcAft>
+              <a:buSzPts val="1400"/>
               <a:buNone/>
             </a:pPr>
             <a:r>
-              <a:rPr lang="en-US" b="1" u="sng" dirty="0">
-                <a:latin typeface="Times New Roman" panose="02020603050405020304" pitchFamily="18" charset="0"/>
-                <a:cs typeface="Times New Roman" panose="02020603050405020304" pitchFamily="18" charset="0"/>
+              <a:rPr lang="en" sz="1600" b="1" u="sng">
+                <a:solidFill>
+                  <a:schemeClr val="dk2"/>
+                </a:solidFill>
+                <a:latin typeface="Times New Roman"/>
+                <a:ea typeface="Times New Roman"/>
+                <a:cs typeface="Times New Roman"/>
+                <a:sym typeface="Times New Roman"/>
               </a:rPr>
-              <a:t>Convolution Neural Network (CNN model)</a:t>
-            </a:r>
-            <a:endParaRPr lang="en-IN" sz="1200" b="1" u="sng" dirty="0">
-              <a:latin typeface="Times New Roman" panose="02020603050405020304" pitchFamily="18" charset="0"/>
-              <a:cs typeface="Times New Roman" panose="02020603050405020304" pitchFamily="18" charset="0"/>
+              <a:t>Web Scrapping</a:t>
+            </a:r>
+            <a:endParaRPr sz="1600" b="1" u="sng">
+              <a:solidFill>
+                <a:schemeClr val="dk2"/>
+              </a:solidFill>
+              <a:latin typeface="Times New Roman"/>
+              <a:ea typeface="Times New Roman"/>
+              <a:cs typeface="Times New Roman"/>
+              <a:sym typeface="Times New Roman"/>
             </a:endParaRPr>
           </a:p>
           <a:p>
-            <a:pPr marL="114300" indent="0">
+            <a:pPr marL="114300" lvl="0" indent="0" algn="l" rtl="0">
+              <a:lnSpc>
+                <a:spcPct val="115000"/>
+              </a:lnSpc>
+              <a:spcBef>
+                <a:spcPts val="0"/>
+              </a:spcBef>
+              <a:spcAft>
+                <a:spcPts val="0"/>
+              </a:spcAft>
+              <a:buSzPts val="1800"/>
               <a:buNone/>
             </a:pPr>
             <a:r>
-              <a:rPr lang="en-IN" sz="1200" dirty="0">
-                <a:latin typeface="Times New Roman" panose="02020603050405020304" pitchFamily="18" charset="0"/>
-                <a:cs typeface="Times New Roman" panose="02020603050405020304" pitchFamily="18" charset="0"/>
+              <a:rPr lang="en" sz="1200">
+                <a:solidFill>
+                  <a:schemeClr val="dk2"/>
+                </a:solidFill>
+                <a:latin typeface="Times New Roman"/>
+                <a:ea typeface="Times New Roman"/>
+                <a:cs typeface="Times New Roman"/>
+                <a:sym typeface="Times New Roman"/>
               </a:rPr>
-              <a:t>A </a:t>
-            </a:r>
-            <a:r>
-              <a:rPr lang="en-IN" sz="1200" b="1" dirty="0">
-                <a:latin typeface="Times New Roman" panose="02020603050405020304" pitchFamily="18" charset="0"/>
-                <a:cs typeface="Times New Roman" panose="02020603050405020304" pitchFamily="18" charset="0"/>
+              <a:t>Web scraping  is </a:t>
+            </a:r>
+            <a:r>
+              <a:rPr lang="en" sz="1200" u="sng">
+                <a:solidFill>
+                  <a:schemeClr val="dk2"/>
+                </a:solidFill>
+                <a:latin typeface="Times New Roman"/>
+                <a:ea typeface="Times New Roman"/>
+                <a:cs typeface="Times New Roman"/>
+                <a:sym typeface="Times New Roman"/>
+                <a:hlinkClick r:id="rId3">
+                  <a:extLst>
+                    <a:ext uri="{A12FA001-AC4F-418D-AE19-62706E023703}">
+                      <ahyp:hlinkClr xmlns:ahyp="http://schemas.microsoft.com/office/drawing/2018/hyperlinkcolor" xmlns:p15="http://schemas.microsoft.com/office/powerpoint/2012/main" xmlns:p14="http://schemas.microsoft.com/office/powerpoint/2010/main" xmlns:com="http://schemas.openxmlformats.org/drawingml/2006/compatibility" xmlns:pvml="urn:schemas-microsoft-com:office:powerpoint" xmlns:v="urn:schemas-microsoft-com:vml" xmlns:o="urn:schemas-microsoft-com:office:office" xmlns:dgm="http://schemas.openxmlformats.org/drawingml/2006/diagram" xmlns:c="http://schemas.openxmlformats.org/drawingml/2006/chart" xmlns:mv="urn:schemas-microsoft-com:mac:vml" xmlns:mc="http://schemas.openxmlformats.org/markup-compatibility/2006" xmlns="" val="tx"/>
+                    </a:ext>
+                  </a:extLst>
+                </a:hlinkClick>
               </a:rPr>
-              <a:t>Convolutional Neural Network (ConvNet/CNN)</a:t>
-            </a:r>
-            <a:r>
-              <a:rPr lang="en-IN" sz="1200" dirty="0">
-                <a:latin typeface="Times New Roman" panose="02020603050405020304" pitchFamily="18" charset="0"/>
-                <a:cs typeface="Times New Roman" panose="02020603050405020304" pitchFamily="18" charset="0"/>
+              <a:t>data scraping</a:t>
+            </a:r>
+            <a:r>
+              <a:rPr lang="en" sz="1200">
+                <a:solidFill>
+                  <a:schemeClr val="dk2"/>
+                </a:solidFill>
+                <a:latin typeface="Times New Roman"/>
+                <a:ea typeface="Times New Roman"/>
+                <a:cs typeface="Times New Roman"/>
+                <a:sym typeface="Times New Roman"/>
               </a:rPr>
-              <a:t> is a Deep Learning algorithm which can take in an input image, assign importance (learnable weights and biases) to various aspects/objects in the image and be able to differentiate one from the other. The pre-processing required in a ConvNet is much lower as compared to other classification algorithms. While in primitive methods filters are hand-engineered, with enough training, ConvNets have the ability to learn these filters/characteristics.</a:t>
-            </a:r>
-          </a:p>
-          <a:p>
-            <a:pPr marL="114300" indent="0">
+              <a:t> used for </a:t>
+            </a:r>
+            <a:r>
+              <a:rPr lang="en" sz="1200" u="sng">
+                <a:solidFill>
+                  <a:schemeClr val="dk2"/>
+                </a:solidFill>
+                <a:latin typeface="Times New Roman"/>
+                <a:ea typeface="Times New Roman"/>
+                <a:cs typeface="Times New Roman"/>
+                <a:sym typeface="Times New Roman"/>
+                <a:hlinkClick r:id="rId4">
+                  <a:extLst>
+                    <a:ext uri="{A12FA001-AC4F-418D-AE19-62706E023703}">
+                      <ahyp:hlinkClr xmlns:ahyp="http://schemas.microsoft.com/office/drawing/2018/hyperlinkcolor" xmlns:p15="http://schemas.microsoft.com/office/powerpoint/2012/main" xmlns:p14="http://schemas.microsoft.com/office/powerpoint/2010/main" xmlns:com="http://schemas.openxmlformats.org/drawingml/2006/compatibility" xmlns:pvml="urn:schemas-microsoft-com:office:powerpoint" xmlns:v="urn:schemas-microsoft-com:vml" xmlns:o="urn:schemas-microsoft-com:office:office" xmlns:dgm="http://schemas.openxmlformats.org/drawingml/2006/diagram" xmlns:c="http://schemas.openxmlformats.org/drawingml/2006/chart" xmlns:mv="urn:schemas-microsoft-com:mac:vml" xmlns:mc="http://schemas.openxmlformats.org/markup-compatibility/2006" xmlns="" val="tx"/>
+                    </a:ext>
+                  </a:extLst>
+                </a:hlinkClick>
+              </a:rPr>
+              <a:t>extracting data</a:t>
+            </a:r>
+            <a:r>
+              <a:rPr lang="en" sz="1200">
+                <a:solidFill>
+                  <a:schemeClr val="dk2"/>
+                </a:solidFill>
+                <a:latin typeface="Times New Roman"/>
+                <a:ea typeface="Times New Roman"/>
+                <a:cs typeface="Times New Roman"/>
+                <a:sym typeface="Times New Roman"/>
+              </a:rPr>
+              <a:t> from </a:t>
+            </a:r>
+            <a:r>
+              <a:rPr lang="en" sz="1200" u="sng">
+                <a:solidFill>
+                  <a:schemeClr val="dk2"/>
+                </a:solidFill>
+                <a:latin typeface="Times New Roman"/>
+                <a:ea typeface="Times New Roman"/>
+                <a:cs typeface="Times New Roman"/>
+                <a:sym typeface="Times New Roman"/>
+                <a:hlinkClick r:id="rId5">
+                  <a:extLst>
+                    <a:ext uri="{A12FA001-AC4F-418D-AE19-62706E023703}">
+                      <ahyp:hlinkClr xmlns:ahyp="http://schemas.microsoft.com/office/drawing/2018/hyperlinkcolor" xmlns:p15="http://schemas.microsoft.com/office/powerpoint/2012/main" xmlns:p14="http://schemas.microsoft.com/office/powerpoint/2010/main" xmlns:com="http://schemas.openxmlformats.org/drawingml/2006/compatibility" xmlns:pvml="urn:schemas-microsoft-com:office:powerpoint" xmlns:v="urn:schemas-microsoft-com:vml" xmlns:o="urn:schemas-microsoft-com:office:office" xmlns:dgm="http://schemas.openxmlformats.org/drawingml/2006/diagram" xmlns:c="http://schemas.openxmlformats.org/drawingml/2006/chart" xmlns:mv="urn:schemas-microsoft-com:mac:vml" xmlns:mc="http://schemas.openxmlformats.org/markup-compatibility/2006" xmlns="" val="tx"/>
+                    </a:ext>
+                  </a:extLst>
+                </a:hlinkClick>
+              </a:rPr>
+              <a:t>websites</a:t>
+            </a:r>
+            <a:r>
+              <a:rPr lang="en" sz="1200">
+                <a:solidFill>
+                  <a:schemeClr val="dk2"/>
+                </a:solidFill>
+                <a:latin typeface="Times New Roman"/>
+                <a:ea typeface="Times New Roman"/>
+                <a:cs typeface="Times New Roman"/>
+                <a:sym typeface="Times New Roman"/>
+              </a:rPr>
+              <a:t>. Web scraping software may access the </a:t>
+            </a:r>
+            <a:r>
+              <a:rPr lang="en" sz="1200" u="sng">
+                <a:solidFill>
+                  <a:schemeClr val="dk2"/>
+                </a:solidFill>
+                <a:latin typeface="Times New Roman"/>
+                <a:ea typeface="Times New Roman"/>
+                <a:cs typeface="Times New Roman"/>
+                <a:sym typeface="Times New Roman"/>
+                <a:hlinkClick r:id="rId6">
+                  <a:extLst>
+                    <a:ext uri="{A12FA001-AC4F-418D-AE19-62706E023703}">
+                      <ahyp:hlinkClr xmlns:ahyp="http://schemas.microsoft.com/office/drawing/2018/hyperlinkcolor" xmlns:p15="http://schemas.microsoft.com/office/powerpoint/2012/main" xmlns:p14="http://schemas.microsoft.com/office/powerpoint/2010/main" xmlns:com="http://schemas.openxmlformats.org/drawingml/2006/compatibility" xmlns:pvml="urn:schemas-microsoft-com:office:powerpoint" xmlns:v="urn:schemas-microsoft-com:vml" xmlns:o="urn:schemas-microsoft-com:office:office" xmlns:dgm="http://schemas.openxmlformats.org/drawingml/2006/diagram" xmlns:c="http://schemas.openxmlformats.org/drawingml/2006/chart" xmlns:mv="urn:schemas-microsoft-com:mac:vml" xmlns:mc="http://schemas.openxmlformats.org/markup-compatibility/2006" xmlns="" val="tx"/>
+                    </a:ext>
+                  </a:extLst>
+                </a:hlinkClick>
+              </a:rPr>
+              <a:t>World Wide Web</a:t>
+            </a:r>
+            <a:r>
+              <a:rPr lang="en" sz="1200">
+                <a:solidFill>
+                  <a:schemeClr val="dk2"/>
+                </a:solidFill>
+                <a:latin typeface="Times New Roman"/>
+                <a:ea typeface="Times New Roman"/>
+                <a:cs typeface="Times New Roman"/>
+                <a:sym typeface="Times New Roman"/>
+              </a:rPr>
+              <a:t> directly using the </a:t>
+            </a:r>
+            <a:r>
+              <a:rPr lang="en" sz="1200" u="sng">
+                <a:solidFill>
+                  <a:schemeClr val="dk2"/>
+                </a:solidFill>
+                <a:latin typeface="Times New Roman"/>
+                <a:ea typeface="Times New Roman"/>
+                <a:cs typeface="Times New Roman"/>
+                <a:sym typeface="Times New Roman"/>
+                <a:hlinkClick r:id="rId7">
+                  <a:extLst>
+                    <a:ext uri="{A12FA001-AC4F-418D-AE19-62706E023703}">
+                      <ahyp:hlinkClr xmlns:ahyp="http://schemas.microsoft.com/office/drawing/2018/hyperlinkcolor" xmlns:p15="http://schemas.microsoft.com/office/powerpoint/2012/main" xmlns:p14="http://schemas.microsoft.com/office/powerpoint/2010/main" xmlns:com="http://schemas.openxmlformats.org/drawingml/2006/compatibility" xmlns:pvml="urn:schemas-microsoft-com:office:powerpoint" xmlns:v="urn:schemas-microsoft-com:vml" xmlns:o="urn:schemas-microsoft-com:office:office" xmlns:dgm="http://schemas.openxmlformats.org/drawingml/2006/diagram" xmlns:c="http://schemas.openxmlformats.org/drawingml/2006/chart" xmlns:mv="urn:schemas-microsoft-com:mac:vml" xmlns:mc="http://schemas.openxmlformats.org/markup-compatibility/2006" xmlns="" val="tx"/>
+                    </a:ext>
+                  </a:extLst>
+                </a:hlinkClick>
+              </a:rPr>
+              <a:t>Hypertext Transfer Protocol</a:t>
+            </a:r>
+            <a:r>
+              <a:rPr lang="en" sz="1200">
+                <a:solidFill>
+                  <a:schemeClr val="dk2"/>
+                </a:solidFill>
+                <a:latin typeface="Times New Roman"/>
+                <a:ea typeface="Times New Roman"/>
+                <a:cs typeface="Times New Roman"/>
+                <a:sym typeface="Times New Roman"/>
+              </a:rPr>
+              <a:t>, or through a web browser. While web scraping can be done manually by a software user, the term typically refers to automated processes implemented using a </a:t>
+            </a:r>
+            <a:r>
+              <a:rPr lang="en" sz="1200" u="sng">
+                <a:solidFill>
+                  <a:schemeClr val="dk2"/>
+                </a:solidFill>
+                <a:latin typeface="Times New Roman"/>
+                <a:ea typeface="Times New Roman"/>
+                <a:cs typeface="Times New Roman"/>
+                <a:sym typeface="Times New Roman"/>
+                <a:hlinkClick r:id="rId8">
+                  <a:extLst>
+                    <a:ext uri="{A12FA001-AC4F-418D-AE19-62706E023703}">
+                      <ahyp:hlinkClr xmlns:ahyp="http://schemas.microsoft.com/office/drawing/2018/hyperlinkcolor" xmlns:p15="http://schemas.microsoft.com/office/powerpoint/2012/main" xmlns:p14="http://schemas.microsoft.com/office/powerpoint/2010/main" xmlns:com="http://schemas.openxmlformats.org/drawingml/2006/compatibility" xmlns:pvml="urn:schemas-microsoft-com:office:powerpoint" xmlns:v="urn:schemas-microsoft-com:vml" xmlns:o="urn:schemas-microsoft-com:office:office" xmlns:dgm="http://schemas.openxmlformats.org/drawingml/2006/diagram" xmlns:c="http://schemas.openxmlformats.org/drawingml/2006/chart" xmlns:mv="urn:schemas-microsoft-com:mac:vml" xmlns:mc="http://schemas.openxmlformats.org/markup-compatibility/2006" xmlns="" val="tx"/>
+                    </a:ext>
+                  </a:extLst>
+                </a:hlinkClick>
+              </a:rPr>
+              <a:t>bot</a:t>
+            </a:r>
+            <a:r>
+              <a:rPr lang="en" sz="1200">
+                <a:solidFill>
+                  <a:schemeClr val="dk2"/>
+                </a:solidFill>
+                <a:latin typeface="Times New Roman"/>
+                <a:ea typeface="Times New Roman"/>
+                <a:cs typeface="Times New Roman"/>
+                <a:sym typeface="Times New Roman"/>
+              </a:rPr>
+              <a:t> or </a:t>
+            </a:r>
+            <a:r>
+              <a:rPr lang="en" sz="1200" u="sng">
+                <a:solidFill>
+                  <a:schemeClr val="dk2"/>
+                </a:solidFill>
+                <a:latin typeface="Times New Roman"/>
+                <a:ea typeface="Times New Roman"/>
+                <a:cs typeface="Times New Roman"/>
+                <a:sym typeface="Times New Roman"/>
+                <a:hlinkClick r:id="rId9">
+                  <a:extLst>
+                    <a:ext uri="{A12FA001-AC4F-418D-AE19-62706E023703}">
+                      <ahyp:hlinkClr xmlns:ahyp="http://schemas.microsoft.com/office/drawing/2018/hyperlinkcolor" xmlns:p15="http://schemas.microsoft.com/office/powerpoint/2012/main" xmlns:p14="http://schemas.microsoft.com/office/powerpoint/2010/main" xmlns:com="http://schemas.openxmlformats.org/drawingml/2006/compatibility" xmlns:pvml="urn:schemas-microsoft-com:office:powerpoint" xmlns:v="urn:schemas-microsoft-com:vml" xmlns:o="urn:schemas-microsoft-com:office:office" xmlns:dgm="http://schemas.openxmlformats.org/drawingml/2006/diagram" xmlns:c="http://schemas.openxmlformats.org/drawingml/2006/chart" xmlns:mv="urn:schemas-microsoft-com:mac:vml" xmlns:mc="http://schemas.openxmlformats.org/markup-compatibility/2006" xmlns="" val="tx"/>
+                    </a:ext>
+                  </a:extLst>
+                </a:hlinkClick>
+              </a:rPr>
+              <a:t>web crawler</a:t>
+            </a:r>
+            <a:r>
+              <a:rPr lang="en" sz="1200">
+                <a:solidFill>
+                  <a:schemeClr val="dk2"/>
+                </a:solidFill>
+                <a:latin typeface="Times New Roman"/>
+                <a:ea typeface="Times New Roman"/>
+                <a:cs typeface="Times New Roman"/>
+                <a:sym typeface="Times New Roman"/>
+              </a:rPr>
+              <a:t>. It is a form of copying, in which specific data is gathered and copied from the web, typically into a central local </a:t>
+            </a:r>
+            <a:r>
+              <a:rPr lang="en" sz="1200" u="sng">
+                <a:solidFill>
+                  <a:schemeClr val="dk2"/>
+                </a:solidFill>
+                <a:latin typeface="Times New Roman"/>
+                <a:ea typeface="Times New Roman"/>
+                <a:cs typeface="Times New Roman"/>
+                <a:sym typeface="Times New Roman"/>
+                <a:hlinkClick r:id="rId10">
+                  <a:extLst>
+                    <a:ext uri="{A12FA001-AC4F-418D-AE19-62706E023703}">
+                      <ahyp:hlinkClr xmlns:ahyp="http://schemas.microsoft.com/office/drawing/2018/hyperlinkcolor" xmlns:p15="http://schemas.microsoft.com/office/powerpoint/2012/main" xmlns:p14="http://schemas.microsoft.com/office/powerpoint/2010/main" xmlns:com="http://schemas.openxmlformats.org/drawingml/2006/compatibility" xmlns:pvml="urn:schemas-microsoft-com:office:powerpoint" xmlns:v="urn:schemas-microsoft-com:vml" xmlns:o="urn:schemas-microsoft-com:office:office" xmlns:dgm="http://schemas.openxmlformats.org/drawingml/2006/diagram" xmlns:c="http://schemas.openxmlformats.org/drawingml/2006/chart" xmlns:mv="urn:schemas-microsoft-com:mac:vml" xmlns:mc="http://schemas.openxmlformats.org/markup-compatibility/2006" xmlns="" val="tx"/>
+                    </a:ext>
+                  </a:extLst>
+                </a:hlinkClick>
+              </a:rPr>
+              <a:t>database</a:t>
+            </a:r>
+            <a:r>
+              <a:rPr lang="en" sz="1200">
+                <a:solidFill>
+                  <a:schemeClr val="dk2"/>
+                </a:solidFill>
+                <a:latin typeface="Times New Roman"/>
+                <a:ea typeface="Times New Roman"/>
+                <a:cs typeface="Times New Roman"/>
+                <a:sym typeface="Times New Roman"/>
+              </a:rPr>
+              <a:t> or spreadsheet, for later </a:t>
+            </a:r>
+            <a:r>
+              <a:rPr lang="en" sz="1200" u="sng">
+                <a:solidFill>
+                  <a:schemeClr val="dk2"/>
+                </a:solidFill>
+                <a:latin typeface="Times New Roman"/>
+                <a:ea typeface="Times New Roman"/>
+                <a:cs typeface="Times New Roman"/>
+                <a:sym typeface="Times New Roman"/>
+                <a:hlinkClick r:id="rId11">
+                  <a:extLst>
+                    <a:ext uri="{A12FA001-AC4F-418D-AE19-62706E023703}">
+                      <ahyp:hlinkClr xmlns:ahyp="http://schemas.microsoft.com/office/drawing/2018/hyperlinkcolor" xmlns:p15="http://schemas.microsoft.com/office/powerpoint/2012/main" xmlns:p14="http://schemas.microsoft.com/office/powerpoint/2010/main" xmlns:com="http://schemas.openxmlformats.org/drawingml/2006/compatibility" xmlns:pvml="urn:schemas-microsoft-com:office:powerpoint" xmlns:v="urn:schemas-microsoft-com:vml" xmlns:o="urn:schemas-microsoft-com:office:office" xmlns:dgm="http://schemas.openxmlformats.org/drawingml/2006/diagram" xmlns:c="http://schemas.openxmlformats.org/drawingml/2006/chart" xmlns:mv="urn:schemas-microsoft-com:mac:vml" xmlns:mc="http://schemas.openxmlformats.org/markup-compatibility/2006" xmlns="" val="tx"/>
+                    </a:ext>
+                  </a:extLst>
+                </a:hlinkClick>
+              </a:rPr>
+              <a:t>retrieval</a:t>
+            </a:r>
+            <a:r>
+              <a:rPr lang="en" sz="1200">
+                <a:solidFill>
+                  <a:schemeClr val="dk2"/>
+                </a:solidFill>
+                <a:latin typeface="Times New Roman"/>
+                <a:ea typeface="Times New Roman"/>
+                <a:cs typeface="Times New Roman"/>
+                <a:sym typeface="Times New Roman"/>
+              </a:rPr>
+              <a:t> or </a:t>
+            </a:r>
+            <a:r>
+              <a:rPr lang="en" sz="1200" u="sng">
+                <a:solidFill>
+                  <a:schemeClr val="dk2"/>
+                </a:solidFill>
+                <a:latin typeface="Times New Roman"/>
+                <a:ea typeface="Times New Roman"/>
+                <a:cs typeface="Times New Roman"/>
+                <a:sym typeface="Times New Roman"/>
+                <a:hlinkClick r:id="rId12">
+                  <a:extLst>
+                    <a:ext uri="{A12FA001-AC4F-418D-AE19-62706E023703}">
+                      <ahyp:hlinkClr xmlns:ahyp="http://schemas.microsoft.com/office/drawing/2018/hyperlinkcolor" xmlns:p15="http://schemas.microsoft.com/office/powerpoint/2012/main" xmlns:p14="http://schemas.microsoft.com/office/powerpoint/2010/main" xmlns:com="http://schemas.openxmlformats.org/drawingml/2006/compatibility" xmlns:pvml="urn:schemas-microsoft-com:office:powerpoint" xmlns:v="urn:schemas-microsoft-com:vml" xmlns:o="urn:schemas-microsoft-com:office:office" xmlns:dgm="http://schemas.openxmlformats.org/drawingml/2006/diagram" xmlns:c="http://schemas.openxmlformats.org/drawingml/2006/chart" xmlns:mv="urn:schemas-microsoft-com:mac:vml" xmlns:mc="http://schemas.openxmlformats.org/markup-compatibility/2006" xmlns="" val="tx"/>
+                    </a:ext>
+                  </a:extLst>
+                </a:hlinkClick>
+              </a:rPr>
+              <a:t>analysis</a:t>
+            </a:r>
+            <a:r>
+              <a:rPr lang="en" sz="1200">
+                <a:solidFill>
+                  <a:schemeClr val="dk2"/>
+                </a:solidFill>
+                <a:latin typeface="Times New Roman"/>
+                <a:ea typeface="Times New Roman"/>
+                <a:cs typeface="Times New Roman"/>
+                <a:sym typeface="Times New Roman"/>
+              </a:rPr>
+              <a:t>.</a:t>
+            </a:r>
+            <a:endParaRPr/>
+          </a:p>
+          <a:p>
+            <a:pPr marL="114300" lvl="0" indent="0" algn="l" rtl="0">
+              <a:lnSpc>
+                <a:spcPct val="115000"/>
+              </a:lnSpc>
+              <a:spcBef>
+                <a:spcPts val="0"/>
+              </a:spcBef>
+              <a:spcAft>
+                <a:spcPts val="0"/>
+              </a:spcAft>
+              <a:buSzPts val="1800"/>
               <a:buNone/>
             </a:pPr>
             <a:r>
-              <a:rPr lang="en-IN" sz="1200" dirty="0">
-                <a:latin typeface="Times New Roman" panose="02020603050405020304" pitchFamily="18" charset="0"/>
-                <a:cs typeface="Times New Roman" panose="02020603050405020304" pitchFamily="18" charset="0"/>
+              <a:rPr lang="en" sz="1200">
+                <a:solidFill>
+                  <a:schemeClr val="dk2"/>
+                </a:solidFill>
+                <a:latin typeface="Times New Roman"/>
+                <a:ea typeface="Times New Roman"/>
+                <a:cs typeface="Times New Roman"/>
+                <a:sym typeface="Times New Roman"/>
               </a:rPr>
-              <a:t>The architecture of a ConvNet is analogous to that of the connectivity pattern of Neurons in the Human Brain and was inspired by the organization of the Visual Cortex. Individual neurons respond to stimuli only in a restricted region of the visual field known as the Receptive Field. A collection of such fields overlap to cover the entire visual area.</a:t>
-            </a:r>
-          </a:p>
-          <a:p>
-            <a:pPr marL="114300" indent="0">
+              <a:t>Web scraping a web page involves fetching it and extracting from it. Fetching is the downloading of a page (which a browser does when a user views a page). Therefore, web crawling is a main component of web scraping, to fetch pages for later processing. Once fetched, then extraction can take place. The content of a page may be </a:t>
+            </a:r>
+            <a:r>
+              <a:rPr lang="en" sz="1200" u="sng">
+                <a:solidFill>
+                  <a:schemeClr val="dk2"/>
+                </a:solidFill>
+                <a:latin typeface="Times New Roman"/>
+                <a:ea typeface="Times New Roman"/>
+                <a:cs typeface="Times New Roman"/>
+                <a:sym typeface="Times New Roman"/>
+                <a:hlinkClick r:id="rId13">
+                  <a:extLst>
+                    <a:ext uri="{A12FA001-AC4F-418D-AE19-62706E023703}">
+                      <ahyp:hlinkClr xmlns:ahyp="http://schemas.microsoft.com/office/drawing/2018/hyperlinkcolor" xmlns:p15="http://schemas.microsoft.com/office/powerpoint/2012/main" xmlns:p14="http://schemas.microsoft.com/office/powerpoint/2010/main" xmlns:com="http://schemas.openxmlformats.org/drawingml/2006/compatibility" xmlns:pvml="urn:schemas-microsoft-com:office:powerpoint" xmlns:v="urn:schemas-microsoft-com:vml" xmlns:o="urn:schemas-microsoft-com:office:office" xmlns:dgm="http://schemas.openxmlformats.org/drawingml/2006/diagram" xmlns:c="http://schemas.openxmlformats.org/drawingml/2006/chart" xmlns:mv="urn:schemas-microsoft-com:mac:vml" xmlns:mc="http://schemas.openxmlformats.org/markup-compatibility/2006" xmlns="" val="tx"/>
+                    </a:ext>
+                  </a:extLst>
+                </a:hlinkClick>
+              </a:rPr>
+              <a:t>parsed</a:t>
+            </a:r>
+            <a:r>
+              <a:rPr lang="en" sz="1200">
+                <a:solidFill>
+                  <a:schemeClr val="dk2"/>
+                </a:solidFill>
+                <a:latin typeface="Times New Roman"/>
+                <a:ea typeface="Times New Roman"/>
+                <a:cs typeface="Times New Roman"/>
+                <a:sym typeface="Times New Roman"/>
+              </a:rPr>
+              <a:t>, searched, reformatted, its data copied into a spreadsheet, and so on. Web scrapers typically take something out of a page, to make use of it for another purpose somewhere else. An example would be to find and copy names and phone numbers, or companies and their URLs, to a list (contact scraping)</a:t>
+            </a:r>
+            <a:endParaRPr/>
+          </a:p>
+          <a:p>
+            <a:pPr marL="114300" lvl="0" indent="0" algn="l" rtl="0">
+              <a:lnSpc>
+                <a:spcPct val="115000"/>
+              </a:lnSpc>
+              <a:spcBef>
+                <a:spcPts val="0"/>
+              </a:spcBef>
+              <a:spcAft>
+                <a:spcPts val="0"/>
+              </a:spcAft>
+              <a:buSzPts val="1800"/>
               <a:buNone/>
             </a:pPr>
             <a:r>
-              <a:rPr lang="en-IN" sz="1200" dirty="0">
-                <a:latin typeface="Times New Roman" panose="02020603050405020304" pitchFamily="18" charset="0"/>
-                <a:cs typeface="Times New Roman" panose="02020603050405020304" pitchFamily="18" charset="0"/>
+              <a:rPr lang="en" sz="1200">
+                <a:solidFill>
+                  <a:schemeClr val="dk2"/>
+                </a:solidFill>
+                <a:latin typeface="Times New Roman"/>
+                <a:ea typeface="Times New Roman"/>
+                <a:cs typeface="Times New Roman"/>
+                <a:sym typeface="Times New Roman"/>
               </a:rPr>
-              <a:t>We will be using </a:t>
-            </a:r>
-            <a:r>
-              <a:rPr lang="en-IN" sz="1200" b="1" u="sng" dirty="0">
-                <a:latin typeface="Times New Roman" panose="02020603050405020304" pitchFamily="18" charset="0"/>
-                <a:cs typeface="Times New Roman" panose="02020603050405020304" pitchFamily="18" charset="0"/>
-              </a:rPr>
-              <a:t>CNN </a:t>
-            </a:r>
-            <a:r>
-              <a:rPr lang="en-IN" sz="1200" dirty="0">
-                <a:latin typeface="Times New Roman" panose="02020603050405020304" pitchFamily="18" charset="0"/>
-                <a:cs typeface="Times New Roman" panose="02020603050405020304" pitchFamily="18" charset="0"/>
-              </a:rPr>
-              <a:t> module for image classification during the initial selling procedure.</a:t>
-            </a:r>
-          </a:p>
-          <a:p>
-            <a:pPr marL="114300" indent="0">
+              <a:t> </a:t>
+            </a:r>
+            <a:endParaRPr sz="1200">
+              <a:solidFill>
+                <a:schemeClr val="dk2"/>
+              </a:solidFill>
+              <a:latin typeface="Times New Roman"/>
+              <a:ea typeface="Times New Roman"/>
+              <a:cs typeface="Times New Roman"/>
+              <a:sym typeface="Times New Roman"/>
+            </a:endParaRPr>
+          </a:p>
+          <a:p>
+            <a:pPr marL="0" lvl="0" indent="0" algn="l" rtl="0">
+              <a:lnSpc>
+                <a:spcPct val="115000"/>
+              </a:lnSpc>
+              <a:spcBef>
+                <a:spcPts val="0"/>
+              </a:spcBef>
+              <a:spcAft>
+                <a:spcPts val="1600"/>
+              </a:spcAft>
+              <a:buSzPts val="1800"/>
               <a:buNone/>
             </a:pPr>
-            <a:r>
-              <a:rPr lang="en-IN" sz="1200" dirty="0">
-                <a:latin typeface="Times New Roman" panose="02020603050405020304" pitchFamily="18" charset="0"/>
-                <a:cs typeface="Times New Roman" panose="02020603050405020304" pitchFamily="18" charset="0"/>
-              </a:rPr>
-              <a:t>We will be giving an image  input to our model which we have trained and the model will classify it according the type of product it is and will proceed further for filling in the other details of the product.</a:t>
-            </a:r>
-          </a:p>
-          <a:p>
-            <a:pPr marL="0" lvl="0" indent="0" algn="l" rtl="0">
-              <a:lnSpc>
-                <a:spcPct val="115000"/>
-              </a:lnSpc>
-              <a:spcBef>
-                <a:spcPts val="0"/>
-              </a:spcBef>
-              <a:spcAft>
-                <a:spcPts val="1600"/>
-              </a:spcAft>
-              <a:buSzPts val="1800"/>
-              <a:buNone/>
-            </a:pPr>
-            <a:endParaRPr dirty="0"/>
+            <a:endParaRPr>
+              <a:solidFill>
+                <a:schemeClr val="dk2"/>
+              </a:solidFill>
+            </a:endParaRPr>
           </a:p>
         </p:txBody>
       </p:sp>
     </p:spTree>
-    <p:extLst>
-      <p:ext uri="{BB962C8B-B14F-4D97-AF65-F5344CB8AC3E}">
-        <p14:creationId xmlns:p14="http://schemas.microsoft.com/office/powerpoint/2010/main" val="779206598"/>
-      </p:ext>
-    </p:extLst>
   </p:cSld>
   <p:clrMapOvr>
     <a:masterClrMapping/>
   </p:clrMapOvr>
+  <p:timing>
+    <p:tnLst>
+      <p:par>
+        <p:cTn id="1" dur="indefinite" restart="never" nodeType="tmRoot"/>
+      </p:par>
+    </p:tnLst>
+  </p:timing>
 </p:sld>
 </file>
 
@@ -13443,7 +13832,7 @@
   <p:cSld>
     <p:spTree>
       <p:nvGrpSpPr>
-        <p:cNvPr id="1" name="Shape 107"/>
+        <p:cNvPr id="1" name="Shape 132"/>
         <p:cNvGrpSpPr/>
         <p:nvPr/>
       </p:nvGrpSpPr>
@@ -13457,7 +13846,7 @@
       </p:grpSpPr>
       <p:sp>
         <p:nvSpPr>
-          <p:cNvPr id="108" name="Google Shape;108;p7"/>
+          <p:cNvPr id="133" name="Google Shape;133;p31"/>
           <p:cNvSpPr txBox="1">
             <a:spLocks noGrp="1"/>
           </p:cNvSpPr>
@@ -13498,20 +13887,16 @@
               <a:buNone/>
             </a:pPr>
             <a:r>
-              <a:rPr lang="en" dirty="0"/>
-              <a:t>6</a:t>
-            </a:r>
-            <a:r>
-              <a:rPr lang="en" dirty="0" smtClean="0"/>
-              <a:t> – Algorithms and Techniques used</a:t>
-            </a:r>
-            <a:endParaRPr dirty="0"/>
+              <a:rPr lang="en"/>
+              <a:t>6 – Algorithms and Techniques used</a:t>
+            </a:r>
+            <a:endParaRPr/>
           </a:p>
         </p:txBody>
       </p:sp>
       <p:sp>
         <p:nvSpPr>
-          <p:cNvPr id="109" name="Google Shape;109;p7"/>
+          <p:cNvPr id="134" name="Google Shape;134;p31"/>
           <p:cNvSpPr txBox="1">
             <a:spLocks noGrp="1"/>
           </p:cNvSpPr>
@@ -13538,22 +13923,78 @@
           </a:bodyPr>
           <a:lstStyle/>
           <a:p>
-            <a:pPr marL="1054100" lvl="2" indent="0">
+            <a:pPr marL="1054100" lvl="2" indent="0" algn="l" rtl="0">
+              <a:lnSpc>
+                <a:spcPct val="115000"/>
+              </a:lnSpc>
+              <a:spcBef>
+                <a:spcPts val="1600"/>
+              </a:spcBef>
+              <a:spcAft>
+                <a:spcPts val="0"/>
+              </a:spcAft>
+              <a:buSzPts val="1400"/>
               <a:buNone/>
             </a:pPr>
             <a:r>
-              <a:rPr lang="en-US" b="1" u="sng" dirty="0">
-                <a:latin typeface="Times New Roman" panose="02020603050405020304" pitchFamily="18" charset="0"/>
-                <a:cs typeface="Times New Roman" panose="02020603050405020304" pitchFamily="18" charset="0"/>
+              <a:rPr lang="en" sz="1600" b="1" u="sng">
+                <a:solidFill>
+                  <a:schemeClr val="dk2"/>
+                </a:solidFill>
+                <a:latin typeface="Times New Roman"/>
+                <a:ea typeface="Times New Roman"/>
+                <a:cs typeface="Times New Roman"/>
+                <a:sym typeface="Times New Roman"/>
               </a:rPr>
-              <a:t>Convolution Neural Network (CNN model)</a:t>
-            </a:r>
-            <a:endParaRPr lang="en-IN" sz="1200" b="1" u="sng" dirty="0">
-              <a:latin typeface="Times New Roman" panose="02020603050405020304" pitchFamily="18" charset="0"/>
-              <a:cs typeface="Times New Roman" panose="02020603050405020304" pitchFamily="18" charset="0"/>
+              <a:t>Web Scrapping</a:t>
+            </a:r>
+            <a:endParaRPr sz="1600" b="1" u="sng">
+              <a:solidFill>
+                <a:schemeClr val="dk2"/>
+              </a:solidFill>
+              <a:latin typeface="Times New Roman"/>
+              <a:ea typeface="Times New Roman"/>
+              <a:cs typeface="Times New Roman"/>
+              <a:sym typeface="Times New Roman"/>
             </a:endParaRPr>
           </a:p>
           <a:p>
+            <a:pPr marL="114300" lvl="0" indent="0" algn="l" rtl="0">
+              <a:lnSpc>
+                <a:spcPct val="115000"/>
+              </a:lnSpc>
+              <a:spcBef>
+                <a:spcPts val="0"/>
+              </a:spcBef>
+              <a:spcAft>
+                <a:spcPts val="0"/>
+              </a:spcAft>
+              <a:buSzPts val="1800"/>
+              <a:buNone/>
+            </a:pPr>
+            <a:r>
+              <a:rPr lang="en" sz="1200">
+                <a:solidFill>
+                  <a:schemeClr val="dk2"/>
+                </a:solidFill>
+                <a:latin typeface="Times New Roman"/>
+                <a:ea typeface="Times New Roman"/>
+                <a:cs typeface="Times New Roman"/>
+                <a:sym typeface="Times New Roman"/>
+              </a:rPr>
+              <a:t> </a:t>
+            </a:r>
+            <a:endParaRPr sz="1200">
+              <a:solidFill>
+                <a:schemeClr val="dk2"/>
+              </a:solidFill>
+              <a:latin typeface="Times New Roman"/>
+              <a:ea typeface="Times New Roman"/>
+              <a:cs typeface="Times New Roman"/>
+              <a:sym typeface="Times New Roman"/>
+            </a:endParaRPr>
+          </a:p>
+          <a:p>
             <a:pPr marL="0" lvl="0" indent="0" algn="l" rtl="0">
               <a:lnSpc>
                 <a:spcPct val="115000"/>
@@ -13567,35 +14008,31 @@
               <a:buSzPts val="1800"/>
               <a:buNone/>
             </a:pPr>
-            <a:endParaRPr dirty="0"/>
+            <a:endParaRPr>
+              <a:solidFill>
+                <a:schemeClr val="dk2"/>
+              </a:solidFill>
+            </a:endParaRPr>
           </a:p>
         </p:txBody>
       </p:sp>
       <p:pic>
         <p:nvPicPr>
-          <p:cNvPr id="2050" name="Picture 2"/>
-          <p:cNvPicPr>
-            <a:picLocks noChangeAspect="1" noChangeArrowheads="1"/>
-          </p:cNvPicPr>
+          <p:cNvPr id="135" name="Google Shape;135;p31"/>
+          <p:cNvPicPr preferRelativeResize="0"/>
           <p:nvPr/>
         </p:nvPicPr>
-        <p:blipFill>
+        <p:blipFill rotWithShape="1">
           <a:blip r:embed="rId3">
-            <a:extLst>
-              <a:ext uri="{28A0092B-C50C-407E-A947-70E740481C1C}">
-                <a14:useLocalDpi xmlns:a14="http://schemas.microsoft.com/office/drawing/2010/main" val="0"/>
-              </a:ext>
-            </a:extLst>
+            <a:alphaModFix/>
           </a:blip>
           <a:srcRect/>
-          <a:stretch>
-            <a:fillRect/>
-          </a:stretch>
+          <a:stretch/>
         </p:blipFill>
-        <p:spPr bwMode="auto">
+        <p:spPr>
           <a:xfrm>
-            <a:off x="1698007" y="1952625"/>
-            <a:ext cx="5543791" cy="2032966"/>
+            <a:off x="1335226" y="1924947"/>
+            <a:ext cx="6173787" cy="2150095"/>
           </a:xfrm>
           <a:prstGeom prst="rect">
             <a:avLst/>
@@ -13604,37 +14041,20 @@
           <a:ln>
             <a:noFill/>
           </a:ln>
-          <a:extLst>
-            <a:ext uri="{909E8E84-426E-40DD-AFC4-6F175D3DCCD1}">
-              <a14:hiddenFill xmlns:a14="http://schemas.microsoft.com/office/drawing/2010/main">
-                <a:solidFill>
-                  <a:schemeClr val="accent1"/>
-                </a:solidFill>
-              </a14:hiddenFill>
-            </a:ext>
-            <a:ext uri="{91240B29-F687-4F45-9708-019B960494DF}">
-              <a14:hiddenLine xmlns:a14="http://schemas.microsoft.com/office/drawing/2010/main" w="9525">
-                <a:solidFill>
-                  <a:schemeClr val="tx1"/>
-                </a:solidFill>
-                <a:miter lim="800000"/>
-                <a:headEnd/>
-                <a:tailEnd/>
-              </a14:hiddenLine>
-            </a:ext>
-          </a:extLst>
         </p:spPr>
       </p:pic>
     </p:spTree>
-    <p:extLst>
-      <p:ext uri="{BB962C8B-B14F-4D97-AF65-F5344CB8AC3E}">
-        <p14:creationId xmlns:p14="http://schemas.microsoft.com/office/powerpoint/2010/main" val="3537836989"/>
-      </p:ext>
-    </p:extLst>
   </p:cSld>
   <p:clrMapOvr>
     <a:masterClrMapping/>
   </p:clrMapOvr>
+  <p:timing>
+    <p:tnLst>
+      <p:par>
+        <p:cTn id="1" dur="indefinite" restart="never" nodeType="tmRoot"/>
+      </p:par>
+    </p:tnLst>
+  </p:timing>
 </p:sld>
 </file>
 
@@ -13643,7 +14063,7 @@
   <p:cSld>
     <p:spTree>
       <p:nvGrpSpPr>
-        <p:cNvPr id="1" name="Shape 107"/>
+        <p:cNvPr id="1" name="Shape 139"/>
         <p:cNvGrpSpPr/>
         <p:nvPr/>
       </p:nvGrpSpPr>
@@ -13657,7 +14077,7 @@
       </p:grpSpPr>
       <p:sp>
         <p:nvSpPr>
-          <p:cNvPr id="108" name="Google Shape;108;p7"/>
+          <p:cNvPr id="140" name="Google Shape;140;p32"/>
           <p:cNvSpPr txBox="1">
             <a:spLocks noGrp="1"/>
           </p:cNvSpPr>
@@ -13698,20 +14118,16 @@
               <a:buNone/>
             </a:pPr>
             <a:r>
-              <a:rPr lang="en" dirty="0"/>
-              <a:t>6</a:t>
-            </a:r>
-            <a:r>
-              <a:rPr lang="en" dirty="0" smtClean="0"/>
-              <a:t> – Algorithms and Techniques used</a:t>
-            </a:r>
-            <a:endParaRPr dirty="0"/>
+              <a:rPr lang="en"/>
+              <a:t>6 – Algorithms and Techniques used</a:t>
+            </a:r>
+            <a:endParaRPr/>
           </a:p>
         </p:txBody>
       </p:sp>
       <p:sp>
         <p:nvSpPr>
-          <p:cNvPr id="109" name="Google Shape;109;p7"/>
+          <p:cNvPr id="141" name="Google Shape;141;p32"/>
           <p:cNvSpPr txBox="1">
             <a:spLocks noGrp="1"/>
           </p:cNvSpPr>
@@ -13738,342 +14154,102 @@
           </a:bodyPr>
           <a:lstStyle/>
           <a:p>
-            <a:pPr marL="1054100" lvl="2" indent="0">
+            <a:pPr marL="0" lvl="2" indent="0" algn="l" rtl="0">
+              <a:lnSpc>
+                <a:spcPct val="115000"/>
+              </a:lnSpc>
+              <a:spcBef>
+                <a:spcPts val="0"/>
+              </a:spcBef>
+              <a:spcAft>
+                <a:spcPts val="0"/>
+              </a:spcAft>
+              <a:buSzPts val="1400"/>
               <a:buNone/>
             </a:pPr>
             <a:r>
-              <a:rPr lang="en-US" sz="1600" b="1" u="sng" dirty="0">
-                <a:solidFill>
-                  <a:schemeClr val="bg2"/>
-                </a:solidFill>
-                <a:latin typeface="Times New Roman" panose="02020603050405020304" pitchFamily="18" charset="0"/>
-                <a:cs typeface="Times New Roman" panose="02020603050405020304" pitchFamily="18" charset="0"/>
+              <a:rPr lang="en" sz="1600" b="1" u="sng">
+                <a:solidFill>
+                  <a:schemeClr val="dk2"/>
+                </a:solidFill>
+                <a:latin typeface="Times New Roman"/>
+                <a:ea typeface="Times New Roman"/>
+                <a:cs typeface="Times New Roman"/>
+                <a:sym typeface="Times New Roman"/>
               </a:rPr>
               <a:t>Web Scrapping</a:t>
             </a:r>
-            <a:endParaRPr lang="en-IN" sz="1600" b="1" u="sng" dirty="0">
+            <a:endParaRPr sz="1200">
               <a:solidFill>
-                <a:schemeClr val="bg2"/>
+                <a:schemeClr val="dk2"/>
               </a:solidFill>
-              <a:latin typeface="Times New Roman" panose="02020603050405020304" pitchFamily="18" charset="0"/>
-              <a:cs typeface="Times New Roman" panose="02020603050405020304" pitchFamily="18" charset="0"/>
+              <a:latin typeface="Times New Roman"/>
+              <a:ea typeface="Times New Roman"/>
+              <a:cs typeface="Times New Roman"/>
+              <a:sym typeface="Times New Roman"/>
             </a:endParaRPr>
           </a:p>
           <a:p>
-            <a:pPr marL="114300" indent="0">
+            <a:pPr marL="0" lvl="0" indent="0" algn="l" rtl="0">
+              <a:lnSpc>
+                <a:spcPct val="115000"/>
+              </a:lnSpc>
+              <a:spcBef>
+                <a:spcPts val="0"/>
+              </a:spcBef>
+              <a:spcAft>
+                <a:spcPts val="1600"/>
+              </a:spcAft>
+              <a:buSzPts val="1800"/>
               <a:buNone/>
             </a:pPr>
-            <a:r>
-              <a:rPr lang="en-IN" sz="1200" dirty="0">
-                <a:solidFill>
-                  <a:schemeClr val="bg2"/>
-                </a:solidFill>
-                <a:latin typeface="Times New Roman" panose="02020603050405020304" pitchFamily="18" charset="0"/>
-                <a:cs typeface="Times New Roman" panose="02020603050405020304" pitchFamily="18" charset="0"/>
-              </a:rPr>
-              <a:t>Web scraping  is </a:t>
-            </a:r>
-            <a:r>
-              <a:rPr lang="en-IN" sz="1200" dirty="0">
-                <a:solidFill>
-                  <a:schemeClr val="bg2"/>
-                </a:solidFill>
-                <a:latin typeface="Times New Roman" panose="02020603050405020304" pitchFamily="18" charset="0"/>
-                <a:cs typeface="Times New Roman" panose="02020603050405020304" pitchFamily="18" charset="0"/>
-                <a:hlinkClick r:id="rId3"/>
-              </a:rPr>
-              <a:t>data scraping</a:t>
-            </a:r>
-            <a:r>
-              <a:rPr lang="en-IN" sz="1200" dirty="0">
-                <a:solidFill>
-                  <a:schemeClr val="bg2"/>
-                </a:solidFill>
-                <a:latin typeface="Times New Roman" panose="02020603050405020304" pitchFamily="18" charset="0"/>
-                <a:cs typeface="Times New Roman" panose="02020603050405020304" pitchFamily="18" charset="0"/>
-              </a:rPr>
-              <a:t> used for </a:t>
-            </a:r>
-            <a:r>
-              <a:rPr lang="en-IN" sz="1200" dirty="0">
-                <a:solidFill>
-                  <a:schemeClr val="bg2"/>
-                </a:solidFill>
-                <a:latin typeface="Times New Roman" panose="02020603050405020304" pitchFamily="18" charset="0"/>
-                <a:cs typeface="Times New Roman" panose="02020603050405020304" pitchFamily="18" charset="0"/>
-                <a:hlinkClick r:id="rId4"/>
-              </a:rPr>
-              <a:t>extracting data</a:t>
-            </a:r>
-            <a:r>
-              <a:rPr lang="en-IN" sz="1200" dirty="0">
-                <a:solidFill>
-                  <a:schemeClr val="bg2"/>
-                </a:solidFill>
-                <a:latin typeface="Times New Roman" panose="02020603050405020304" pitchFamily="18" charset="0"/>
-                <a:cs typeface="Times New Roman" panose="02020603050405020304" pitchFamily="18" charset="0"/>
-              </a:rPr>
-              <a:t> from </a:t>
-            </a:r>
-            <a:r>
-              <a:rPr lang="en-IN" sz="1200" dirty="0">
-                <a:solidFill>
-                  <a:schemeClr val="bg2"/>
-                </a:solidFill>
-                <a:latin typeface="Times New Roman" panose="02020603050405020304" pitchFamily="18" charset="0"/>
-                <a:cs typeface="Times New Roman" panose="02020603050405020304" pitchFamily="18" charset="0"/>
-                <a:hlinkClick r:id="rId5"/>
-              </a:rPr>
-              <a:t>websites</a:t>
-            </a:r>
-            <a:r>
-              <a:rPr lang="en-IN" sz="1200" dirty="0">
-                <a:solidFill>
-                  <a:schemeClr val="bg2"/>
-                </a:solidFill>
-                <a:latin typeface="Times New Roman" panose="02020603050405020304" pitchFamily="18" charset="0"/>
-                <a:cs typeface="Times New Roman" panose="02020603050405020304" pitchFamily="18" charset="0"/>
-              </a:rPr>
-              <a:t>. Web scraping software may access the </a:t>
-            </a:r>
-            <a:r>
-              <a:rPr lang="en-IN" sz="1200" dirty="0">
-                <a:solidFill>
-                  <a:schemeClr val="bg2"/>
-                </a:solidFill>
-                <a:latin typeface="Times New Roman" panose="02020603050405020304" pitchFamily="18" charset="0"/>
-                <a:cs typeface="Times New Roman" panose="02020603050405020304" pitchFamily="18" charset="0"/>
-                <a:hlinkClick r:id="rId6"/>
-              </a:rPr>
-              <a:t>World Wide Web</a:t>
-            </a:r>
-            <a:r>
-              <a:rPr lang="en-IN" sz="1200" dirty="0">
-                <a:solidFill>
-                  <a:schemeClr val="bg2"/>
-                </a:solidFill>
-                <a:latin typeface="Times New Roman" panose="02020603050405020304" pitchFamily="18" charset="0"/>
-                <a:cs typeface="Times New Roman" panose="02020603050405020304" pitchFamily="18" charset="0"/>
-              </a:rPr>
-              <a:t> directly using the </a:t>
-            </a:r>
-            <a:r>
-              <a:rPr lang="en-IN" sz="1200" dirty="0">
-                <a:solidFill>
-                  <a:schemeClr val="bg2"/>
-                </a:solidFill>
-                <a:latin typeface="Times New Roman" panose="02020603050405020304" pitchFamily="18" charset="0"/>
-                <a:cs typeface="Times New Roman" panose="02020603050405020304" pitchFamily="18" charset="0"/>
-                <a:hlinkClick r:id="rId7"/>
-              </a:rPr>
-              <a:t>Hypertext Transfer Protocol</a:t>
-            </a:r>
-            <a:r>
-              <a:rPr lang="en-IN" sz="1200" dirty="0">
-                <a:solidFill>
-                  <a:schemeClr val="bg2"/>
-                </a:solidFill>
-                <a:latin typeface="Times New Roman" panose="02020603050405020304" pitchFamily="18" charset="0"/>
-                <a:cs typeface="Times New Roman" panose="02020603050405020304" pitchFamily="18" charset="0"/>
-              </a:rPr>
-              <a:t>, or through a web browser. While web scraping can be done manually by a software user, the term typically refers to automated processes implemented using a </a:t>
-            </a:r>
-            <a:r>
-              <a:rPr lang="en-IN" sz="1200" dirty="0">
-                <a:solidFill>
-                  <a:schemeClr val="bg2"/>
-                </a:solidFill>
-                <a:latin typeface="Times New Roman" panose="02020603050405020304" pitchFamily="18" charset="0"/>
-                <a:cs typeface="Times New Roman" panose="02020603050405020304" pitchFamily="18" charset="0"/>
-                <a:hlinkClick r:id="rId8"/>
-              </a:rPr>
-              <a:t>bot</a:t>
-            </a:r>
-            <a:r>
-              <a:rPr lang="en-IN" sz="1200" dirty="0">
-                <a:solidFill>
-                  <a:schemeClr val="bg2"/>
-                </a:solidFill>
-                <a:latin typeface="Times New Roman" panose="02020603050405020304" pitchFamily="18" charset="0"/>
-                <a:cs typeface="Times New Roman" panose="02020603050405020304" pitchFamily="18" charset="0"/>
-              </a:rPr>
-              <a:t> or </a:t>
-            </a:r>
-            <a:r>
-              <a:rPr lang="en-IN" sz="1200" dirty="0">
-                <a:solidFill>
-                  <a:schemeClr val="bg2"/>
-                </a:solidFill>
-                <a:latin typeface="Times New Roman" panose="02020603050405020304" pitchFamily="18" charset="0"/>
-                <a:cs typeface="Times New Roman" panose="02020603050405020304" pitchFamily="18" charset="0"/>
-                <a:hlinkClick r:id="rId9"/>
-              </a:rPr>
-              <a:t>web crawler</a:t>
-            </a:r>
-            <a:r>
-              <a:rPr lang="en-IN" sz="1200" dirty="0">
-                <a:solidFill>
-                  <a:schemeClr val="bg2"/>
-                </a:solidFill>
-                <a:latin typeface="Times New Roman" panose="02020603050405020304" pitchFamily="18" charset="0"/>
-                <a:cs typeface="Times New Roman" panose="02020603050405020304" pitchFamily="18" charset="0"/>
-              </a:rPr>
-              <a:t>. It is a form of copying, in which specific data is gathered and copied from the web, typically into a central local </a:t>
-            </a:r>
-            <a:r>
-              <a:rPr lang="en-IN" sz="1200" dirty="0">
-                <a:solidFill>
-                  <a:schemeClr val="bg2"/>
-                </a:solidFill>
-                <a:latin typeface="Times New Roman" panose="02020603050405020304" pitchFamily="18" charset="0"/>
-                <a:cs typeface="Times New Roman" panose="02020603050405020304" pitchFamily="18" charset="0"/>
-                <a:hlinkClick r:id="rId10"/>
-              </a:rPr>
-              <a:t>database</a:t>
-            </a:r>
-            <a:r>
-              <a:rPr lang="en-IN" sz="1200" dirty="0">
-                <a:solidFill>
-                  <a:schemeClr val="bg2"/>
-                </a:solidFill>
-                <a:latin typeface="Times New Roman" panose="02020603050405020304" pitchFamily="18" charset="0"/>
-                <a:cs typeface="Times New Roman" panose="02020603050405020304" pitchFamily="18" charset="0"/>
-              </a:rPr>
-              <a:t> or spreadsheet, for later </a:t>
-            </a:r>
-            <a:r>
-              <a:rPr lang="en-IN" sz="1200" dirty="0">
-                <a:solidFill>
-                  <a:schemeClr val="bg2"/>
-                </a:solidFill>
-                <a:latin typeface="Times New Roman" panose="02020603050405020304" pitchFamily="18" charset="0"/>
-                <a:cs typeface="Times New Roman" panose="02020603050405020304" pitchFamily="18" charset="0"/>
-                <a:hlinkClick r:id="rId11"/>
-              </a:rPr>
-              <a:t>retrieval</a:t>
-            </a:r>
-            <a:r>
-              <a:rPr lang="en-IN" sz="1200" dirty="0">
-                <a:solidFill>
-                  <a:schemeClr val="bg2"/>
-                </a:solidFill>
-                <a:latin typeface="Times New Roman" panose="02020603050405020304" pitchFamily="18" charset="0"/>
-                <a:cs typeface="Times New Roman" panose="02020603050405020304" pitchFamily="18" charset="0"/>
-              </a:rPr>
-              <a:t> or </a:t>
-            </a:r>
-            <a:r>
-              <a:rPr lang="en-IN" sz="1200" dirty="0">
-                <a:solidFill>
-                  <a:schemeClr val="bg2"/>
-                </a:solidFill>
-                <a:latin typeface="Times New Roman" panose="02020603050405020304" pitchFamily="18" charset="0"/>
-                <a:cs typeface="Times New Roman" panose="02020603050405020304" pitchFamily="18" charset="0"/>
-                <a:hlinkClick r:id="rId12"/>
-              </a:rPr>
-              <a:t>analysis</a:t>
-            </a:r>
-            <a:r>
-              <a:rPr lang="en-IN" sz="1200" dirty="0">
-                <a:solidFill>
-                  <a:schemeClr val="bg2"/>
-                </a:solidFill>
-                <a:latin typeface="Times New Roman" panose="02020603050405020304" pitchFamily="18" charset="0"/>
-                <a:cs typeface="Times New Roman" panose="02020603050405020304" pitchFamily="18" charset="0"/>
-              </a:rPr>
-              <a:t>.</a:t>
-            </a:r>
-          </a:p>
-          <a:p>
-            <a:pPr marL="114300" indent="0">
-              <a:buNone/>
-            </a:pPr>
-            <a:r>
-              <a:rPr lang="en-IN" sz="1200" dirty="0">
-                <a:solidFill>
-                  <a:schemeClr val="bg2"/>
-                </a:solidFill>
-                <a:latin typeface="Times New Roman" panose="02020603050405020304" pitchFamily="18" charset="0"/>
-                <a:cs typeface="Times New Roman" panose="02020603050405020304" pitchFamily="18" charset="0"/>
-              </a:rPr>
-              <a:t>Web scraping a web page involves fetching it and extracting from it. Fetching is the downloading of a page (which a browser does when a user views a page). Therefore, web crawling is a main component of web scraping, to fetch pages for later processing. Once fetched, then extraction can take place. The content of a page may be </a:t>
-            </a:r>
-            <a:r>
-              <a:rPr lang="en-IN" sz="1200" dirty="0">
-                <a:solidFill>
-                  <a:schemeClr val="bg2"/>
-                </a:solidFill>
-                <a:latin typeface="Times New Roman" panose="02020603050405020304" pitchFamily="18" charset="0"/>
-                <a:cs typeface="Times New Roman" panose="02020603050405020304" pitchFamily="18" charset="0"/>
-                <a:hlinkClick r:id="rId13"/>
-              </a:rPr>
-              <a:t>parsed</a:t>
-            </a:r>
-            <a:r>
-              <a:rPr lang="en-IN" sz="1200" dirty="0">
-                <a:solidFill>
-                  <a:schemeClr val="bg2"/>
-                </a:solidFill>
-                <a:latin typeface="Times New Roman" panose="02020603050405020304" pitchFamily="18" charset="0"/>
-                <a:cs typeface="Times New Roman" panose="02020603050405020304" pitchFamily="18" charset="0"/>
-              </a:rPr>
-              <a:t>, searched, reformatted, its data copied into a spreadsheet, and so on. Web scrapers typically take something out of a page, to make use of it for another purpose somewhere else. An example would be to find and copy names and phone numbers, or companies and their URLs, to a list (contact scraping)</a:t>
-            </a:r>
-          </a:p>
-          <a:p>
-            <a:pPr marL="114300" indent="0">
-              <a:buNone/>
-            </a:pPr>
-            <a:r>
-              <a:rPr lang="en-US" sz="1200" dirty="0">
-                <a:solidFill>
-                  <a:schemeClr val="bg2"/>
-                </a:solidFill>
-                <a:latin typeface="Times New Roman" panose="02020603050405020304" pitchFamily="18" charset="0"/>
-                <a:cs typeface="Times New Roman" panose="02020603050405020304" pitchFamily="18" charset="0"/>
-              </a:rPr>
-              <a:t> </a:t>
-            </a:r>
-            <a:endParaRPr lang="en-IN" sz="1200" dirty="0">
+            <a:endParaRPr>
               <a:solidFill>
-                <a:schemeClr val="bg2"/>
-              </a:solidFill>
-              <a:latin typeface="Times New Roman" panose="02020603050405020304" pitchFamily="18" charset="0"/>
-              <a:cs typeface="Times New Roman" panose="02020603050405020304" pitchFamily="18" charset="0"/>
-            </a:endParaRPr>
-          </a:p>
-          <a:p>
-            <a:pPr marL="0" lvl="0" indent="0" algn="l" rtl="0">
-              <a:lnSpc>
-                <a:spcPct val="115000"/>
-              </a:lnSpc>
-              <a:spcBef>
-                <a:spcPts val="0"/>
-              </a:spcBef>
-              <a:spcAft>
-                <a:spcPts val="1600"/>
-              </a:spcAft>
-              <a:buSzPts val="1800"/>
-              <a:buNone/>
-            </a:pPr>
-            <a:endParaRPr dirty="0">
-              <a:solidFill>
-                <a:schemeClr val="bg2"/>
+                <a:schemeClr val="dk2"/>
               </a:solidFill>
             </a:endParaRPr>
           </a:p>
         </p:txBody>
       </p:sp>
+      <p:pic>
+        <p:nvPicPr>
+          <p:cNvPr id="142" name="Google Shape;142;p32"/>
+          <p:cNvPicPr preferRelativeResize="0"/>
+          <p:nvPr/>
+        </p:nvPicPr>
+        <p:blipFill rotWithShape="1">
+          <a:blip r:embed="rId3">
+            <a:alphaModFix/>
+          </a:blip>
+          <a:srcRect/>
+          <a:stretch/>
+        </p:blipFill>
+        <p:spPr>
+          <a:xfrm>
+            <a:off x="1277177" y="1646516"/>
+            <a:ext cx="6828183" cy="3054333"/>
+          </a:xfrm>
+          <a:prstGeom prst="rect">
+            <a:avLst/>
+          </a:prstGeom>
+          <a:noFill/>
+          <a:ln>
+            <a:noFill/>
+          </a:ln>
+        </p:spPr>
+      </p:pic>
     </p:spTree>
-    <p:extLst>
-      <p:ext uri="{BB962C8B-B14F-4D97-AF65-F5344CB8AC3E}">
-        <p14:creationId xmlns:p14="http://schemas.microsoft.com/office/powerpoint/2010/main" val="2267543229"/>
-      </p:ext>
-    </p:extLst>
   </p:cSld>
   <p:clrMapOvr>
     <a:masterClrMapping/>
   </p:clrMapOvr>
+  <p:timing>
+    <p:tnLst>
+      <p:par>
+        <p:cTn id="1" dur="indefinite" restart="never" nodeType="tmRoot"/>
+      </p:par>
+    </p:tnLst>
+  </p:timing>
 </p:sld>
 </file>
 
@@ -14082,7 +14258,7 @@
   <p:cSld>
     <p:spTree>
       <p:nvGrpSpPr>
-        <p:cNvPr id="1" name="Shape 107"/>
+        <p:cNvPr id="1" name="Shape 146"/>
         <p:cNvGrpSpPr/>
         <p:nvPr/>
       </p:nvGrpSpPr>
@@ -14096,7 +14272,7 @@
       </p:grpSpPr>
       <p:sp>
         <p:nvSpPr>
-          <p:cNvPr id="108" name="Google Shape;108;p7"/>
+          <p:cNvPr id="147" name="Google Shape;147;p28"/>
           <p:cNvSpPr txBox="1">
             <a:spLocks noGrp="1"/>
           </p:cNvSpPr>
@@ -14137,20 +14313,16 @@
               <a:buNone/>
             </a:pPr>
             <a:r>
-              <a:rPr lang="en" dirty="0"/>
-              <a:t>6</a:t>
-            </a:r>
-            <a:r>
-              <a:rPr lang="en" dirty="0" smtClean="0"/>
-              <a:t> – Algorithms and Techniques used</a:t>
-            </a:r>
-            <a:endParaRPr dirty="0"/>
+              <a:rPr lang="en"/>
+              <a:t>6 – Algorithms and Techniques used</a:t>
+            </a:r>
+            <a:endParaRPr/>
           </a:p>
         </p:txBody>
       </p:sp>
       <p:sp>
         <p:nvSpPr>
-          <p:cNvPr id="109" name="Google Shape;109;p7"/>
+          <p:cNvPr id="148" name="Google Shape;148;p28"/>
           <p:cNvSpPr txBox="1">
             <a:spLocks noGrp="1"/>
           </p:cNvSpPr>
@@ -14177,48 +14349,170 @@
           </a:bodyPr>
           <a:lstStyle/>
           <a:p>
-            <a:pPr marL="1054100" lvl="2" indent="0">
+            <a:pPr marL="1054100" lvl="2" indent="0" algn="l" rtl="0">
+              <a:lnSpc>
+                <a:spcPct val="115000"/>
+              </a:lnSpc>
+              <a:spcBef>
+                <a:spcPts val="1600"/>
+              </a:spcBef>
+              <a:spcAft>
+                <a:spcPts val="0"/>
+              </a:spcAft>
+              <a:buSzPts val="1400"/>
               <a:buNone/>
             </a:pPr>
             <a:r>
-              <a:rPr lang="en-US" sz="1600" b="1" u="sng" dirty="0">
-                <a:solidFill>
-                  <a:schemeClr val="bg2"/>
-                </a:solidFill>
-                <a:latin typeface="Times New Roman" panose="02020603050405020304" pitchFamily="18" charset="0"/>
-                <a:cs typeface="Times New Roman" panose="02020603050405020304" pitchFamily="18" charset="0"/>
+              <a:rPr lang="en" b="1" u="sng">
+                <a:latin typeface="Times New Roman"/>
+                <a:ea typeface="Times New Roman"/>
+                <a:cs typeface="Times New Roman"/>
+                <a:sym typeface="Times New Roman"/>
               </a:rPr>
-              <a:t>Web Scrapping</a:t>
-            </a:r>
-            <a:endParaRPr lang="en-IN" sz="1600" b="1" u="sng" dirty="0">
-              <a:solidFill>
-                <a:schemeClr val="bg2"/>
-              </a:solidFill>
-              <a:latin typeface="Times New Roman" panose="02020603050405020304" pitchFamily="18" charset="0"/>
-              <a:cs typeface="Times New Roman" panose="02020603050405020304" pitchFamily="18" charset="0"/>
+              <a:t>Convolution Neural Network (CNN model)</a:t>
+            </a:r>
+            <a:endParaRPr sz="1200" b="1" u="sng">
+              <a:latin typeface="Times New Roman"/>
+              <a:ea typeface="Times New Roman"/>
+              <a:cs typeface="Times New Roman"/>
+              <a:sym typeface="Times New Roman"/>
             </a:endParaRPr>
           </a:p>
           <a:p>
-            <a:pPr marL="114300" indent="0">
+            <a:pPr marL="114300" lvl="0" indent="0" algn="l" rtl="0">
+              <a:lnSpc>
+                <a:spcPct val="115000"/>
+              </a:lnSpc>
+              <a:spcBef>
+                <a:spcPts val="0"/>
+              </a:spcBef>
+              <a:spcAft>
+                <a:spcPts val="0"/>
+              </a:spcAft>
+              <a:buSzPts val="1800"/>
               <a:buNone/>
             </a:pPr>
             <a:r>
-              <a:rPr lang="en-US" sz="1200" dirty="0">
-                <a:solidFill>
-                  <a:schemeClr val="bg2"/>
-                </a:solidFill>
-                <a:latin typeface="Times New Roman" panose="02020603050405020304" pitchFamily="18" charset="0"/>
-                <a:cs typeface="Times New Roman" panose="02020603050405020304" pitchFamily="18" charset="0"/>
+              <a:rPr lang="en" sz="1200">
+                <a:latin typeface="Times New Roman"/>
+                <a:ea typeface="Times New Roman"/>
+                <a:cs typeface="Times New Roman"/>
+                <a:sym typeface="Times New Roman"/>
               </a:rPr>
-              <a:t> </a:t>
-            </a:r>
-            <a:endParaRPr lang="en-IN" sz="1200" dirty="0">
-              <a:solidFill>
-                <a:schemeClr val="bg2"/>
-              </a:solidFill>
-              <a:latin typeface="Times New Roman" panose="02020603050405020304" pitchFamily="18" charset="0"/>
-              <a:cs typeface="Times New Roman" panose="02020603050405020304" pitchFamily="18" charset="0"/>
-            </a:endParaRPr>
+              <a:t>A </a:t>
+            </a:r>
+            <a:r>
+              <a:rPr lang="en" sz="1200" b="1">
+                <a:latin typeface="Times New Roman"/>
+                <a:ea typeface="Times New Roman"/>
+                <a:cs typeface="Times New Roman"/>
+                <a:sym typeface="Times New Roman"/>
+              </a:rPr>
+              <a:t>Convolutional Neural Network (ConvNet/CNN)</a:t>
+            </a:r>
+            <a:r>
+              <a:rPr lang="en" sz="1200">
+                <a:latin typeface="Times New Roman"/>
+                <a:ea typeface="Times New Roman"/>
+                <a:cs typeface="Times New Roman"/>
+                <a:sym typeface="Times New Roman"/>
+              </a:rPr>
+              <a:t> is a Deep Learning algorithm which can take in an input image, assign importance (learnable weights and biases) to various aspects/objects in the image and be able to differentiate one from the other. The pre-processing required in a ConvNet is much lower as compared to other classification algorithms. While in primitive methods filters are hand-engineered, with enough training, ConvNets have the ability to learn these filters/characteristics.</a:t>
+            </a:r>
+            <a:endParaRPr/>
+          </a:p>
+          <a:p>
+            <a:pPr marL="114300" lvl="0" indent="0" algn="l" rtl="0">
+              <a:lnSpc>
+                <a:spcPct val="115000"/>
+              </a:lnSpc>
+              <a:spcBef>
+                <a:spcPts val="0"/>
+              </a:spcBef>
+              <a:spcAft>
+                <a:spcPts val="0"/>
+              </a:spcAft>
+              <a:buSzPts val="1800"/>
+              <a:buNone/>
+            </a:pPr>
+            <a:r>
+              <a:rPr lang="en" sz="1200">
+                <a:latin typeface="Times New Roman"/>
+                <a:ea typeface="Times New Roman"/>
+                <a:cs typeface="Times New Roman"/>
+                <a:sym typeface="Times New Roman"/>
+              </a:rPr>
+              <a:t>The architecture of a ConvNet is analogous to that of the connectivity pattern of Neurons in the Human Brain and was inspired by the organization of the Visual Cortex. Individual neurons respond to stimuli only in a restricted region of the visual field known as the Receptive Field. A collection of such fields overlap to cover the entire visual area.</a:t>
+            </a:r>
+            <a:endParaRPr/>
+          </a:p>
+          <a:p>
+            <a:pPr marL="114300" lvl="0" indent="0" algn="l" rtl="0">
+              <a:lnSpc>
+                <a:spcPct val="115000"/>
+              </a:lnSpc>
+              <a:spcBef>
+                <a:spcPts val="0"/>
+              </a:spcBef>
+              <a:spcAft>
+                <a:spcPts val="0"/>
+              </a:spcAft>
+              <a:buSzPts val="1800"/>
+              <a:buNone/>
+            </a:pPr>
+            <a:r>
+              <a:rPr lang="en" sz="1200">
+                <a:latin typeface="Times New Roman"/>
+                <a:ea typeface="Times New Roman"/>
+                <a:cs typeface="Times New Roman"/>
+                <a:sym typeface="Times New Roman"/>
+              </a:rPr>
+              <a:t>We will be using </a:t>
+            </a:r>
+            <a:r>
+              <a:rPr lang="en" sz="1200" b="1" u="sng">
+                <a:latin typeface="Times New Roman"/>
+                <a:ea typeface="Times New Roman"/>
+                <a:cs typeface="Times New Roman"/>
+                <a:sym typeface="Times New Roman"/>
+              </a:rPr>
+              <a:t>CNN </a:t>
+            </a:r>
+            <a:r>
+              <a:rPr lang="en" sz="1200">
+                <a:latin typeface="Times New Roman"/>
+                <a:ea typeface="Times New Roman"/>
+                <a:cs typeface="Times New Roman"/>
+                <a:sym typeface="Times New Roman"/>
+              </a:rPr>
+              <a:t> module for image classification during the initial selling procedure.</a:t>
+            </a:r>
+            <a:endParaRPr/>
+          </a:p>
+          <a:p>
+            <a:pPr marL="114300" lvl="0" indent="0" algn="l" rtl="0">
+              <a:lnSpc>
+                <a:spcPct val="115000"/>
+              </a:lnSpc>
+              <a:spcBef>
+                <a:spcPts val="0"/>
+              </a:spcBef>
+              <a:spcAft>
+                <a:spcPts val="0"/>
+              </a:spcAft>
+              <a:buSzPts val="1800"/>
+              <a:buNone/>
+            </a:pPr>
+            <a:r>
+              <a:rPr lang="en" sz="1200">
+                <a:latin typeface="Times New Roman"/>
+                <a:ea typeface="Times New Roman"/>
+                <a:cs typeface="Times New Roman"/>
+                <a:sym typeface="Times New Roman"/>
+              </a:rPr>
+              <a:t>We will be giving an image  input to our model which we have trained and the model will classify it according the type of product it is and will proceed further for filling in the other details of the product.</a:t>
+            </a:r>
+            <a:endParaRPr/>
           </a:p>
           <a:p>
             <a:pPr marL="0" lvl="0" indent="0" algn="l" rtl="0">
@@ -14234,88 +14528,22 @@
               <a:buSzPts val="1800"/>
               <a:buNone/>
             </a:pPr>
-            <a:endParaRPr dirty="0">
-              <a:solidFill>
-                <a:schemeClr val="bg2"/>
-              </a:solidFill>
-            </a:endParaRPr>
+            <a:endParaRPr/>
           </a:p>
         </p:txBody>
       </p:sp>
-      <p:pic>
-        <p:nvPicPr>
-          <p:cNvPr id="3076" name="Picture 4"/>
-          <p:cNvPicPr>
-            <a:picLocks noChangeAspect="1" noChangeArrowheads="1"/>
-          </p:cNvPicPr>
-          <p:nvPr/>
-        </p:nvPicPr>
-        <p:blipFill>
-          <a:blip r:embed="rId3">
-            <a:extLst>
-              <a:ext uri="{28A0092B-C50C-407E-A947-70E740481C1C}">
-                <a14:useLocalDpi xmlns:a14="http://schemas.microsoft.com/office/drawing/2010/main" val="0"/>
-              </a:ext>
-            </a:extLst>
-          </a:blip>
-          <a:srcRect/>
-          <a:stretch>
-            <a:fillRect/>
-          </a:stretch>
-        </p:blipFill>
-        <p:spPr bwMode="auto">
-          <a:xfrm>
-            <a:off x="1335226" y="1924947"/>
-            <a:ext cx="6173787" cy="2150095"/>
-          </a:xfrm>
-          <a:prstGeom prst="rect">
-            <a:avLst/>
-          </a:prstGeom>
-          <a:noFill/>
-          <a:ln>
-            <a:noFill/>
-          </a:ln>
-          <a:effectLst/>
-          <a:extLst>
-            <a:ext uri="{909E8E84-426E-40DD-AFC4-6F175D3DCCD1}">
-              <a14:hiddenFill xmlns:a14="http://schemas.microsoft.com/office/drawing/2010/main">
-                <a:solidFill>
-                  <a:schemeClr val="accent1"/>
-                </a:solidFill>
-              </a14:hiddenFill>
-            </a:ext>
-            <a:ext uri="{91240B29-F687-4F45-9708-019B960494DF}">
-              <a14:hiddenLine xmlns:a14="http://schemas.microsoft.com/office/drawing/2010/main" w="9525">
-                <a:solidFill>
-                  <a:schemeClr val="tx1"/>
-                </a:solidFill>
-                <a:miter lim="800000"/>
-                <a:headEnd/>
-                <a:tailEnd/>
-              </a14:hiddenLine>
-            </a:ext>
-            <a:ext uri="{AF507438-7753-43E0-B8FC-AC1667EBCBE1}">
-              <a14:hiddenEffects xmlns:a14="http://schemas.microsoft.com/office/drawing/2010/main">
-                <a:effectLst>
-                  <a:outerShdw dist="35921" dir="2700000" algn="ctr" rotWithShape="0">
-                    <a:schemeClr val="bg2"/>
-                  </a:outerShdw>
-                </a:effectLst>
-              </a14:hiddenEffects>
-            </a:ext>
-          </a:extLst>
-        </p:spPr>
-      </p:pic>
     </p:spTree>
-    <p:extLst>
-      <p:ext uri="{BB962C8B-B14F-4D97-AF65-F5344CB8AC3E}">
-        <p14:creationId xmlns:p14="http://schemas.microsoft.com/office/powerpoint/2010/main" val="2856701752"/>
-      </p:ext>
-    </p:extLst>
   </p:cSld>
   <p:clrMapOvr>
     <a:masterClrMapping/>
   </p:clrMapOvr>
+  <p:timing>
+    <p:tnLst>
+      <p:par>
+        <p:cTn id="1" dur="indefinite" restart="never" nodeType="tmRoot"/>
+      </p:par>
+    </p:tnLst>
+  </p:timing>
 </p:sld>
 </file>
 
@@ -14324,7 +14552,7 @@
   <p:cSld>
     <p:spTree>
       <p:nvGrpSpPr>
-        <p:cNvPr id="1" name="Shape 107"/>
+        <p:cNvPr id="1" name="Shape 152"/>
         <p:cNvGrpSpPr/>
         <p:nvPr/>
       </p:nvGrpSpPr>
@@ -14338,7 +14566,7 @@
       </p:grpSpPr>
       <p:sp>
         <p:nvSpPr>
-          <p:cNvPr id="108" name="Google Shape;108;p7"/>
+          <p:cNvPr id="153" name="Google Shape;153;p29"/>
           <p:cNvSpPr txBox="1">
             <a:spLocks noGrp="1"/>
           </p:cNvSpPr>
@@ -14379,20 +14607,16 @@
               <a:buNone/>
             </a:pPr>
             <a:r>
-              <a:rPr lang="en" dirty="0"/>
-              <a:t>6</a:t>
-            </a:r>
-            <a:r>
-              <a:rPr lang="en" dirty="0" smtClean="0"/>
-              <a:t> – Algorithms and Techniques used</a:t>
-            </a:r>
-            <a:endParaRPr dirty="0"/>
+              <a:rPr lang="en"/>
+              <a:t>6 – Algorithms and Techniques used</a:t>
+            </a:r>
+            <a:endParaRPr/>
           </a:p>
         </p:txBody>
       </p:sp>
       <p:sp>
         <p:nvSpPr>
-          <p:cNvPr id="109" name="Google Shape;109;p7"/>
+          <p:cNvPr id="154" name="Google Shape;154;p29"/>
           <p:cNvSpPr txBox="1">
             <a:spLocks noGrp="1"/>
           </p:cNvSpPr>
@@ -14419,38 +14643,33 @@
           </a:bodyPr>
           <a:lstStyle/>
           <a:p>
-            <a:pPr marL="0" lvl="2" indent="0">
-              <a:spcBef>
-                <a:spcPts val="0"/>
-              </a:spcBef>
+            <a:pPr marL="1054100" lvl="2" indent="0" algn="l" rtl="0">
+              <a:lnSpc>
+                <a:spcPct val="115000"/>
+              </a:lnSpc>
+              <a:spcBef>
+                <a:spcPts val="1600"/>
+              </a:spcBef>
+              <a:spcAft>
+                <a:spcPts val="0"/>
+              </a:spcAft>
+              <a:buSzPts val="1400"/>
               <a:buNone/>
             </a:pPr>
             <a:r>
-              <a:rPr lang="en-US" sz="1600" b="1" u="sng" dirty="0">
-                <a:solidFill>
-                  <a:schemeClr val="bg2"/>
-                </a:solidFill>
-                <a:latin typeface="Times New Roman" panose="02020603050405020304" pitchFamily="18" charset="0"/>
-                <a:cs typeface="Times New Roman" panose="02020603050405020304" pitchFamily="18" charset="0"/>
+              <a:rPr lang="en" b="1" u="sng">
+                <a:latin typeface="Times New Roman"/>
+                <a:ea typeface="Times New Roman"/>
+                <a:cs typeface="Times New Roman"/>
+                <a:sym typeface="Times New Roman"/>
               </a:rPr>
-              <a:t>Web </a:t>
-            </a:r>
-            <a:r>
-              <a:rPr lang="en-US" sz="1600" b="1" u="sng" dirty="0" smtClean="0">
-                <a:solidFill>
-                  <a:schemeClr val="bg2"/>
-                </a:solidFill>
-                <a:latin typeface="Times New Roman" panose="02020603050405020304" pitchFamily="18" charset="0"/>
-                <a:cs typeface="Times New Roman" panose="02020603050405020304" pitchFamily="18" charset="0"/>
-              </a:rPr>
-              <a:t>Scrapping</a:t>
-            </a:r>
-            <a:endParaRPr lang="en-IN" sz="1200" dirty="0">
-              <a:solidFill>
-                <a:schemeClr val="bg2"/>
-              </a:solidFill>
-              <a:latin typeface="Times New Roman" panose="02020603050405020304" pitchFamily="18" charset="0"/>
-              <a:cs typeface="Times New Roman" panose="02020603050405020304" pitchFamily="18" charset="0"/>
+              <a:t>Convolution Neural Network (CNN model)</a:t>
+            </a:r>
+            <a:endParaRPr sz="1200" b="1" u="sng">
+              <a:latin typeface="Times New Roman"/>
+              <a:ea typeface="Times New Roman"/>
+              <a:cs typeface="Times New Roman"/>
+              <a:sym typeface="Times New Roman"/>
             </a:endParaRPr>
           </a:p>
           <a:p>
@@ -14467,39 +14686,27 @@
               <a:buSzPts val="1800"/>
               <a:buNone/>
             </a:pPr>
-            <a:endParaRPr dirty="0">
-              <a:solidFill>
-                <a:schemeClr val="bg2"/>
-              </a:solidFill>
-            </a:endParaRPr>
+            <a:endParaRPr/>
           </a:p>
         </p:txBody>
       </p:sp>
       <p:pic>
         <p:nvPicPr>
-          <p:cNvPr id="4099" name="Picture 3"/>
-          <p:cNvPicPr>
-            <a:picLocks noChangeAspect="1" noChangeArrowheads="1"/>
-          </p:cNvPicPr>
+          <p:cNvPr id="155" name="Google Shape;155;p29"/>
+          <p:cNvPicPr preferRelativeResize="0"/>
           <p:nvPr/>
         </p:nvPicPr>
-        <p:blipFill>
+        <p:blipFill rotWithShape="1">
           <a:blip r:embed="rId3">
-            <a:extLst>
-              <a:ext uri="{28A0092B-C50C-407E-A947-70E740481C1C}">
-                <a14:useLocalDpi xmlns:a14="http://schemas.microsoft.com/office/drawing/2010/main" val="0"/>
-              </a:ext>
-            </a:extLst>
+            <a:alphaModFix/>
           </a:blip>
           <a:srcRect/>
-          <a:stretch>
-            <a:fillRect/>
-          </a:stretch>
+          <a:stretch/>
         </p:blipFill>
-        <p:spPr bwMode="auto">
+        <p:spPr>
           <a:xfrm>
-            <a:off x="1277177" y="1646516"/>
-            <a:ext cx="6828183" cy="3054333"/>
+            <a:off x="1698007" y="1952625"/>
+            <a:ext cx="5543791" cy="2032966"/>
           </a:xfrm>
           <a:prstGeom prst="rect">
             <a:avLst/>
@@ -14508,47 +14715,20 @@
           <a:ln>
             <a:noFill/>
           </a:ln>
-          <a:effectLst/>
-          <a:extLst>
-            <a:ext uri="{909E8E84-426E-40DD-AFC4-6F175D3DCCD1}">
-              <a14:hiddenFill xmlns:a14="http://schemas.microsoft.com/office/drawing/2010/main">
-                <a:solidFill>
-                  <a:schemeClr val="accent1"/>
-                </a:solidFill>
-              </a14:hiddenFill>
-            </a:ext>
-            <a:ext uri="{91240B29-F687-4F45-9708-019B960494DF}">
-              <a14:hiddenLine xmlns:a14="http://schemas.microsoft.com/office/drawing/2010/main" w="9525">
-                <a:solidFill>
-                  <a:schemeClr val="tx1"/>
-                </a:solidFill>
-                <a:miter lim="800000"/>
-                <a:headEnd/>
-                <a:tailEnd/>
-              </a14:hiddenLine>
-            </a:ext>
-            <a:ext uri="{AF507438-7753-43E0-B8FC-AC1667EBCBE1}">
-              <a14:hiddenEffects xmlns:a14="http://schemas.microsoft.com/office/drawing/2010/main">
-                <a:effectLst>
-                  <a:outerShdw dist="35921" dir="2700000" algn="ctr" rotWithShape="0">
-                    <a:schemeClr val="bg2"/>
-                  </a:outerShdw>
-                </a:effectLst>
-              </a14:hiddenEffects>
-            </a:ext>
-          </a:extLst>
         </p:spPr>
       </p:pic>
     </p:spTree>
-    <p:extLst>
-      <p:ext uri="{BB962C8B-B14F-4D97-AF65-F5344CB8AC3E}">
-        <p14:creationId xmlns:p14="http://schemas.microsoft.com/office/powerpoint/2010/main" val="3700720691"/>
-      </p:ext>
-    </p:extLst>
   </p:cSld>
   <p:clrMapOvr>
     <a:masterClrMapping/>
   </p:clrMapOvr>
+  <p:timing>
+    <p:tnLst>
+      <p:par>
+        <p:cTn id="1" dur="indefinite" restart="never" nodeType="tmRoot"/>
+      </p:par>
+    </p:tnLst>
+  </p:timing>
 </p:sld>
 </file>
 
@@ -14557,7 +14737,7 @@
   <p:cSld>
     <p:spTree>
       <p:nvGrpSpPr>
-        <p:cNvPr id="1" name="Shape 107"/>
+        <p:cNvPr id="1" name="Shape 159"/>
         <p:cNvGrpSpPr/>
         <p:nvPr/>
       </p:nvGrpSpPr>
@@ -14571,7 +14751,7 @@
       </p:grpSpPr>
       <p:sp>
         <p:nvSpPr>
-          <p:cNvPr id="108" name="Google Shape;108;p7"/>
+          <p:cNvPr id="160" name="Google Shape;160;p33"/>
           <p:cNvSpPr txBox="1">
             <a:spLocks noGrp="1"/>
           </p:cNvSpPr>
@@ -14612,20 +14792,16 @@
               <a:buNone/>
             </a:pPr>
             <a:r>
-              <a:rPr lang="en" dirty="0"/>
-              <a:t>6</a:t>
-            </a:r>
-            <a:r>
-              <a:rPr lang="en" dirty="0" smtClean="0"/>
-              <a:t> – Algorithms and Techniques used</a:t>
-            </a:r>
-            <a:endParaRPr dirty="0"/>
+              <a:rPr lang="en"/>
+              <a:t>6 – Algorithms and Techniques used</a:t>
+            </a:r>
+            <a:endParaRPr/>
           </a:p>
         </p:txBody>
       </p:sp>
       <p:sp>
         <p:nvSpPr>
-          <p:cNvPr id="109" name="Google Shape;109;p7"/>
+          <p:cNvPr id="161" name="Google Shape;161;p33"/>
           <p:cNvSpPr txBox="1">
             <a:spLocks noGrp="1"/>
           </p:cNvSpPr>
@@ -14652,339 +14828,502 @@
           </a:bodyPr>
           <a:lstStyle/>
           <a:p>
-            <a:pPr marL="114300" indent="0">
+            <a:pPr marL="114300" lvl="0" indent="0" algn="l" rtl="0">
+              <a:lnSpc>
+                <a:spcPct val="115000"/>
+              </a:lnSpc>
+              <a:spcBef>
+                <a:spcPts val="0"/>
+              </a:spcBef>
+              <a:spcAft>
+                <a:spcPts val="0"/>
+              </a:spcAft>
+              <a:buSzPts val="1800"/>
               <a:buNone/>
             </a:pPr>
             <a:r>
-              <a:rPr lang="en-IN" sz="1600" b="1" dirty="0" smtClean="0">
-                <a:latin typeface="Times New Roman" panose="02020603050405020304" pitchFamily="18" charset="0"/>
-                <a:cs typeface="Times New Roman" panose="02020603050405020304" pitchFamily="18" charset="0"/>
+              <a:rPr lang="en" sz="1600" b="1">
+                <a:latin typeface="Times New Roman"/>
+                <a:ea typeface="Times New Roman"/>
+                <a:cs typeface="Times New Roman"/>
+                <a:sym typeface="Times New Roman"/>
               </a:rPr>
               <a:t>	    </a:t>
             </a:r>
             <a:r>
-              <a:rPr lang="en-IN" sz="1600" b="1" u="sng" dirty="0" smtClean="0">
-                <a:latin typeface="Times New Roman" panose="02020603050405020304" pitchFamily="18" charset="0"/>
-                <a:cs typeface="Times New Roman" panose="02020603050405020304" pitchFamily="18" charset="0"/>
+              <a:rPr lang="en" sz="1600" b="1" u="sng">
+                <a:latin typeface="Times New Roman"/>
+                <a:ea typeface="Times New Roman"/>
+                <a:cs typeface="Times New Roman"/>
+                <a:sym typeface="Times New Roman"/>
               </a:rPr>
               <a:t>Clustering Analysis</a:t>
             </a:r>
-          </a:p>
-          <a:p>
-            <a:pPr marL="114300" indent="0">
+            <a:endParaRPr/>
+          </a:p>
+          <a:p>
+            <a:pPr marL="114300" lvl="0" indent="0" algn="l" rtl="0">
+              <a:lnSpc>
+                <a:spcPct val="115000"/>
+              </a:lnSpc>
+              <a:spcBef>
+                <a:spcPts val="0"/>
+              </a:spcBef>
+              <a:spcAft>
+                <a:spcPts val="0"/>
+              </a:spcAft>
+              <a:buSzPts val="1800"/>
               <a:buNone/>
             </a:pPr>
             <a:r>
-              <a:rPr lang="en-IN" sz="1200" b="1" dirty="0" smtClean="0">
-                <a:latin typeface="Times New Roman" panose="02020603050405020304" pitchFamily="18" charset="0"/>
-                <a:cs typeface="Times New Roman" panose="02020603050405020304" pitchFamily="18" charset="0"/>
+              <a:rPr lang="en" sz="1200" b="1">
+                <a:latin typeface="Times New Roman"/>
+                <a:ea typeface="Times New Roman"/>
+                <a:cs typeface="Times New Roman"/>
+                <a:sym typeface="Times New Roman"/>
               </a:rPr>
-              <a:t>Cluster </a:t>
-            </a:r>
-            <a:r>
-              <a:rPr lang="en-IN" sz="1200" b="1" dirty="0">
-                <a:latin typeface="Times New Roman" panose="02020603050405020304" pitchFamily="18" charset="0"/>
-                <a:cs typeface="Times New Roman" panose="02020603050405020304" pitchFamily="18" charset="0"/>
-              </a:rPr>
-              <a:t>analysis</a:t>
-            </a:r>
-            <a:r>
-              <a:rPr lang="en-IN" sz="1200" dirty="0">
-                <a:latin typeface="Times New Roman" panose="02020603050405020304" pitchFamily="18" charset="0"/>
-                <a:cs typeface="Times New Roman" panose="02020603050405020304" pitchFamily="18" charset="0"/>
+              <a:t>Cluster analysis</a:t>
+            </a:r>
+            <a:r>
+              <a:rPr lang="en" sz="1200">
+                <a:latin typeface="Times New Roman"/>
+                <a:ea typeface="Times New Roman"/>
+                <a:cs typeface="Times New Roman"/>
+                <a:sym typeface="Times New Roman"/>
               </a:rPr>
               <a:t> or </a:t>
             </a:r>
             <a:r>
-              <a:rPr lang="en-IN" sz="1200" b="1" dirty="0">
-                <a:latin typeface="Times New Roman" panose="02020603050405020304" pitchFamily="18" charset="0"/>
-                <a:cs typeface="Times New Roman" panose="02020603050405020304" pitchFamily="18" charset="0"/>
+              <a:rPr lang="en" sz="1200" b="1">
+                <a:latin typeface="Times New Roman"/>
+                <a:ea typeface="Times New Roman"/>
+                <a:cs typeface="Times New Roman"/>
+                <a:sym typeface="Times New Roman"/>
               </a:rPr>
               <a:t>clustering</a:t>
             </a:r>
             <a:r>
-              <a:rPr lang="en-IN" sz="1200" dirty="0">
-                <a:latin typeface="Times New Roman" panose="02020603050405020304" pitchFamily="18" charset="0"/>
-                <a:cs typeface="Times New Roman" panose="02020603050405020304" pitchFamily="18" charset="0"/>
+              <a:rPr lang="en" sz="1200">
+                <a:latin typeface="Times New Roman"/>
+                <a:ea typeface="Times New Roman"/>
+                <a:cs typeface="Times New Roman"/>
+                <a:sym typeface="Times New Roman"/>
               </a:rPr>
               <a:t> is the task of grouping a set of objects in such a way that objects in the same group (called a </a:t>
             </a:r>
             <a:r>
-              <a:rPr lang="en-IN" sz="1200" b="1" dirty="0">
-                <a:latin typeface="Times New Roman" panose="02020603050405020304" pitchFamily="18" charset="0"/>
-                <a:cs typeface="Times New Roman" panose="02020603050405020304" pitchFamily="18" charset="0"/>
+              <a:rPr lang="en" sz="1200" b="1">
+                <a:latin typeface="Times New Roman"/>
+                <a:ea typeface="Times New Roman"/>
+                <a:cs typeface="Times New Roman"/>
+                <a:sym typeface="Times New Roman"/>
               </a:rPr>
               <a:t>cluster</a:t>
             </a:r>
             <a:r>
-              <a:rPr lang="en-IN" sz="1200" dirty="0">
-                <a:latin typeface="Times New Roman" panose="02020603050405020304" pitchFamily="18" charset="0"/>
-                <a:cs typeface="Times New Roman" panose="02020603050405020304" pitchFamily="18" charset="0"/>
+              <a:rPr lang="en" sz="1200">
+                <a:latin typeface="Times New Roman"/>
+                <a:ea typeface="Times New Roman"/>
+                <a:cs typeface="Times New Roman"/>
+                <a:sym typeface="Times New Roman"/>
               </a:rPr>
               <a:t>) are more similar (in some sense) to each other than to those in other groups (clusters). It is a main task of exploratory </a:t>
             </a:r>
             <a:r>
-              <a:rPr lang="en-IN" sz="1200" dirty="0">
-                <a:latin typeface="Times New Roman" panose="02020603050405020304" pitchFamily="18" charset="0"/>
-                <a:cs typeface="Times New Roman" panose="02020603050405020304" pitchFamily="18" charset="0"/>
+              <a:rPr lang="en" sz="1200" u="sng">
+                <a:solidFill>
+                  <a:schemeClr val="hlink"/>
+                </a:solidFill>
+                <a:latin typeface="Times New Roman"/>
+                <a:ea typeface="Times New Roman"/>
+                <a:cs typeface="Times New Roman"/>
+                <a:sym typeface="Times New Roman"/>
                 <a:hlinkClick r:id="rId3"/>
               </a:rPr>
               <a:t>data mining</a:t>
             </a:r>
             <a:r>
-              <a:rPr lang="en-IN" sz="1200" dirty="0">
-                <a:latin typeface="Times New Roman" panose="02020603050405020304" pitchFamily="18" charset="0"/>
-                <a:cs typeface="Times New Roman" panose="02020603050405020304" pitchFamily="18" charset="0"/>
+              <a:rPr lang="en" sz="1200">
+                <a:latin typeface="Times New Roman"/>
+                <a:ea typeface="Times New Roman"/>
+                <a:cs typeface="Times New Roman"/>
+                <a:sym typeface="Times New Roman"/>
               </a:rPr>
               <a:t>, and a common technique for </a:t>
             </a:r>
             <a:r>
-              <a:rPr lang="en-IN" sz="1200" dirty="0">
-                <a:latin typeface="Times New Roman" panose="02020603050405020304" pitchFamily="18" charset="0"/>
-                <a:cs typeface="Times New Roman" panose="02020603050405020304" pitchFamily="18" charset="0"/>
+              <a:rPr lang="en" sz="1200" u="sng">
+                <a:solidFill>
+                  <a:schemeClr val="hlink"/>
+                </a:solidFill>
+                <a:latin typeface="Times New Roman"/>
+                <a:ea typeface="Times New Roman"/>
+                <a:cs typeface="Times New Roman"/>
+                <a:sym typeface="Times New Roman"/>
                 <a:hlinkClick r:id="rId4"/>
               </a:rPr>
               <a:t>statistical</a:t>
             </a:r>
             <a:r>
-              <a:rPr lang="en-IN" sz="1200" dirty="0">
-                <a:latin typeface="Times New Roman" panose="02020603050405020304" pitchFamily="18" charset="0"/>
-                <a:cs typeface="Times New Roman" panose="02020603050405020304" pitchFamily="18" charset="0"/>
+              <a:rPr lang="en" sz="1200">
+                <a:latin typeface="Times New Roman"/>
+                <a:ea typeface="Times New Roman"/>
+                <a:cs typeface="Times New Roman"/>
+                <a:sym typeface="Times New Roman"/>
               </a:rPr>
               <a:t> </a:t>
             </a:r>
             <a:r>
-              <a:rPr lang="en-IN" sz="1200" dirty="0">
-                <a:latin typeface="Times New Roman" panose="02020603050405020304" pitchFamily="18" charset="0"/>
-                <a:cs typeface="Times New Roman" panose="02020603050405020304" pitchFamily="18" charset="0"/>
+              <a:rPr lang="en" sz="1200" u="sng">
+                <a:solidFill>
+                  <a:schemeClr val="hlink"/>
+                </a:solidFill>
+                <a:latin typeface="Times New Roman"/>
+                <a:ea typeface="Times New Roman"/>
+                <a:cs typeface="Times New Roman"/>
+                <a:sym typeface="Times New Roman"/>
                 <a:hlinkClick r:id="rId5"/>
               </a:rPr>
               <a:t>data analysis</a:t>
             </a:r>
             <a:r>
-              <a:rPr lang="en-IN" sz="1200" dirty="0">
-                <a:latin typeface="Times New Roman" panose="02020603050405020304" pitchFamily="18" charset="0"/>
-                <a:cs typeface="Times New Roman" panose="02020603050405020304" pitchFamily="18" charset="0"/>
+              <a:rPr lang="en" sz="1200">
+                <a:latin typeface="Times New Roman"/>
+                <a:ea typeface="Times New Roman"/>
+                <a:cs typeface="Times New Roman"/>
+                <a:sym typeface="Times New Roman"/>
               </a:rPr>
               <a:t>, used in many fields, including </a:t>
             </a:r>
             <a:r>
-              <a:rPr lang="en-IN" sz="1200" dirty="0">
-                <a:latin typeface="Times New Roman" panose="02020603050405020304" pitchFamily="18" charset="0"/>
-                <a:cs typeface="Times New Roman" panose="02020603050405020304" pitchFamily="18" charset="0"/>
+              <a:rPr lang="en" sz="1200" u="sng">
+                <a:solidFill>
+                  <a:schemeClr val="hlink"/>
+                </a:solidFill>
+                <a:latin typeface="Times New Roman"/>
+                <a:ea typeface="Times New Roman"/>
+                <a:cs typeface="Times New Roman"/>
+                <a:sym typeface="Times New Roman"/>
                 <a:hlinkClick r:id="rId6"/>
               </a:rPr>
               <a:t>pattern recognition</a:t>
             </a:r>
             <a:r>
-              <a:rPr lang="en-IN" sz="1200" dirty="0">
-                <a:latin typeface="Times New Roman" panose="02020603050405020304" pitchFamily="18" charset="0"/>
-                <a:cs typeface="Times New Roman" panose="02020603050405020304" pitchFamily="18" charset="0"/>
+              <a:rPr lang="en" sz="1200">
+                <a:latin typeface="Times New Roman"/>
+                <a:ea typeface="Times New Roman"/>
+                <a:cs typeface="Times New Roman"/>
+                <a:sym typeface="Times New Roman"/>
               </a:rPr>
               <a:t>, </a:t>
             </a:r>
             <a:r>
-              <a:rPr lang="en-IN" sz="1200" dirty="0">
-                <a:latin typeface="Times New Roman" panose="02020603050405020304" pitchFamily="18" charset="0"/>
-                <a:cs typeface="Times New Roman" panose="02020603050405020304" pitchFamily="18" charset="0"/>
+              <a:rPr lang="en" sz="1200" u="sng">
+                <a:solidFill>
+                  <a:schemeClr val="hlink"/>
+                </a:solidFill>
+                <a:latin typeface="Times New Roman"/>
+                <a:ea typeface="Times New Roman"/>
+                <a:cs typeface="Times New Roman"/>
+                <a:sym typeface="Times New Roman"/>
                 <a:hlinkClick r:id="rId7"/>
               </a:rPr>
               <a:t>image analysis</a:t>
             </a:r>
             <a:r>
-              <a:rPr lang="en-IN" sz="1200" dirty="0">
-                <a:latin typeface="Times New Roman" panose="02020603050405020304" pitchFamily="18" charset="0"/>
-                <a:cs typeface="Times New Roman" panose="02020603050405020304" pitchFamily="18" charset="0"/>
+              <a:rPr lang="en" sz="1200">
+                <a:latin typeface="Times New Roman"/>
+                <a:ea typeface="Times New Roman"/>
+                <a:cs typeface="Times New Roman"/>
+                <a:sym typeface="Times New Roman"/>
               </a:rPr>
               <a:t>, </a:t>
             </a:r>
             <a:r>
-              <a:rPr lang="en-IN" sz="1200" dirty="0">
-                <a:latin typeface="Times New Roman" panose="02020603050405020304" pitchFamily="18" charset="0"/>
-                <a:cs typeface="Times New Roman" panose="02020603050405020304" pitchFamily="18" charset="0"/>
+              <a:rPr lang="en" sz="1200" u="sng">
+                <a:solidFill>
+                  <a:schemeClr val="hlink"/>
+                </a:solidFill>
+                <a:latin typeface="Times New Roman"/>
+                <a:ea typeface="Times New Roman"/>
+                <a:cs typeface="Times New Roman"/>
+                <a:sym typeface="Times New Roman"/>
                 <a:hlinkClick r:id="rId8"/>
               </a:rPr>
               <a:t>information retrieval</a:t>
             </a:r>
             <a:r>
-              <a:rPr lang="en-IN" sz="1200" dirty="0">
-                <a:latin typeface="Times New Roman" panose="02020603050405020304" pitchFamily="18" charset="0"/>
-                <a:cs typeface="Times New Roman" panose="02020603050405020304" pitchFamily="18" charset="0"/>
+              <a:rPr lang="en" sz="1200">
+                <a:latin typeface="Times New Roman"/>
+                <a:ea typeface="Times New Roman"/>
+                <a:cs typeface="Times New Roman"/>
+                <a:sym typeface="Times New Roman"/>
               </a:rPr>
               <a:t>, </a:t>
             </a:r>
             <a:r>
-              <a:rPr lang="en-IN" sz="1200" dirty="0">
-                <a:latin typeface="Times New Roman" panose="02020603050405020304" pitchFamily="18" charset="0"/>
-                <a:cs typeface="Times New Roman" panose="02020603050405020304" pitchFamily="18" charset="0"/>
+              <a:rPr lang="en" sz="1200" u="sng">
+                <a:solidFill>
+                  <a:schemeClr val="hlink"/>
+                </a:solidFill>
+                <a:latin typeface="Times New Roman"/>
+                <a:ea typeface="Times New Roman"/>
+                <a:cs typeface="Times New Roman"/>
+                <a:sym typeface="Times New Roman"/>
                 <a:hlinkClick r:id="rId9"/>
               </a:rPr>
               <a:t>bioinformatics</a:t>
             </a:r>
             <a:r>
-              <a:rPr lang="en-IN" sz="1200" dirty="0">
-                <a:latin typeface="Times New Roman" panose="02020603050405020304" pitchFamily="18" charset="0"/>
-                <a:cs typeface="Times New Roman" panose="02020603050405020304" pitchFamily="18" charset="0"/>
+              <a:rPr lang="en" sz="1200">
+                <a:latin typeface="Times New Roman"/>
+                <a:ea typeface="Times New Roman"/>
+                <a:cs typeface="Times New Roman"/>
+                <a:sym typeface="Times New Roman"/>
               </a:rPr>
               <a:t>, </a:t>
             </a:r>
             <a:r>
-              <a:rPr lang="en-IN" sz="1200" dirty="0">
-                <a:latin typeface="Times New Roman" panose="02020603050405020304" pitchFamily="18" charset="0"/>
-                <a:cs typeface="Times New Roman" panose="02020603050405020304" pitchFamily="18" charset="0"/>
+              <a:rPr lang="en" sz="1200" u="sng">
+                <a:solidFill>
+                  <a:schemeClr val="hlink"/>
+                </a:solidFill>
+                <a:latin typeface="Times New Roman"/>
+                <a:ea typeface="Times New Roman"/>
+                <a:cs typeface="Times New Roman"/>
+                <a:sym typeface="Times New Roman"/>
                 <a:hlinkClick r:id="rId10"/>
               </a:rPr>
               <a:t>data compression</a:t>
             </a:r>
             <a:r>
-              <a:rPr lang="en-IN" sz="1200" dirty="0">
-                <a:latin typeface="Times New Roman" panose="02020603050405020304" pitchFamily="18" charset="0"/>
-                <a:cs typeface="Times New Roman" panose="02020603050405020304" pitchFamily="18" charset="0"/>
+              <a:rPr lang="en" sz="1200">
+                <a:latin typeface="Times New Roman"/>
+                <a:ea typeface="Times New Roman"/>
+                <a:cs typeface="Times New Roman"/>
+                <a:sym typeface="Times New Roman"/>
               </a:rPr>
               <a:t>, </a:t>
             </a:r>
             <a:r>
-              <a:rPr lang="en-IN" sz="1200" dirty="0">
-                <a:latin typeface="Times New Roman" panose="02020603050405020304" pitchFamily="18" charset="0"/>
-                <a:cs typeface="Times New Roman" panose="02020603050405020304" pitchFamily="18" charset="0"/>
+              <a:rPr lang="en" sz="1200" u="sng">
+                <a:solidFill>
+                  <a:schemeClr val="hlink"/>
+                </a:solidFill>
+                <a:latin typeface="Times New Roman"/>
+                <a:ea typeface="Times New Roman"/>
+                <a:cs typeface="Times New Roman"/>
+                <a:sym typeface="Times New Roman"/>
                 <a:hlinkClick r:id="rId11"/>
               </a:rPr>
               <a:t>computer graphics</a:t>
             </a:r>
             <a:r>
-              <a:rPr lang="en-IN" sz="1200" dirty="0">
-                <a:latin typeface="Times New Roman" panose="02020603050405020304" pitchFamily="18" charset="0"/>
-                <a:cs typeface="Times New Roman" panose="02020603050405020304" pitchFamily="18" charset="0"/>
+              <a:rPr lang="en" sz="1200">
+                <a:latin typeface="Times New Roman"/>
+                <a:ea typeface="Times New Roman"/>
+                <a:cs typeface="Times New Roman"/>
+                <a:sym typeface="Times New Roman"/>
               </a:rPr>
               <a:t> and </a:t>
             </a:r>
             <a:r>
-              <a:rPr lang="en-IN" sz="1200" dirty="0">
-                <a:latin typeface="Times New Roman" panose="02020603050405020304" pitchFamily="18" charset="0"/>
-                <a:cs typeface="Times New Roman" panose="02020603050405020304" pitchFamily="18" charset="0"/>
+              <a:rPr lang="en" sz="1200" u="sng">
+                <a:solidFill>
+                  <a:schemeClr val="hlink"/>
+                </a:solidFill>
+                <a:latin typeface="Times New Roman"/>
+                <a:ea typeface="Times New Roman"/>
+                <a:cs typeface="Times New Roman"/>
+                <a:sym typeface="Times New Roman"/>
                 <a:hlinkClick r:id="rId12"/>
               </a:rPr>
               <a:t>machine learning</a:t>
             </a:r>
             <a:r>
-              <a:rPr lang="en-IN" sz="1200" dirty="0">
-                <a:latin typeface="Times New Roman" panose="02020603050405020304" pitchFamily="18" charset="0"/>
-                <a:cs typeface="Times New Roman" panose="02020603050405020304" pitchFamily="18" charset="0"/>
+              <a:rPr lang="en" sz="1200">
+                <a:latin typeface="Times New Roman"/>
+                <a:ea typeface="Times New Roman"/>
+                <a:cs typeface="Times New Roman"/>
+                <a:sym typeface="Times New Roman"/>
               </a:rPr>
               <a:t>.</a:t>
             </a:r>
-          </a:p>
-          <a:p>
-            <a:pPr marL="114300" indent="0">
+            <a:endParaRPr/>
+          </a:p>
+          <a:p>
+            <a:pPr marL="114300" lvl="0" indent="0" algn="l" rtl="0">
+              <a:lnSpc>
+                <a:spcPct val="115000"/>
+              </a:lnSpc>
+              <a:spcBef>
+                <a:spcPts val="0"/>
+              </a:spcBef>
+              <a:spcAft>
+                <a:spcPts val="0"/>
+              </a:spcAft>
+              <a:buSzPts val="1800"/>
               <a:buNone/>
             </a:pPr>
             <a:r>
-              <a:rPr lang="en-IN" sz="1200" dirty="0">
-                <a:latin typeface="Times New Roman" panose="02020603050405020304" pitchFamily="18" charset="0"/>
-                <a:cs typeface="Times New Roman" panose="02020603050405020304" pitchFamily="18" charset="0"/>
+              <a:rPr lang="en" sz="1200">
+                <a:latin typeface="Times New Roman"/>
+                <a:ea typeface="Times New Roman"/>
+                <a:cs typeface="Times New Roman"/>
+                <a:sym typeface="Times New Roman"/>
               </a:rPr>
               <a:t>Cluster analysis itself is not one specific </a:t>
             </a:r>
             <a:r>
-              <a:rPr lang="en-IN" sz="1200" dirty="0">
-                <a:latin typeface="Times New Roman" panose="02020603050405020304" pitchFamily="18" charset="0"/>
-                <a:cs typeface="Times New Roman" panose="02020603050405020304" pitchFamily="18" charset="0"/>
+              <a:rPr lang="en" sz="1200" u="sng">
+                <a:solidFill>
+                  <a:schemeClr val="hlink"/>
+                </a:solidFill>
+                <a:latin typeface="Times New Roman"/>
+                <a:ea typeface="Times New Roman"/>
+                <a:cs typeface="Times New Roman"/>
+                <a:sym typeface="Times New Roman"/>
                 <a:hlinkClick r:id="rId13"/>
               </a:rPr>
               <a:t>algorithm</a:t>
             </a:r>
             <a:r>
-              <a:rPr lang="en-IN" sz="1200" dirty="0">
-                <a:latin typeface="Times New Roman" panose="02020603050405020304" pitchFamily="18" charset="0"/>
-                <a:cs typeface="Times New Roman" panose="02020603050405020304" pitchFamily="18" charset="0"/>
+              <a:rPr lang="en" sz="1200">
+                <a:latin typeface="Times New Roman"/>
+                <a:ea typeface="Times New Roman"/>
+                <a:cs typeface="Times New Roman"/>
+                <a:sym typeface="Times New Roman"/>
               </a:rPr>
               <a:t>, but the general task to be solved. It can be achieved by various algorithms that differ significantly in their understanding of what constitutes a cluster and how to efficiently find them. Popular notions of clusters include groups with small </a:t>
             </a:r>
             <a:r>
-              <a:rPr lang="en-IN" sz="1200" dirty="0">
-                <a:latin typeface="Times New Roman" panose="02020603050405020304" pitchFamily="18" charset="0"/>
-                <a:cs typeface="Times New Roman" panose="02020603050405020304" pitchFamily="18" charset="0"/>
+              <a:rPr lang="en" sz="1200" u="sng">
+                <a:solidFill>
+                  <a:schemeClr val="hlink"/>
+                </a:solidFill>
+                <a:latin typeface="Times New Roman"/>
+                <a:ea typeface="Times New Roman"/>
+                <a:cs typeface="Times New Roman"/>
+                <a:sym typeface="Times New Roman"/>
                 <a:hlinkClick r:id="rId14"/>
               </a:rPr>
               <a:t>distances</a:t>
             </a:r>
             <a:r>
-              <a:rPr lang="en-IN" sz="1200" dirty="0">
-                <a:latin typeface="Times New Roman" panose="02020603050405020304" pitchFamily="18" charset="0"/>
-                <a:cs typeface="Times New Roman" panose="02020603050405020304" pitchFamily="18" charset="0"/>
+              <a:rPr lang="en" sz="1200">
+                <a:latin typeface="Times New Roman"/>
+                <a:ea typeface="Times New Roman"/>
+                <a:cs typeface="Times New Roman"/>
+                <a:sym typeface="Times New Roman"/>
               </a:rPr>
               <a:t> between cluster members, dense areas of the data space, intervals or particular </a:t>
             </a:r>
             <a:r>
-              <a:rPr lang="en-IN" sz="1200" dirty="0">
-                <a:latin typeface="Times New Roman" panose="02020603050405020304" pitchFamily="18" charset="0"/>
-                <a:cs typeface="Times New Roman" panose="02020603050405020304" pitchFamily="18" charset="0"/>
+              <a:rPr lang="en" sz="1200" u="sng">
+                <a:solidFill>
+                  <a:schemeClr val="hlink"/>
+                </a:solidFill>
+                <a:latin typeface="Times New Roman"/>
+                <a:ea typeface="Times New Roman"/>
+                <a:cs typeface="Times New Roman"/>
+                <a:sym typeface="Times New Roman"/>
                 <a:hlinkClick r:id="rId15"/>
               </a:rPr>
               <a:t>statistical distributions</a:t>
             </a:r>
             <a:r>
-              <a:rPr lang="en-IN" sz="1200" dirty="0">
-                <a:latin typeface="Times New Roman" panose="02020603050405020304" pitchFamily="18" charset="0"/>
-                <a:cs typeface="Times New Roman" panose="02020603050405020304" pitchFamily="18" charset="0"/>
+              <a:rPr lang="en" sz="1200">
+                <a:latin typeface="Times New Roman"/>
+                <a:ea typeface="Times New Roman"/>
+                <a:cs typeface="Times New Roman"/>
+                <a:sym typeface="Times New Roman"/>
               </a:rPr>
               <a:t>. Clustering can therefore be formulated as a </a:t>
             </a:r>
             <a:r>
-              <a:rPr lang="en-IN" sz="1200" dirty="0">
-                <a:latin typeface="Times New Roman" panose="02020603050405020304" pitchFamily="18" charset="0"/>
-                <a:cs typeface="Times New Roman" panose="02020603050405020304" pitchFamily="18" charset="0"/>
+              <a:rPr lang="en" sz="1200" u="sng">
+                <a:solidFill>
+                  <a:schemeClr val="hlink"/>
+                </a:solidFill>
+                <a:latin typeface="Times New Roman"/>
+                <a:ea typeface="Times New Roman"/>
+                <a:cs typeface="Times New Roman"/>
+                <a:sym typeface="Times New Roman"/>
                 <a:hlinkClick r:id="rId16"/>
               </a:rPr>
               <a:t>multi-objective optimization</a:t>
             </a:r>
             <a:r>
-              <a:rPr lang="en-IN" sz="1200" dirty="0">
-                <a:latin typeface="Times New Roman" panose="02020603050405020304" pitchFamily="18" charset="0"/>
-                <a:cs typeface="Times New Roman" panose="02020603050405020304" pitchFamily="18" charset="0"/>
+              <a:rPr lang="en" sz="1200">
+                <a:latin typeface="Times New Roman"/>
+                <a:ea typeface="Times New Roman"/>
+                <a:cs typeface="Times New Roman"/>
+                <a:sym typeface="Times New Roman"/>
               </a:rPr>
               <a:t> problem.</a:t>
             </a:r>
-          </a:p>
-          <a:p>
-            <a:pPr marL="114300" indent="0">
+            <a:endParaRPr/>
+          </a:p>
+          <a:p>
+            <a:pPr marL="114300" lvl="0" indent="0" algn="l" rtl="0">
+              <a:lnSpc>
+                <a:spcPct val="115000"/>
+              </a:lnSpc>
+              <a:spcBef>
+                <a:spcPts val="0"/>
+              </a:spcBef>
+              <a:spcAft>
+                <a:spcPts val="0"/>
+              </a:spcAft>
+              <a:buSzPts val="1800"/>
               <a:buNone/>
             </a:pPr>
             <a:r>
-              <a:rPr lang="en-IN" sz="1200" dirty="0">
-                <a:latin typeface="Times New Roman" panose="02020603050405020304" pitchFamily="18" charset="0"/>
-                <a:cs typeface="Times New Roman" panose="02020603050405020304" pitchFamily="18" charset="0"/>
+              <a:rPr lang="en" sz="1200">
+                <a:latin typeface="Times New Roman"/>
+                <a:ea typeface="Times New Roman"/>
+                <a:cs typeface="Times New Roman"/>
+                <a:sym typeface="Times New Roman"/>
               </a:rPr>
               <a:t>We will be using </a:t>
             </a:r>
             <a:r>
-              <a:rPr lang="en-IN" sz="1200" b="1" dirty="0">
-                <a:latin typeface="Times New Roman" panose="02020603050405020304" pitchFamily="18" charset="0"/>
-                <a:cs typeface="Times New Roman" panose="02020603050405020304" pitchFamily="18" charset="0"/>
+              <a:rPr lang="en" sz="1200" b="1">
+                <a:latin typeface="Times New Roman"/>
+                <a:ea typeface="Times New Roman"/>
+                <a:cs typeface="Times New Roman"/>
+                <a:sym typeface="Times New Roman"/>
               </a:rPr>
               <a:t>clustering</a:t>
             </a:r>
             <a:r>
-              <a:rPr lang="en-IN" sz="1200" dirty="0">
-                <a:latin typeface="Times New Roman" panose="02020603050405020304" pitchFamily="18" charset="0"/>
-                <a:cs typeface="Times New Roman" panose="02020603050405020304" pitchFamily="18" charset="0"/>
+              <a:rPr lang="en" sz="1200">
+                <a:latin typeface="Times New Roman"/>
+                <a:ea typeface="Times New Roman"/>
+                <a:cs typeface="Times New Roman"/>
+                <a:sym typeface="Times New Roman"/>
               </a:rPr>
               <a:t> for clustering the nodes which we are going to give as input to the </a:t>
             </a:r>
             <a:r>
-              <a:rPr lang="en-IN" sz="1200" b="1" dirty="0">
-                <a:latin typeface="Times New Roman" panose="02020603050405020304" pitchFamily="18" charset="0"/>
-                <a:cs typeface="Times New Roman" panose="02020603050405020304" pitchFamily="18" charset="0"/>
+              <a:rPr lang="en" sz="1200" b="1">
+                <a:latin typeface="Times New Roman"/>
+                <a:ea typeface="Times New Roman"/>
+                <a:cs typeface="Times New Roman"/>
+                <a:sym typeface="Times New Roman"/>
               </a:rPr>
               <a:t>TSP </a:t>
             </a:r>
             <a:r>
-              <a:rPr lang="en-IN" sz="1200" dirty="0">
-                <a:latin typeface="Times New Roman" panose="02020603050405020304" pitchFamily="18" charset="0"/>
-                <a:cs typeface="Times New Roman" panose="02020603050405020304" pitchFamily="18" charset="0"/>
+              <a:rPr lang="en" sz="1200">
+                <a:latin typeface="Times New Roman"/>
+                <a:ea typeface="Times New Roman"/>
+                <a:cs typeface="Times New Roman"/>
+                <a:sym typeface="Times New Roman"/>
               </a:rPr>
               <a:t>for further processing. This step is our data reduction step in which the outlier nodes are very well handled and hence we can get common nodes of pickup and delivery.</a:t>
             </a:r>
+            <a:endParaRPr/>
           </a:p>
           <a:p>
             <a:pPr marL="0" lvl="0" indent="0" algn="l" rtl="0">
@@ -15000,20 +15339,22 @@
               <a:buSzPts val="1800"/>
               <a:buNone/>
             </a:pPr>
-            <a:endParaRPr dirty="0"/>
+            <a:endParaRPr/>
           </a:p>
         </p:txBody>
       </p:sp>
     </p:spTree>
-    <p:extLst>
-      <p:ext uri="{BB962C8B-B14F-4D97-AF65-F5344CB8AC3E}">
-        <p14:creationId xmlns:p14="http://schemas.microsoft.com/office/powerpoint/2010/main" val="2267543229"/>
-      </p:ext>
-    </p:extLst>
   </p:cSld>
   <p:clrMapOvr>
     <a:masterClrMapping/>
   </p:clrMapOvr>
+  <p:timing>
+    <p:tnLst>
+      <p:par>
+        <p:cTn id="1" dur="indefinite" restart="never" nodeType="tmRoot"/>
+      </p:par>
+    </p:tnLst>
+  </p:timing>
 </p:sld>
 </file>
 
@@ -15022,7 +15363,7 @@
   <p:cSld>
     <p:spTree>
       <p:nvGrpSpPr>
-        <p:cNvPr id="1" name="Shape 107"/>
+        <p:cNvPr id="1" name="Shape 165"/>
         <p:cNvGrpSpPr/>
         <p:nvPr/>
       </p:nvGrpSpPr>
@@ -15036,7 +15377,7 @@
       </p:grpSpPr>
       <p:sp>
         <p:nvSpPr>
-          <p:cNvPr id="108" name="Google Shape;108;p7"/>
+          <p:cNvPr id="166" name="Google Shape;166;p34"/>
           <p:cNvSpPr txBox="1">
             <a:spLocks noGrp="1"/>
           </p:cNvSpPr>
@@ -15077,20 +15418,16 @@
               <a:buNone/>
             </a:pPr>
             <a:r>
-              <a:rPr lang="en" dirty="0"/>
-              <a:t>6</a:t>
-            </a:r>
-            <a:r>
-              <a:rPr lang="en" dirty="0" smtClean="0"/>
-              <a:t> – Algorithms and Techniques used</a:t>
-            </a:r>
-            <a:endParaRPr dirty="0"/>
+              <a:rPr lang="en"/>
+              <a:t>6 – Algorithms and Techniques used</a:t>
+            </a:r>
+            <a:endParaRPr/>
           </a:p>
         </p:txBody>
       </p:sp>
       <p:sp>
         <p:nvSpPr>
-          <p:cNvPr id="109" name="Google Shape;109;p7"/>
+          <p:cNvPr id="167" name="Google Shape;167;p34"/>
           <p:cNvSpPr txBox="1">
             <a:spLocks noGrp="1"/>
           </p:cNvSpPr>
@@ -15117,23 +15454,38 @@
           </a:bodyPr>
           <a:lstStyle/>
           <a:p>
-            <a:pPr marL="114300" indent="0">
+            <a:pPr marL="114300" lvl="0" indent="0" algn="l" rtl="0">
+              <a:lnSpc>
+                <a:spcPct val="115000"/>
+              </a:lnSpc>
+              <a:spcBef>
+                <a:spcPts val="0"/>
+              </a:spcBef>
+              <a:spcAft>
+                <a:spcPts val="0"/>
+              </a:spcAft>
+              <a:buSzPts val="1800"/>
               <a:buNone/>
             </a:pPr>
             <a:r>
-              <a:rPr lang="en-IN" sz="1600" b="1" dirty="0" smtClean="0">
-                <a:latin typeface="Times New Roman" panose="02020603050405020304" pitchFamily="18" charset="0"/>
-                <a:cs typeface="Times New Roman" panose="02020603050405020304" pitchFamily="18" charset="0"/>
+              <a:rPr lang="en" sz="1600" b="1">
+                <a:latin typeface="Times New Roman"/>
+                <a:ea typeface="Times New Roman"/>
+                <a:cs typeface="Times New Roman"/>
+                <a:sym typeface="Times New Roman"/>
               </a:rPr>
               <a:t>	    </a:t>
             </a:r>
             <a:r>
-              <a:rPr lang="en-IN" sz="1600" b="1" u="sng" dirty="0" smtClean="0">
-                <a:latin typeface="Times New Roman" panose="02020603050405020304" pitchFamily="18" charset="0"/>
-                <a:cs typeface="Times New Roman" panose="02020603050405020304" pitchFamily="18" charset="0"/>
+              <a:rPr lang="en" sz="1600" b="1" u="sng">
+                <a:latin typeface="Times New Roman"/>
+                <a:ea typeface="Times New Roman"/>
+                <a:cs typeface="Times New Roman"/>
+                <a:sym typeface="Times New Roman"/>
               </a:rPr>
               <a:t>Clustering Analysis</a:t>
             </a:r>
+            <a:endParaRPr/>
           </a:p>
           <a:p>
             <a:pPr marL="0" lvl="0" indent="0" algn="l" rtl="0">
@@ -15149,32 +15501,24 @@
               <a:buSzPts val="1800"/>
               <a:buNone/>
             </a:pPr>
-            <a:endParaRPr dirty="0"/>
+            <a:endParaRPr/>
           </a:p>
         </p:txBody>
       </p:sp>
       <p:pic>
         <p:nvPicPr>
-          <p:cNvPr id="6146" name="Picture 2"/>
-          <p:cNvPicPr>
-            <a:picLocks noChangeAspect="1" noChangeArrowheads="1"/>
-          </p:cNvPicPr>
+          <p:cNvPr id="168" name="Google Shape;168;p34"/>
+          <p:cNvPicPr preferRelativeResize="0"/>
           <p:nvPr/>
         </p:nvPicPr>
-        <p:blipFill>
+        <p:blipFill rotWithShape="1">
           <a:blip r:embed="rId3">
-            <a:extLst>
-              <a:ext uri="{28A0092B-C50C-407E-A947-70E740481C1C}">
-                <a14:useLocalDpi xmlns:a14="http://schemas.microsoft.com/office/drawing/2010/main" val="0"/>
-              </a:ext>
-            </a:extLst>
+            <a:alphaModFix/>
           </a:blip>
           <a:srcRect/>
-          <a:stretch>
-            <a:fillRect/>
-          </a:stretch>
+          <a:stretch/>
         </p:blipFill>
-        <p:spPr bwMode="auto">
+        <p:spPr>
           <a:xfrm>
             <a:off x="2904564" y="1619249"/>
             <a:ext cx="3033657" cy="2974266"/>
@@ -15186,37 +15530,20 @@
           <a:ln>
             <a:noFill/>
           </a:ln>
-          <a:extLst>
-            <a:ext uri="{909E8E84-426E-40DD-AFC4-6F175D3DCCD1}">
-              <a14:hiddenFill xmlns:a14="http://schemas.microsoft.com/office/drawing/2010/main">
-                <a:solidFill>
-                  <a:schemeClr val="accent1"/>
-                </a:solidFill>
-              </a14:hiddenFill>
-            </a:ext>
-            <a:ext uri="{91240B29-F687-4F45-9708-019B960494DF}">
-              <a14:hiddenLine xmlns:a14="http://schemas.microsoft.com/office/drawing/2010/main" w="9525">
-                <a:solidFill>
-                  <a:schemeClr val="tx1"/>
-                </a:solidFill>
-                <a:miter lim="800000"/>
-                <a:headEnd/>
-                <a:tailEnd/>
-              </a14:hiddenLine>
-            </a:ext>
-          </a:extLst>
         </p:spPr>
       </p:pic>
     </p:spTree>
-    <p:extLst>
-      <p:ext uri="{BB962C8B-B14F-4D97-AF65-F5344CB8AC3E}">
-        <p14:creationId xmlns:p14="http://schemas.microsoft.com/office/powerpoint/2010/main" val="277325970"/>
-      </p:ext>
-    </p:extLst>
   </p:cSld>
   <p:clrMapOvr>
     <a:masterClrMapping/>
   </p:clrMapOvr>
+  <p:timing>
+    <p:tnLst>
+      <p:par>
+        <p:cTn id="1" dur="indefinite" restart="never" nodeType="tmRoot"/>
+      </p:par>
+    </p:tnLst>
+  </p:timing>
 </p:sld>
 </file>
 
@@ -15225,7 +15552,7 @@
   <p:cSld>
     <p:spTree>
       <p:nvGrpSpPr>
-        <p:cNvPr id="1" name="Shape 107"/>
+        <p:cNvPr id="1" name="Shape 172"/>
         <p:cNvGrpSpPr/>
         <p:nvPr/>
       </p:nvGrpSpPr>
@@ -15239,7 +15566,7 @@
       </p:grpSpPr>
       <p:sp>
         <p:nvSpPr>
-          <p:cNvPr id="108" name="Google Shape;108;p7"/>
+          <p:cNvPr id="173" name="Google Shape;173;p35"/>
           <p:cNvSpPr txBox="1">
             <a:spLocks noGrp="1"/>
           </p:cNvSpPr>
@@ -15280,20 +15607,16 @@
               <a:buNone/>
             </a:pPr>
             <a:r>
-              <a:rPr lang="en" dirty="0"/>
-              <a:t>6</a:t>
-            </a:r>
-            <a:r>
-              <a:rPr lang="en" dirty="0" smtClean="0"/>
-              <a:t> – Algorithms and Techniques used</a:t>
-            </a:r>
-            <a:endParaRPr dirty="0"/>
+              <a:rPr lang="en"/>
+              <a:t>6 – Algorithms and Techniques used</a:t>
+            </a:r>
+            <a:endParaRPr/>
           </a:p>
         </p:txBody>
       </p:sp>
       <p:sp>
         <p:nvSpPr>
-          <p:cNvPr id="109" name="Google Shape;109;p7"/>
+          <p:cNvPr id="174" name="Google Shape;174;p35"/>
           <p:cNvSpPr txBox="1">
             <a:spLocks noGrp="1"/>
           </p:cNvSpPr>
@@ -15320,367 +15643,566 @@
           </a:bodyPr>
           <a:lstStyle/>
           <a:p>
-            <a:pPr marL="1054100" lvl="2" indent="0">
+            <a:pPr marL="1054100" lvl="2" indent="0" algn="l" rtl="0">
+              <a:lnSpc>
+                <a:spcPct val="115000"/>
+              </a:lnSpc>
+              <a:spcBef>
+                <a:spcPts val="1600"/>
+              </a:spcBef>
+              <a:spcAft>
+                <a:spcPts val="0"/>
+              </a:spcAft>
+              <a:buSzPts val="1400"/>
               <a:buNone/>
             </a:pPr>
             <a:r>
-              <a:rPr lang="en-US" b="1" u="sng" dirty="0">
-                <a:latin typeface="Times New Roman" panose="02020603050405020304" pitchFamily="18" charset="0"/>
-                <a:cs typeface="Times New Roman" panose="02020603050405020304" pitchFamily="18" charset="0"/>
+              <a:rPr lang="en" b="1" u="sng">
+                <a:latin typeface="Times New Roman"/>
+                <a:ea typeface="Times New Roman"/>
+                <a:cs typeface="Times New Roman"/>
+                <a:sym typeface="Times New Roman"/>
               </a:rPr>
               <a:t>Routing Optimization Algorithm – Travelling Salesman Problem</a:t>
             </a:r>
-            <a:endParaRPr lang="en-IN" b="1" u="sng" dirty="0">
-              <a:latin typeface="Times New Roman" panose="02020603050405020304" pitchFamily="18" charset="0"/>
-              <a:cs typeface="Times New Roman" panose="02020603050405020304" pitchFamily="18" charset="0"/>
+            <a:endParaRPr b="1" u="sng">
+              <a:latin typeface="Times New Roman"/>
+              <a:ea typeface="Times New Roman"/>
+              <a:cs typeface="Times New Roman"/>
+              <a:sym typeface="Times New Roman"/>
             </a:endParaRPr>
           </a:p>
           <a:p>
-            <a:pPr marL="114300" indent="0">
+            <a:pPr marL="114300" lvl="0" indent="0" algn="l" rtl="0">
+              <a:lnSpc>
+                <a:spcPct val="115000"/>
+              </a:lnSpc>
+              <a:spcBef>
+                <a:spcPts val="0"/>
+              </a:spcBef>
+              <a:spcAft>
+                <a:spcPts val="0"/>
+              </a:spcAft>
+              <a:buSzPts val="1800"/>
               <a:buNone/>
             </a:pPr>
             <a:r>
-              <a:rPr lang="en-IN" sz="1100" dirty="0">
-                <a:latin typeface="Times New Roman" panose="02020603050405020304" pitchFamily="18" charset="0"/>
-                <a:cs typeface="Times New Roman" panose="02020603050405020304" pitchFamily="18" charset="0"/>
+              <a:rPr lang="en" sz="1100">
+                <a:latin typeface="Times New Roman"/>
+                <a:ea typeface="Times New Roman"/>
+                <a:cs typeface="Times New Roman"/>
+                <a:sym typeface="Times New Roman"/>
               </a:rPr>
               <a:t>The </a:t>
             </a:r>
             <a:r>
-              <a:rPr lang="en-IN" sz="1100" b="1" dirty="0">
-                <a:latin typeface="Times New Roman" panose="02020603050405020304" pitchFamily="18" charset="0"/>
-                <a:cs typeface="Times New Roman" panose="02020603050405020304" pitchFamily="18" charset="0"/>
+              <a:rPr lang="en" sz="1100" b="1">
+                <a:latin typeface="Times New Roman"/>
+                <a:ea typeface="Times New Roman"/>
+                <a:cs typeface="Times New Roman"/>
+                <a:sym typeface="Times New Roman"/>
               </a:rPr>
               <a:t>travelling salesman problem </a:t>
             </a:r>
             <a:r>
-              <a:rPr lang="en-IN" sz="1100" dirty="0">
-                <a:latin typeface="Times New Roman" panose="02020603050405020304" pitchFamily="18" charset="0"/>
-                <a:cs typeface="Times New Roman" panose="02020603050405020304" pitchFamily="18" charset="0"/>
+              <a:rPr lang="en" sz="1100">
+                <a:latin typeface="Times New Roman"/>
+                <a:ea typeface="Times New Roman"/>
+                <a:cs typeface="Times New Roman"/>
+                <a:sym typeface="Times New Roman"/>
               </a:rPr>
               <a:t>(also called the </a:t>
             </a:r>
             <a:r>
-              <a:rPr lang="en-IN" sz="1100" b="1" dirty="0">
-                <a:latin typeface="Times New Roman" panose="02020603050405020304" pitchFamily="18" charset="0"/>
-                <a:cs typeface="Times New Roman" panose="02020603050405020304" pitchFamily="18" charset="0"/>
+              <a:rPr lang="en" sz="1100" b="1">
+                <a:latin typeface="Times New Roman"/>
+                <a:ea typeface="Times New Roman"/>
+                <a:cs typeface="Times New Roman"/>
+                <a:sym typeface="Times New Roman"/>
               </a:rPr>
               <a:t>traveling salesperson problem</a:t>
             </a:r>
             <a:r>
-              <a:rPr lang="en-IN" sz="1100" baseline="30000" dirty="0">
-                <a:latin typeface="Times New Roman" panose="02020603050405020304" pitchFamily="18" charset="0"/>
-                <a:cs typeface="Times New Roman" panose="02020603050405020304" pitchFamily="18" charset="0"/>
+              <a:rPr lang="en" sz="1100" baseline="30000">
+                <a:latin typeface="Times New Roman"/>
+                <a:ea typeface="Times New Roman"/>
+                <a:cs typeface="Times New Roman"/>
+                <a:sym typeface="Times New Roman"/>
               </a:rPr>
               <a:t> </a:t>
             </a:r>
             <a:r>
-              <a:rPr lang="en-IN" sz="1100" dirty="0">
-                <a:latin typeface="Times New Roman" panose="02020603050405020304" pitchFamily="18" charset="0"/>
-                <a:cs typeface="Times New Roman" panose="02020603050405020304" pitchFamily="18" charset="0"/>
+              <a:rPr lang="en" sz="1100">
+                <a:latin typeface="Times New Roman"/>
+                <a:ea typeface="Times New Roman"/>
+                <a:cs typeface="Times New Roman"/>
+                <a:sym typeface="Times New Roman"/>
               </a:rPr>
               <a:t>or </a:t>
             </a:r>
             <a:r>
-              <a:rPr lang="en-IN" sz="1100" b="1" dirty="0">
-                <a:latin typeface="Times New Roman" panose="02020603050405020304" pitchFamily="18" charset="0"/>
-                <a:cs typeface="Times New Roman" panose="02020603050405020304" pitchFamily="18" charset="0"/>
+              <a:rPr lang="en" sz="1100" b="1">
+                <a:latin typeface="Times New Roman"/>
+                <a:ea typeface="Times New Roman"/>
+                <a:cs typeface="Times New Roman"/>
+                <a:sym typeface="Times New Roman"/>
               </a:rPr>
               <a:t>TSP</a:t>
             </a:r>
             <a:r>
-              <a:rPr lang="en-IN" sz="1100" dirty="0">
-                <a:latin typeface="Times New Roman" panose="02020603050405020304" pitchFamily="18" charset="0"/>
-                <a:cs typeface="Times New Roman" panose="02020603050405020304" pitchFamily="18" charset="0"/>
+              <a:rPr lang="en" sz="1100">
+                <a:latin typeface="Times New Roman"/>
+                <a:ea typeface="Times New Roman"/>
+                <a:cs typeface="Times New Roman"/>
+                <a:sym typeface="Times New Roman"/>
               </a:rPr>
               <a:t>) asks the following question: "Given a list of cities and the distances between each pair of cities, what is the shortest possible route that visits each city exactly once and returns to the origin city?" It is an </a:t>
             </a:r>
             <a:r>
-              <a:rPr lang="en-IN" sz="1100" dirty="0">
-                <a:latin typeface="Times New Roman" panose="02020603050405020304" pitchFamily="18" charset="0"/>
-                <a:cs typeface="Times New Roman" panose="02020603050405020304" pitchFamily="18" charset="0"/>
+              <a:rPr lang="en" sz="1100" u="sng">
+                <a:solidFill>
+                  <a:schemeClr val="hlink"/>
+                </a:solidFill>
+                <a:latin typeface="Times New Roman"/>
+                <a:ea typeface="Times New Roman"/>
+                <a:cs typeface="Times New Roman"/>
+                <a:sym typeface="Times New Roman"/>
                 <a:hlinkClick r:id="rId3"/>
               </a:rPr>
               <a:t>NP-hard</a:t>
             </a:r>
             <a:r>
-              <a:rPr lang="en-IN" sz="1100" dirty="0">
-                <a:latin typeface="Times New Roman" panose="02020603050405020304" pitchFamily="18" charset="0"/>
-                <a:cs typeface="Times New Roman" panose="02020603050405020304" pitchFamily="18" charset="0"/>
+              <a:rPr lang="en" sz="1100">
+                <a:latin typeface="Times New Roman"/>
+                <a:ea typeface="Times New Roman"/>
+                <a:cs typeface="Times New Roman"/>
+                <a:sym typeface="Times New Roman"/>
               </a:rPr>
               <a:t> problem in </a:t>
             </a:r>
             <a:r>
-              <a:rPr lang="en-IN" sz="1100" dirty="0">
-                <a:latin typeface="Times New Roman" panose="02020603050405020304" pitchFamily="18" charset="0"/>
-                <a:cs typeface="Times New Roman" panose="02020603050405020304" pitchFamily="18" charset="0"/>
+              <a:rPr lang="en" sz="1100" u="sng">
+                <a:solidFill>
+                  <a:schemeClr val="hlink"/>
+                </a:solidFill>
+                <a:latin typeface="Times New Roman"/>
+                <a:ea typeface="Times New Roman"/>
+                <a:cs typeface="Times New Roman"/>
+                <a:sym typeface="Times New Roman"/>
                 <a:hlinkClick r:id="rId4"/>
               </a:rPr>
               <a:t>combinatorial optimization</a:t>
             </a:r>
             <a:r>
-              <a:rPr lang="en-IN" sz="1100" dirty="0">
-                <a:latin typeface="Times New Roman" panose="02020603050405020304" pitchFamily="18" charset="0"/>
-                <a:cs typeface="Times New Roman" panose="02020603050405020304" pitchFamily="18" charset="0"/>
+              <a:rPr lang="en" sz="1100">
+                <a:latin typeface="Times New Roman"/>
+                <a:ea typeface="Times New Roman"/>
+                <a:cs typeface="Times New Roman"/>
+                <a:sym typeface="Times New Roman"/>
               </a:rPr>
               <a:t>, important in </a:t>
             </a:r>
             <a:r>
-              <a:rPr lang="en-IN" sz="1100" dirty="0">
-                <a:latin typeface="Times New Roman" panose="02020603050405020304" pitchFamily="18" charset="0"/>
-                <a:cs typeface="Times New Roman" panose="02020603050405020304" pitchFamily="18" charset="0"/>
+              <a:rPr lang="en" sz="1100" u="sng">
+                <a:solidFill>
+                  <a:schemeClr val="hlink"/>
+                </a:solidFill>
+                <a:latin typeface="Times New Roman"/>
+                <a:ea typeface="Times New Roman"/>
+                <a:cs typeface="Times New Roman"/>
+                <a:sym typeface="Times New Roman"/>
                 <a:hlinkClick r:id="rId5"/>
               </a:rPr>
               <a:t>theoretical computer science</a:t>
             </a:r>
             <a:r>
-              <a:rPr lang="en-IN" sz="1100" dirty="0">
-                <a:latin typeface="Times New Roman" panose="02020603050405020304" pitchFamily="18" charset="0"/>
-                <a:cs typeface="Times New Roman" panose="02020603050405020304" pitchFamily="18" charset="0"/>
+              <a:rPr lang="en" sz="1100">
+                <a:latin typeface="Times New Roman"/>
+                <a:ea typeface="Times New Roman"/>
+                <a:cs typeface="Times New Roman"/>
+                <a:sym typeface="Times New Roman"/>
               </a:rPr>
               <a:t> and </a:t>
             </a:r>
             <a:r>
-              <a:rPr lang="en-IN" sz="1100" dirty="0">
-                <a:latin typeface="Times New Roman" panose="02020603050405020304" pitchFamily="18" charset="0"/>
-                <a:cs typeface="Times New Roman" panose="02020603050405020304" pitchFamily="18" charset="0"/>
+              <a:rPr lang="en" sz="1100" u="sng">
+                <a:solidFill>
+                  <a:schemeClr val="hlink"/>
+                </a:solidFill>
+                <a:latin typeface="Times New Roman"/>
+                <a:ea typeface="Times New Roman"/>
+                <a:cs typeface="Times New Roman"/>
+                <a:sym typeface="Times New Roman"/>
                 <a:hlinkClick r:id="rId6"/>
               </a:rPr>
               <a:t>operations research</a:t>
             </a:r>
             <a:r>
-              <a:rPr lang="en-IN" sz="1100" dirty="0">
-                <a:latin typeface="Times New Roman" panose="02020603050405020304" pitchFamily="18" charset="0"/>
-                <a:cs typeface="Times New Roman" panose="02020603050405020304" pitchFamily="18" charset="0"/>
+              <a:rPr lang="en" sz="1100">
+                <a:latin typeface="Times New Roman"/>
+                <a:ea typeface="Times New Roman"/>
+                <a:cs typeface="Times New Roman"/>
+                <a:sym typeface="Times New Roman"/>
               </a:rPr>
               <a:t>.</a:t>
             </a:r>
-          </a:p>
-          <a:p>
-            <a:pPr marL="114300" indent="0">
+            <a:endParaRPr/>
+          </a:p>
+          <a:p>
+            <a:pPr marL="114300" lvl="0" indent="0" algn="l" rtl="0">
+              <a:lnSpc>
+                <a:spcPct val="115000"/>
+              </a:lnSpc>
+              <a:spcBef>
+                <a:spcPts val="0"/>
+              </a:spcBef>
+              <a:spcAft>
+                <a:spcPts val="0"/>
+              </a:spcAft>
+              <a:buSzPts val="1800"/>
               <a:buNone/>
             </a:pPr>
             <a:r>
-              <a:rPr lang="en-IN" sz="1100" dirty="0">
-                <a:latin typeface="Times New Roman" panose="02020603050405020304" pitchFamily="18" charset="0"/>
-                <a:cs typeface="Times New Roman" panose="02020603050405020304" pitchFamily="18" charset="0"/>
+              <a:rPr lang="en" sz="1100">
+                <a:latin typeface="Times New Roman"/>
+                <a:ea typeface="Times New Roman"/>
+                <a:cs typeface="Times New Roman"/>
+                <a:sym typeface="Times New Roman"/>
               </a:rPr>
               <a:t>The </a:t>
             </a:r>
             <a:r>
-              <a:rPr lang="en-IN" sz="1100" dirty="0">
-                <a:latin typeface="Times New Roman" panose="02020603050405020304" pitchFamily="18" charset="0"/>
-                <a:cs typeface="Times New Roman" panose="02020603050405020304" pitchFamily="18" charset="0"/>
+              <a:rPr lang="en" sz="1100" u="sng">
+                <a:solidFill>
+                  <a:schemeClr val="hlink"/>
+                </a:solidFill>
+                <a:latin typeface="Times New Roman"/>
+                <a:ea typeface="Times New Roman"/>
+                <a:cs typeface="Times New Roman"/>
+                <a:sym typeface="Times New Roman"/>
                 <a:hlinkClick r:id="rId7"/>
               </a:rPr>
               <a:t>travelling purchaser problem</a:t>
             </a:r>
             <a:r>
-              <a:rPr lang="en-IN" sz="1100" dirty="0">
-                <a:latin typeface="Times New Roman" panose="02020603050405020304" pitchFamily="18" charset="0"/>
-                <a:cs typeface="Times New Roman" panose="02020603050405020304" pitchFamily="18" charset="0"/>
+              <a:rPr lang="en" sz="1100">
+                <a:latin typeface="Times New Roman"/>
+                <a:ea typeface="Times New Roman"/>
+                <a:cs typeface="Times New Roman"/>
+                <a:sym typeface="Times New Roman"/>
               </a:rPr>
               <a:t> and the </a:t>
             </a:r>
             <a:r>
-              <a:rPr lang="en-IN" sz="1100" dirty="0">
-                <a:latin typeface="Times New Roman" panose="02020603050405020304" pitchFamily="18" charset="0"/>
-                <a:cs typeface="Times New Roman" panose="02020603050405020304" pitchFamily="18" charset="0"/>
+              <a:rPr lang="en" sz="1100" u="sng">
+                <a:solidFill>
+                  <a:schemeClr val="hlink"/>
+                </a:solidFill>
+                <a:latin typeface="Times New Roman"/>
+                <a:ea typeface="Times New Roman"/>
+                <a:cs typeface="Times New Roman"/>
+                <a:sym typeface="Times New Roman"/>
                 <a:hlinkClick r:id="rId8"/>
               </a:rPr>
               <a:t>vehicle routing problem</a:t>
             </a:r>
             <a:r>
-              <a:rPr lang="en-IN" sz="1100" dirty="0">
-                <a:latin typeface="Times New Roman" panose="02020603050405020304" pitchFamily="18" charset="0"/>
-                <a:cs typeface="Times New Roman" panose="02020603050405020304" pitchFamily="18" charset="0"/>
+              <a:rPr lang="en" sz="1100">
+                <a:latin typeface="Times New Roman"/>
+                <a:ea typeface="Times New Roman"/>
+                <a:cs typeface="Times New Roman"/>
+                <a:sym typeface="Times New Roman"/>
               </a:rPr>
               <a:t> are both generalizations of TSP.</a:t>
             </a:r>
-          </a:p>
-          <a:p>
-            <a:pPr marL="114300" indent="0">
+            <a:endParaRPr/>
+          </a:p>
+          <a:p>
+            <a:pPr marL="114300" lvl="0" indent="0" algn="l" rtl="0">
+              <a:lnSpc>
+                <a:spcPct val="115000"/>
+              </a:lnSpc>
+              <a:spcBef>
+                <a:spcPts val="0"/>
+              </a:spcBef>
+              <a:spcAft>
+                <a:spcPts val="0"/>
+              </a:spcAft>
+              <a:buSzPts val="1800"/>
               <a:buNone/>
             </a:pPr>
             <a:r>
-              <a:rPr lang="en-IN" sz="1100" dirty="0">
-                <a:latin typeface="Times New Roman" panose="02020603050405020304" pitchFamily="18" charset="0"/>
-                <a:cs typeface="Times New Roman" panose="02020603050405020304" pitchFamily="18" charset="0"/>
+              <a:rPr lang="en" sz="1100">
+                <a:latin typeface="Times New Roman"/>
+                <a:ea typeface="Times New Roman"/>
+                <a:cs typeface="Times New Roman"/>
+                <a:sym typeface="Times New Roman"/>
               </a:rPr>
               <a:t>In the </a:t>
             </a:r>
             <a:r>
-              <a:rPr lang="en-IN" sz="1100" dirty="0">
-                <a:latin typeface="Times New Roman" panose="02020603050405020304" pitchFamily="18" charset="0"/>
-                <a:cs typeface="Times New Roman" panose="02020603050405020304" pitchFamily="18" charset="0"/>
+              <a:rPr lang="en" sz="1100" u="sng">
+                <a:solidFill>
+                  <a:schemeClr val="hlink"/>
+                </a:solidFill>
+                <a:latin typeface="Times New Roman"/>
+                <a:ea typeface="Times New Roman"/>
+                <a:cs typeface="Times New Roman"/>
+                <a:sym typeface="Times New Roman"/>
                 <a:hlinkClick r:id="rId9"/>
               </a:rPr>
               <a:t>theory of computational complexity</a:t>
             </a:r>
             <a:r>
-              <a:rPr lang="en-IN" sz="1100" dirty="0">
-                <a:latin typeface="Times New Roman" panose="02020603050405020304" pitchFamily="18" charset="0"/>
-                <a:cs typeface="Times New Roman" panose="02020603050405020304" pitchFamily="18" charset="0"/>
+              <a:rPr lang="en" sz="1100">
+                <a:latin typeface="Times New Roman"/>
+                <a:ea typeface="Times New Roman"/>
+                <a:cs typeface="Times New Roman"/>
+                <a:sym typeface="Times New Roman"/>
               </a:rPr>
               <a:t>, the decision version of the TSP (where given a length </a:t>
             </a:r>
             <a:r>
-              <a:rPr lang="en-IN" sz="1100" i="1" dirty="0">
-                <a:latin typeface="Times New Roman" panose="02020603050405020304" pitchFamily="18" charset="0"/>
-                <a:cs typeface="Times New Roman" panose="02020603050405020304" pitchFamily="18" charset="0"/>
+              <a:rPr lang="en" sz="1100" i="1">
+                <a:latin typeface="Times New Roman"/>
+                <a:ea typeface="Times New Roman"/>
+                <a:cs typeface="Times New Roman"/>
+                <a:sym typeface="Times New Roman"/>
               </a:rPr>
               <a:t>L</a:t>
             </a:r>
             <a:r>
-              <a:rPr lang="en-IN" sz="1100" dirty="0">
-                <a:latin typeface="Times New Roman" panose="02020603050405020304" pitchFamily="18" charset="0"/>
-                <a:cs typeface="Times New Roman" panose="02020603050405020304" pitchFamily="18" charset="0"/>
+              <a:rPr lang="en" sz="1100">
+                <a:latin typeface="Times New Roman"/>
+                <a:ea typeface="Times New Roman"/>
+                <a:cs typeface="Times New Roman"/>
+                <a:sym typeface="Times New Roman"/>
               </a:rPr>
               <a:t>, the task is to decide whether the graph has a tour of at most </a:t>
             </a:r>
             <a:r>
-              <a:rPr lang="en-IN" sz="1100" i="1" dirty="0">
-                <a:latin typeface="Times New Roman" panose="02020603050405020304" pitchFamily="18" charset="0"/>
-                <a:cs typeface="Times New Roman" panose="02020603050405020304" pitchFamily="18" charset="0"/>
+              <a:rPr lang="en" sz="1100" i="1">
+                <a:latin typeface="Times New Roman"/>
+                <a:ea typeface="Times New Roman"/>
+                <a:cs typeface="Times New Roman"/>
+                <a:sym typeface="Times New Roman"/>
               </a:rPr>
               <a:t>L</a:t>
             </a:r>
             <a:r>
-              <a:rPr lang="en-IN" sz="1100" dirty="0">
-                <a:latin typeface="Times New Roman" panose="02020603050405020304" pitchFamily="18" charset="0"/>
-                <a:cs typeface="Times New Roman" panose="02020603050405020304" pitchFamily="18" charset="0"/>
+              <a:rPr lang="en" sz="1100">
+                <a:latin typeface="Times New Roman"/>
+                <a:ea typeface="Times New Roman"/>
+                <a:cs typeface="Times New Roman"/>
+                <a:sym typeface="Times New Roman"/>
               </a:rPr>
               <a:t>) belongs to the class of </a:t>
             </a:r>
             <a:r>
-              <a:rPr lang="en-IN" sz="1100" dirty="0">
-                <a:latin typeface="Times New Roman" panose="02020603050405020304" pitchFamily="18" charset="0"/>
-                <a:cs typeface="Times New Roman" panose="02020603050405020304" pitchFamily="18" charset="0"/>
+              <a:rPr lang="en" sz="1100" u="sng">
+                <a:solidFill>
+                  <a:schemeClr val="hlink"/>
+                </a:solidFill>
+                <a:latin typeface="Times New Roman"/>
+                <a:ea typeface="Times New Roman"/>
+                <a:cs typeface="Times New Roman"/>
+                <a:sym typeface="Times New Roman"/>
                 <a:hlinkClick r:id="rId10"/>
               </a:rPr>
               <a:t>NP-complete</a:t>
             </a:r>
             <a:r>
-              <a:rPr lang="en-IN" sz="1100" dirty="0">
-                <a:latin typeface="Times New Roman" panose="02020603050405020304" pitchFamily="18" charset="0"/>
-                <a:cs typeface="Times New Roman" panose="02020603050405020304" pitchFamily="18" charset="0"/>
+              <a:rPr lang="en" sz="1100">
+                <a:latin typeface="Times New Roman"/>
+                <a:ea typeface="Times New Roman"/>
+                <a:cs typeface="Times New Roman"/>
+                <a:sym typeface="Times New Roman"/>
               </a:rPr>
               <a:t> problems. Thus, it is possible that the </a:t>
             </a:r>
             <a:r>
-              <a:rPr lang="en-IN" sz="1100" dirty="0">
-                <a:latin typeface="Times New Roman" panose="02020603050405020304" pitchFamily="18" charset="0"/>
-                <a:cs typeface="Times New Roman" panose="02020603050405020304" pitchFamily="18" charset="0"/>
+              <a:rPr lang="en" sz="1100" u="sng">
+                <a:solidFill>
+                  <a:schemeClr val="hlink"/>
+                </a:solidFill>
+                <a:latin typeface="Times New Roman"/>
+                <a:ea typeface="Times New Roman"/>
+                <a:cs typeface="Times New Roman"/>
+                <a:sym typeface="Times New Roman"/>
                 <a:hlinkClick r:id="rId11"/>
               </a:rPr>
               <a:t>worst-case</a:t>
             </a:r>
             <a:r>
-              <a:rPr lang="en-IN" sz="1100" dirty="0">
-                <a:latin typeface="Times New Roman" panose="02020603050405020304" pitchFamily="18" charset="0"/>
-                <a:cs typeface="Times New Roman" panose="02020603050405020304" pitchFamily="18" charset="0"/>
+              <a:rPr lang="en" sz="1100">
+                <a:latin typeface="Times New Roman"/>
+                <a:ea typeface="Times New Roman"/>
+                <a:cs typeface="Times New Roman"/>
+                <a:sym typeface="Times New Roman"/>
               </a:rPr>
               <a:t> </a:t>
             </a:r>
             <a:r>
-              <a:rPr lang="en-IN" sz="1100" dirty="0">
-                <a:latin typeface="Times New Roman" panose="02020603050405020304" pitchFamily="18" charset="0"/>
-                <a:cs typeface="Times New Roman" panose="02020603050405020304" pitchFamily="18" charset="0"/>
+              <a:rPr lang="en" sz="1100" u="sng">
+                <a:solidFill>
+                  <a:schemeClr val="hlink"/>
+                </a:solidFill>
+                <a:latin typeface="Times New Roman"/>
+                <a:ea typeface="Times New Roman"/>
+                <a:cs typeface="Times New Roman"/>
+                <a:sym typeface="Times New Roman"/>
                 <a:hlinkClick r:id="rId12"/>
               </a:rPr>
               <a:t>running time</a:t>
             </a:r>
             <a:r>
-              <a:rPr lang="en-IN" sz="1100" dirty="0">
-                <a:latin typeface="Times New Roman" panose="02020603050405020304" pitchFamily="18" charset="0"/>
-                <a:cs typeface="Times New Roman" panose="02020603050405020304" pitchFamily="18" charset="0"/>
+              <a:rPr lang="en" sz="1100">
+                <a:latin typeface="Times New Roman"/>
+                <a:ea typeface="Times New Roman"/>
+                <a:cs typeface="Times New Roman"/>
+                <a:sym typeface="Times New Roman"/>
               </a:rPr>
               <a:t> for any algorithm for the TSP increases superpolynomially (but no more than </a:t>
             </a:r>
             <a:r>
-              <a:rPr lang="en-IN" sz="1100" dirty="0">
-                <a:latin typeface="Times New Roman" panose="02020603050405020304" pitchFamily="18" charset="0"/>
-                <a:cs typeface="Times New Roman" panose="02020603050405020304" pitchFamily="18" charset="0"/>
+              <a:rPr lang="en" sz="1100" u="sng">
+                <a:solidFill>
+                  <a:schemeClr val="hlink"/>
+                </a:solidFill>
+                <a:latin typeface="Times New Roman"/>
+                <a:ea typeface="Times New Roman"/>
+                <a:cs typeface="Times New Roman"/>
+                <a:sym typeface="Times New Roman"/>
                 <a:hlinkClick r:id="rId13"/>
               </a:rPr>
               <a:t>exponentially</a:t>
             </a:r>
             <a:r>
-              <a:rPr lang="en-IN" sz="1100" dirty="0">
-                <a:latin typeface="Times New Roman" panose="02020603050405020304" pitchFamily="18" charset="0"/>
-                <a:cs typeface="Times New Roman" panose="02020603050405020304" pitchFamily="18" charset="0"/>
+              <a:rPr lang="en" sz="1100">
+                <a:latin typeface="Times New Roman"/>
+                <a:ea typeface="Times New Roman"/>
+                <a:cs typeface="Times New Roman"/>
+                <a:sym typeface="Times New Roman"/>
               </a:rPr>
               <a:t>) with the number of cities.</a:t>
             </a:r>
-          </a:p>
-          <a:p>
-            <a:pPr marL="114300" indent="0">
+            <a:endParaRPr/>
+          </a:p>
+          <a:p>
+            <a:pPr marL="114300" lvl="0" indent="0" algn="l" rtl="0">
+              <a:lnSpc>
+                <a:spcPct val="115000"/>
+              </a:lnSpc>
+              <a:spcBef>
+                <a:spcPts val="0"/>
+              </a:spcBef>
+              <a:spcAft>
+                <a:spcPts val="0"/>
+              </a:spcAft>
+              <a:buSzPts val="1800"/>
               <a:buNone/>
             </a:pPr>
             <a:r>
-              <a:rPr lang="en-IN" sz="1100" dirty="0">
-                <a:latin typeface="Times New Roman" panose="02020603050405020304" pitchFamily="18" charset="0"/>
-                <a:cs typeface="Times New Roman" panose="02020603050405020304" pitchFamily="18" charset="0"/>
+              <a:rPr lang="en" sz="1100">
+                <a:latin typeface="Times New Roman"/>
+                <a:ea typeface="Times New Roman"/>
+                <a:cs typeface="Times New Roman"/>
+                <a:sym typeface="Times New Roman"/>
               </a:rPr>
               <a:t>The problem was first formulated in 1930 and is one of the most intensively studied problems in optimization. It is used as a </a:t>
             </a:r>
             <a:r>
-              <a:rPr lang="en-IN" sz="1100" dirty="0">
-                <a:latin typeface="Times New Roman" panose="02020603050405020304" pitchFamily="18" charset="0"/>
-                <a:cs typeface="Times New Roman" panose="02020603050405020304" pitchFamily="18" charset="0"/>
+              <a:rPr lang="en" sz="1100" u="sng">
+                <a:solidFill>
+                  <a:schemeClr val="hlink"/>
+                </a:solidFill>
+                <a:latin typeface="Times New Roman"/>
+                <a:ea typeface="Times New Roman"/>
+                <a:cs typeface="Times New Roman"/>
+                <a:sym typeface="Times New Roman"/>
                 <a:hlinkClick r:id="rId14"/>
               </a:rPr>
               <a:t>benchmark</a:t>
             </a:r>
             <a:r>
-              <a:rPr lang="en-IN" sz="1100" dirty="0">
-                <a:latin typeface="Times New Roman" panose="02020603050405020304" pitchFamily="18" charset="0"/>
-                <a:cs typeface="Times New Roman" panose="02020603050405020304" pitchFamily="18" charset="0"/>
+              <a:rPr lang="en" sz="1100">
+                <a:latin typeface="Times New Roman"/>
+                <a:ea typeface="Times New Roman"/>
+                <a:cs typeface="Times New Roman"/>
+                <a:sym typeface="Times New Roman"/>
               </a:rPr>
               <a:t> for many optimization methods. Even though the problem is computationally difficult, many </a:t>
             </a:r>
             <a:r>
-              <a:rPr lang="en-IN" sz="1100" dirty="0">
-                <a:latin typeface="Times New Roman" panose="02020603050405020304" pitchFamily="18" charset="0"/>
-                <a:cs typeface="Times New Roman" panose="02020603050405020304" pitchFamily="18" charset="0"/>
+              <a:rPr lang="en" sz="1100" u="sng">
+                <a:solidFill>
+                  <a:schemeClr val="hlink"/>
+                </a:solidFill>
+                <a:latin typeface="Times New Roman"/>
+                <a:ea typeface="Times New Roman"/>
+                <a:cs typeface="Times New Roman"/>
+                <a:sym typeface="Times New Roman"/>
                 <a:hlinkClick r:id="rId15"/>
               </a:rPr>
               <a:t>heuristics</a:t>
             </a:r>
             <a:r>
-              <a:rPr lang="en-IN" sz="1100" dirty="0">
-                <a:latin typeface="Times New Roman" panose="02020603050405020304" pitchFamily="18" charset="0"/>
-                <a:cs typeface="Times New Roman" panose="02020603050405020304" pitchFamily="18" charset="0"/>
+              <a:rPr lang="en" sz="1100">
+                <a:latin typeface="Times New Roman"/>
+                <a:ea typeface="Times New Roman"/>
+                <a:cs typeface="Times New Roman"/>
+                <a:sym typeface="Times New Roman"/>
               </a:rPr>
               <a:t> and </a:t>
             </a:r>
             <a:r>
-              <a:rPr lang="en-IN" sz="1100" dirty="0">
-                <a:latin typeface="Times New Roman" panose="02020603050405020304" pitchFamily="18" charset="0"/>
-                <a:cs typeface="Times New Roman" panose="02020603050405020304" pitchFamily="18" charset="0"/>
+              <a:rPr lang="en" sz="1100" u="sng">
+                <a:solidFill>
+                  <a:schemeClr val="hlink"/>
+                </a:solidFill>
+                <a:latin typeface="Times New Roman"/>
+                <a:ea typeface="Times New Roman"/>
+                <a:cs typeface="Times New Roman"/>
+                <a:sym typeface="Times New Roman"/>
                 <a:hlinkClick r:id="rId16"/>
               </a:rPr>
               <a:t>exact algorithms</a:t>
             </a:r>
             <a:r>
-              <a:rPr lang="en-IN" sz="1100" dirty="0">
-                <a:latin typeface="Times New Roman" panose="02020603050405020304" pitchFamily="18" charset="0"/>
-                <a:cs typeface="Times New Roman" panose="02020603050405020304" pitchFamily="18" charset="0"/>
+              <a:rPr lang="en" sz="1100">
+                <a:latin typeface="Times New Roman"/>
+                <a:ea typeface="Times New Roman"/>
+                <a:cs typeface="Times New Roman"/>
+                <a:sym typeface="Times New Roman"/>
               </a:rPr>
               <a:t> are known, so that some instances with tens of thousands of cities can be solved completely and even problems with millions of cities can be approximated within a small fraction of 1%.</a:t>
             </a:r>
-          </a:p>
-          <a:p>
-            <a:pPr marL="114300" indent="0">
+            <a:endParaRPr/>
+          </a:p>
+          <a:p>
+            <a:pPr marL="114300" lvl="0" indent="0" algn="l" rtl="0">
+              <a:lnSpc>
+                <a:spcPct val="115000"/>
+              </a:lnSpc>
+              <a:spcBef>
+                <a:spcPts val="0"/>
+              </a:spcBef>
+              <a:spcAft>
+                <a:spcPts val="0"/>
+              </a:spcAft>
+              <a:buSzPts val="1800"/>
               <a:buNone/>
             </a:pPr>
             <a:r>
-              <a:rPr lang="en-IN" sz="1100" dirty="0">
-                <a:latin typeface="Times New Roman" panose="02020603050405020304" pitchFamily="18" charset="0"/>
-                <a:cs typeface="Times New Roman" panose="02020603050405020304" pitchFamily="18" charset="0"/>
+              <a:rPr lang="en" sz="1100">
+                <a:latin typeface="Times New Roman"/>
+                <a:ea typeface="Times New Roman"/>
+                <a:cs typeface="Times New Roman"/>
+                <a:sym typeface="Times New Roman"/>
               </a:rPr>
               <a:t>We’ll be using this algorithm to find the most optimised path for the transport vehicle which would include the cycle from the pickup to the final delivery of the product. This will be our main crux of the application as it will reduce the transportation cost to a great extent.</a:t>
             </a:r>
+            <a:endParaRPr/>
           </a:p>
           <a:p>
             <a:pPr marL="0" lvl="0" indent="0" algn="l" rtl="0">
@@ -15696,20 +16218,22 @@
               <a:buSzPts val="1800"/>
               <a:buNone/>
             </a:pPr>
-            <a:endParaRPr dirty="0"/>
+            <a:endParaRPr/>
           </a:p>
         </p:txBody>
       </p:sp>
     </p:spTree>
-    <p:extLst>
-      <p:ext uri="{BB962C8B-B14F-4D97-AF65-F5344CB8AC3E}">
-        <p14:creationId xmlns:p14="http://schemas.microsoft.com/office/powerpoint/2010/main" val="2267543229"/>
-      </p:ext>
-    </p:extLst>
   </p:cSld>
   <p:clrMapOvr>
     <a:masterClrMapping/>
   </p:clrMapOvr>
+  <p:timing>
+    <p:tnLst>
+      <p:par>
+        <p:cTn id="1" dur="indefinite" restart="never" nodeType="tmRoot"/>
+      </p:par>
+    </p:tnLst>
+  </p:timing>
 </p:sld>
 </file>
 
@@ -15718,7 +16242,7 @@
   <p:cSld>
     <p:spTree>
       <p:nvGrpSpPr>
-        <p:cNvPr id="1" name="Shape 107"/>
+        <p:cNvPr id="1" name="Shape 178"/>
         <p:cNvGrpSpPr/>
         <p:nvPr/>
       </p:nvGrpSpPr>
@@ -15732,7 +16256,7 @@
       </p:grpSpPr>
       <p:sp>
         <p:nvSpPr>
-          <p:cNvPr id="108" name="Google Shape;108;p7"/>
+          <p:cNvPr id="179" name="Google Shape;179;p36"/>
           <p:cNvSpPr txBox="1">
             <a:spLocks noGrp="1"/>
           </p:cNvSpPr>
@@ -15773,20 +16297,16 @@
               <a:buNone/>
             </a:pPr>
             <a:r>
-              <a:rPr lang="en" dirty="0"/>
-              <a:t>6</a:t>
-            </a:r>
-            <a:r>
-              <a:rPr lang="en" dirty="0" smtClean="0"/>
-              <a:t> – Algorithms and Techniques used</a:t>
-            </a:r>
-            <a:endParaRPr dirty="0"/>
+              <a:rPr lang="en"/>
+              <a:t>6 – Algorithms and Techniques used</a:t>
+            </a:r>
+            <a:endParaRPr/>
           </a:p>
         </p:txBody>
       </p:sp>
       <p:sp>
         <p:nvSpPr>
-          <p:cNvPr id="109" name="Google Shape;109;p7"/>
+          <p:cNvPr id="180" name="Google Shape;180;p36"/>
           <p:cNvSpPr txBox="1">
             <a:spLocks noGrp="1"/>
           </p:cNvSpPr>
@@ -15813,293 +16333,423 @@
           </a:bodyPr>
           <a:lstStyle/>
           <a:p>
-            <a:pPr marL="1054100" lvl="2" indent="0">
+            <a:pPr marL="1054100" lvl="2" indent="0" algn="l" rtl="0">
+              <a:lnSpc>
+                <a:spcPct val="115000"/>
+              </a:lnSpc>
+              <a:spcBef>
+                <a:spcPts val="1600"/>
+              </a:spcBef>
+              <a:spcAft>
+                <a:spcPts val="0"/>
+              </a:spcAft>
+              <a:buSzPts val="1400"/>
               <a:buNone/>
             </a:pPr>
             <a:r>
-              <a:rPr lang="en-US" sz="1600" b="1" u="sng" dirty="0">
-                <a:latin typeface="Times New Roman" panose="02020603050405020304" pitchFamily="18" charset="0"/>
-                <a:cs typeface="Times New Roman" panose="02020603050405020304" pitchFamily="18" charset="0"/>
+              <a:rPr lang="en" sz="1600" b="1" u="sng">
+                <a:latin typeface="Times New Roman"/>
+                <a:ea typeface="Times New Roman"/>
+                <a:cs typeface="Times New Roman"/>
+                <a:sym typeface="Times New Roman"/>
               </a:rPr>
               <a:t>HTTP Protocol</a:t>
             </a:r>
-            <a:endParaRPr lang="en-IN" b="1" dirty="0">
-              <a:latin typeface="Times New Roman" panose="02020603050405020304" pitchFamily="18" charset="0"/>
-              <a:cs typeface="Times New Roman" panose="02020603050405020304" pitchFamily="18" charset="0"/>
+            <a:endParaRPr b="1">
+              <a:latin typeface="Times New Roman"/>
+              <a:ea typeface="Times New Roman"/>
+              <a:cs typeface="Times New Roman"/>
+              <a:sym typeface="Times New Roman"/>
             </a:endParaRPr>
           </a:p>
           <a:p>
-            <a:pPr marL="114300" indent="0">
+            <a:pPr marL="114300" lvl="0" indent="0" algn="l" rtl="0">
+              <a:lnSpc>
+                <a:spcPct val="115000"/>
+              </a:lnSpc>
+              <a:spcBef>
+                <a:spcPts val="0"/>
+              </a:spcBef>
+              <a:spcAft>
+                <a:spcPts val="0"/>
+              </a:spcAft>
+              <a:buSzPts val="1800"/>
               <a:buNone/>
             </a:pPr>
             <a:r>
-              <a:rPr lang="en-IN" sz="1400" dirty="0">
-                <a:latin typeface="Times New Roman" panose="02020603050405020304" pitchFamily="18" charset="0"/>
-                <a:cs typeface="Times New Roman" panose="02020603050405020304" pitchFamily="18" charset="0"/>
+              <a:rPr lang="en" sz="1400">
+                <a:latin typeface="Times New Roman"/>
+                <a:ea typeface="Times New Roman"/>
+                <a:cs typeface="Times New Roman"/>
+                <a:sym typeface="Times New Roman"/>
               </a:rPr>
               <a:t>HTTP functions as a </a:t>
             </a:r>
             <a:r>
-              <a:rPr lang="en-IN" sz="1400" dirty="0">
-                <a:latin typeface="Times New Roman" panose="02020603050405020304" pitchFamily="18" charset="0"/>
-                <a:cs typeface="Times New Roman" panose="02020603050405020304" pitchFamily="18" charset="0"/>
+              <a:rPr lang="en" sz="1400" u="sng">
+                <a:solidFill>
+                  <a:schemeClr val="hlink"/>
+                </a:solidFill>
+                <a:latin typeface="Times New Roman"/>
+                <a:ea typeface="Times New Roman"/>
+                <a:cs typeface="Times New Roman"/>
+                <a:sym typeface="Times New Roman"/>
                 <a:hlinkClick r:id="rId3"/>
               </a:rPr>
               <a:t>request–response</a:t>
             </a:r>
             <a:r>
-              <a:rPr lang="en-IN" sz="1400" dirty="0">
-                <a:latin typeface="Times New Roman" panose="02020603050405020304" pitchFamily="18" charset="0"/>
-                <a:cs typeface="Times New Roman" panose="02020603050405020304" pitchFamily="18" charset="0"/>
+              <a:rPr lang="en" sz="1400">
+                <a:latin typeface="Times New Roman"/>
+                <a:ea typeface="Times New Roman"/>
+                <a:cs typeface="Times New Roman"/>
+                <a:sym typeface="Times New Roman"/>
               </a:rPr>
               <a:t> protocol in the client–server computing model. A </a:t>
             </a:r>
             <a:r>
-              <a:rPr lang="en-IN" sz="1400" dirty="0">
-                <a:latin typeface="Times New Roman" panose="02020603050405020304" pitchFamily="18" charset="0"/>
-                <a:cs typeface="Times New Roman" panose="02020603050405020304" pitchFamily="18" charset="0"/>
+              <a:rPr lang="en" sz="1400" u="sng">
+                <a:solidFill>
+                  <a:schemeClr val="hlink"/>
+                </a:solidFill>
+                <a:latin typeface="Times New Roman"/>
+                <a:ea typeface="Times New Roman"/>
+                <a:cs typeface="Times New Roman"/>
+                <a:sym typeface="Times New Roman"/>
                 <a:hlinkClick r:id="rId4"/>
               </a:rPr>
               <a:t>web browser</a:t>
             </a:r>
             <a:r>
-              <a:rPr lang="en-IN" sz="1400" dirty="0">
-                <a:latin typeface="Times New Roman" panose="02020603050405020304" pitchFamily="18" charset="0"/>
-                <a:cs typeface="Times New Roman" panose="02020603050405020304" pitchFamily="18" charset="0"/>
+              <a:rPr lang="en" sz="1400">
+                <a:latin typeface="Times New Roman"/>
+                <a:ea typeface="Times New Roman"/>
+                <a:cs typeface="Times New Roman"/>
+                <a:sym typeface="Times New Roman"/>
               </a:rPr>
               <a:t>, for example, may be the </a:t>
             </a:r>
             <a:r>
-              <a:rPr lang="en-IN" sz="1400" i="1" dirty="0">
-                <a:latin typeface="Times New Roman" panose="02020603050405020304" pitchFamily="18" charset="0"/>
-                <a:cs typeface="Times New Roman" panose="02020603050405020304" pitchFamily="18" charset="0"/>
+              <a:rPr lang="en" sz="1400" i="1">
+                <a:latin typeface="Times New Roman"/>
+                <a:ea typeface="Times New Roman"/>
+                <a:cs typeface="Times New Roman"/>
+                <a:sym typeface="Times New Roman"/>
               </a:rPr>
               <a:t>client</a:t>
             </a:r>
             <a:r>
-              <a:rPr lang="en-IN" sz="1400" dirty="0">
-                <a:latin typeface="Times New Roman" panose="02020603050405020304" pitchFamily="18" charset="0"/>
-                <a:cs typeface="Times New Roman" panose="02020603050405020304" pitchFamily="18" charset="0"/>
+              <a:rPr lang="en" sz="1400">
+                <a:latin typeface="Times New Roman"/>
+                <a:ea typeface="Times New Roman"/>
+                <a:cs typeface="Times New Roman"/>
+                <a:sym typeface="Times New Roman"/>
               </a:rPr>
               <a:t> and an application running on a computer </a:t>
             </a:r>
             <a:r>
-              <a:rPr lang="en-IN" sz="1400" dirty="0">
-                <a:latin typeface="Times New Roman" panose="02020603050405020304" pitchFamily="18" charset="0"/>
-                <a:cs typeface="Times New Roman" panose="02020603050405020304" pitchFamily="18" charset="0"/>
+              <a:rPr lang="en" sz="1400" u="sng">
+                <a:solidFill>
+                  <a:schemeClr val="hlink"/>
+                </a:solidFill>
+                <a:latin typeface="Times New Roman"/>
+                <a:ea typeface="Times New Roman"/>
+                <a:cs typeface="Times New Roman"/>
+                <a:sym typeface="Times New Roman"/>
                 <a:hlinkClick r:id="rId5"/>
               </a:rPr>
               <a:t>hosting</a:t>
             </a:r>
             <a:r>
-              <a:rPr lang="en-IN" sz="1400" dirty="0">
-                <a:latin typeface="Times New Roman" panose="02020603050405020304" pitchFamily="18" charset="0"/>
-                <a:cs typeface="Times New Roman" panose="02020603050405020304" pitchFamily="18" charset="0"/>
+              <a:rPr lang="en" sz="1400">
+                <a:latin typeface="Times New Roman"/>
+                <a:ea typeface="Times New Roman"/>
+                <a:cs typeface="Times New Roman"/>
+                <a:sym typeface="Times New Roman"/>
               </a:rPr>
               <a:t> a </a:t>
             </a:r>
             <a:r>
-              <a:rPr lang="en-IN" sz="1400" dirty="0">
-                <a:latin typeface="Times New Roman" panose="02020603050405020304" pitchFamily="18" charset="0"/>
-                <a:cs typeface="Times New Roman" panose="02020603050405020304" pitchFamily="18" charset="0"/>
+              <a:rPr lang="en" sz="1400" u="sng">
+                <a:solidFill>
+                  <a:schemeClr val="hlink"/>
+                </a:solidFill>
+                <a:latin typeface="Times New Roman"/>
+                <a:ea typeface="Times New Roman"/>
+                <a:cs typeface="Times New Roman"/>
+                <a:sym typeface="Times New Roman"/>
                 <a:hlinkClick r:id="rId6"/>
               </a:rPr>
               <a:t>website</a:t>
             </a:r>
             <a:r>
-              <a:rPr lang="en-IN" sz="1400" dirty="0">
-                <a:latin typeface="Times New Roman" panose="02020603050405020304" pitchFamily="18" charset="0"/>
-                <a:cs typeface="Times New Roman" panose="02020603050405020304" pitchFamily="18" charset="0"/>
+              <a:rPr lang="en" sz="1400">
+                <a:latin typeface="Times New Roman"/>
+                <a:ea typeface="Times New Roman"/>
+                <a:cs typeface="Times New Roman"/>
+                <a:sym typeface="Times New Roman"/>
               </a:rPr>
               <a:t> may be the </a:t>
             </a:r>
             <a:r>
-              <a:rPr lang="en-IN" sz="1400" i="1" dirty="0">
-                <a:latin typeface="Times New Roman" panose="02020603050405020304" pitchFamily="18" charset="0"/>
-                <a:cs typeface="Times New Roman" panose="02020603050405020304" pitchFamily="18" charset="0"/>
+              <a:rPr lang="en" sz="1400" i="1">
+                <a:latin typeface="Times New Roman"/>
+                <a:ea typeface="Times New Roman"/>
+                <a:cs typeface="Times New Roman"/>
+                <a:sym typeface="Times New Roman"/>
               </a:rPr>
               <a:t>server</a:t>
             </a:r>
             <a:r>
-              <a:rPr lang="en-IN" sz="1400" dirty="0">
-                <a:latin typeface="Times New Roman" panose="02020603050405020304" pitchFamily="18" charset="0"/>
-                <a:cs typeface="Times New Roman" panose="02020603050405020304" pitchFamily="18" charset="0"/>
+              <a:rPr lang="en" sz="1400">
+                <a:latin typeface="Times New Roman"/>
+                <a:ea typeface="Times New Roman"/>
+                <a:cs typeface="Times New Roman"/>
+                <a:sym typeface="Times New Roman"/>
               </a:rPr>
               <a:t>. The client submits an HTTP </a:t>
             </a:r>
             <a:r>
-              <a:rPr lang="en-IN" sz="1400" i="1" dirty="0">
-                <a:latin typeface="Times New Roman" panose="02020603050405020304" pitchFamily="18" charset="0"/>
-                <a:cs typeface="Times New Roman" panose="02020603050405020304" pitchFamily="18" charset="0"/>
+              <a:rPr lang="en" sz="1400" i="1">
+                <a:latin typeface="Times New Roman"/>
+                <a:ea typeface="Times New Roman"/>
+                <a:cs typeface="Times New Roman"/>
+                <a:sym typeface="Times New Roman"/>
               </a:rPr>
               <a:t>request</a:t>
             </a:r>
             <a:r>
-              <a:rPr lang="en-IN" sz="1400" dirty="0">
-                <a:latin typeface="Times New Roman" panose="02020603050405020304" pitchFamily="18" charset="0"/>
-                <a:cs typeface="Times New Roman" panose="02020603050405020304" pitchFamily="18" charset="0"/>
+              <a:rPr lang="en" sz="1400">
+                <a:latin typeface="Times New Roman"/>
+                <a:ea typeface="Times New Roman"/>
+                <a:cs typeface="Times New Roman"/>
+                <a:sym typeface="Times New Roman"/>
               </a:rPr>
-              <a:t> message to the server. The server</a:t>
-            </a:r>
-            <a:r>
-              <a:rPr lang="en-IN" sz="1400" dirty="0" smtClean="0">
-                <a:latin typeface="Times New Roman" panose="02020603050405020304" pitchFamily="18" charset="0"/>
-                <a:cs typeface="Times New Roman" panose="02020603050405020304" pitchFamily="18" charset="0"/>
-              </a:rPr>
-              <a:t>, which </a:t>
-            </a:r>
-            <a:r>
-              <a:rPr lang="en-IN" sz="1400" dirty="0">
-                <a:latin typeface="Times New Roman" panose="02020603050405020304" pitchFamily="18" charset="0"/>
-                <a:cs typeface="Times New Roman" panose="02020603050405020304" pitchFamily="18" charset="0"/>
-              </a:rPr>
-              <a:t>provides </a:t>
-            </a:r>
-            <a:r>
-              <a:rPr lang="en-IN" sz="1400" i="1" dirty="0">
-                <a:latin typeface="Times New Roman" panose="02020603050405020304" pitchFamily="18" charset="0"/>
-                <a:cs typeface="Times New Roman" panose="02020603050405020304" pitchFamily="18" charset="0"/>
+              <a:t> message to the server. The server, which provides </a:t>
+            </a:r>
+            <a:r>
+              <a:rPr lang="en" sz="1400" i="1">
+                <a:latin typeface="Times New Roman"/>
+                <a:ea typeface="Times New Roman"/>
+                <a:cs typeface="Times New Roman"/>
+                <a:sym typeface="Times New Roman"/>
               </a:rPr>
               <a:t>resources</a:t>
             </a:r>
             <a:r>
-              <a:rPr lang="en-IN" sz="1400" dirty="0">
-                <a:latin typeface="Times New Roman" panose="02020603050405020304" pitchFamily="18" charset="0"/>
-                <a:cs typeface="Times New Roman" panose="02020603050405020304" pitchFamily="18" charset="0"/>
+              <a:rPr lang="en" sz="1400">
+                <a:latin typeface="Times New Roman"/>
+                <a:ea typeface="Times New Roman"/>
+                <a:cs typeface="Times New Roman"/>
+                <a:sym typeface="Times New Roman"/>
               </a:rPr>
               <a:t> such as </a:t>
             </a:r>
             <a:r>
-              <a:rPr lang="en-IN" sz="1400" dirty="0">
-                <a:latin typeface="Times New Roman" panose="02020603050405020304" pitchFamily="18" charset="0"/>
-                <a:cs typeface="Times New Roman" panose="02020603050405020304" pitchFamily="18" charset="0"/>
+              <a:rPr lang="en" sz="1400" u="sng">
+                <a:solidFill>
+                  <a:schemeClr val="hlink"/>
+                </a:solidFill>
+                <a:latin typeface="Times New Roman"/>
+                <a:ea typeface="Times New Roman"/>
+                <a:cs typeface="Times New Roman"/>
+                <a:sym typeface="Times New Roman"/>
                 <a:hlinkClick r:id="rId7"/>
               </a:rPr>
               <a:t>HTML</a:t>
             </a:r>
             <a:r>
-              <a:rPr lang="en-IN" sz="1400" dirty="0">
-                <a:latin typeface="Times New Roman" panose="02020603050405020304" pitchFamily="18" charset="0"/>
-                <a:cs typeface="Times New Roman" panose="02020603050405020304" pitchFamily="18" charset="0"/>
+              <a:rPr lang="en" sz="1400">
+                <a:latin typeface="Times New Roman"/>
+                <a:ea typeface="Times New Roman"/>
+                <a:cs typeface="Times New Roman"/>
+                <a:sym typeface="Times New Roman"/>
               </a:rPr>
               <a:t> files and other content, or performs other functions on behalf of the client, returns a </a:t>
             </a:r>
             <a:r>
-              <a:rPr lang="en-IN" sz="1400" i="1" dirty="0">
-                <a:latin typeface="Times New Roman" panose="02020603050405020304" pitchFamily="18" charset="0"/>
-                <a:cs typeface="Times New Roman" panose="02020603050405020304" pitchFamily="18" charset="0"/>
+              <a:rPr lang="en" sz="1400" i="1">
+                <a:latin typeface="Times New Roman"/>
+                <a:ea typeface="Times New Roman"/>
+                <a:cs typeface="Times New Roman"/>
+                <a:sym typeface="Times New Roman"/>
               </a:rPr>
               <a:t>response</a:t>
             </a:r>
             <a:r>
-              <a:rPr lang="en-IN" sz="1400" dirty="0">
-                <a:latin typeface="Times New Roman" panose="02020603050405020304" pitchFamily="18" charset="0"/>
-                <a:cs typeface="Times New Roman" panose="02020603050405020304" pitchFamily="18" charset="0"/>
+              <a:rPr lang="en" sz="1400">
+                <a:latin typeface="Times New Roman"/>
+                <a:ea typeface="Times New Roman"/>
+                <a:cs typeface="Times New Roman"/>
+                <a:sym typeface="Times New Roman"/>
               </a:rPr>
               <a:t> message to the client. The response contains completion status information about the request and may also contain requested content in its message body.</a:t>
             </a:r>
-          </a:p>
-          <a:p>
-            <a:pPr marL="114300" indent="0">
+            <a:endParaRPr/>
+          </a:p>
+          <a:p>
+            <a:pPr marL="114300" lvl="0" indent="0" algn="l" rtl="0">
+              <a:lnSpc>
+                <a:spcPct val="115000"/>
+              </a:lnSpc>
+              <a:spcBef>
+                <a:spcPts val="0"/>
+              </a:spcBef>
+              <a:spcAft>
+                <a:spcPts val="0"/>
+              </a:spcAft>
+              <a:buSzPts val="1800"/>
               <a:buNone/>
             </a:pPr>
             <a:r>
-              <a:rPr lang="en-IN" sz="1400" dirty="0">
-                <a:latin typeface="Times New Roman" panose="02020603050405020304" pitchFamily="18" charset="0"/>
-                <a:cs typeface="Times New Roman" panose="02020603050405020304" pitchFamily="18" charset="0"/>
+              <a:rPr lang="en" sz="1400">
+                <a:latin typeface="Times New Roman"/>
+                <a:ea typeface="Times New Roman"/>
+                <a:cs typeface="Times New Roman"/>
+                <a:sym typeface="Times New Roman"/>
               </a:rPr>
               <a:t>A web browser is an example of a </a:t>
             </a:r>
             <a:r>
-              <a:rPr lang="en-IN" sz="1400" i="1" dirty="0">
-                <a:latin typeface="Times New Roman" panose="02020603050405020304" pitchFamily="18" charset="0"/>
-                <a:cs typeface="Times New Roman" panose="02020603050405020304" pitchFamily="18" charset="0"/>
+              <a:rPr lang="en" sz="1400" i="1" u="sng">
+                <a:solidFill>
+                  <a:schemeClr val="hlink"/>
+                </a:solidFill>
+                <a:latin typeface="Times New Roman"/>
+                <a:ea typeface="Times New Roman"/>
+                <a:cs typeface="Times New Roman"/>
+                <a:sym typeface="Times New Roman"/>
                 <a:hlinkClick r:id="rId8"/>
               </a:rPr>
               <a:t>user agent</a:t>
             </a:r>
             <a:r>
-              <a:rPr lang="en-IN" sz="1400" dirty="0">
-                <a:latin typeface="Times New Roman" panose="02020603050405020304" pitchFamily="18" charset="0"/>
-                <a:cs typeface="Times New Roman" panose="02020603050405020304" pitchFamily="18" charset="0"/>
+              <a:rPr lang="en" sz="1400">
+                <a:latin typeface="Times New Roman"/>
+                <a:ea typeface="Times New Roman"/>
+                <a:cs typeface="Times New Roman"/>
+                <a:sym typeface="Times New Roman"/>
               </a:rPr>
               <a:t> (UA). Other types of user agent include the indexing software used by search providers (</a:t>
             </a:r>
             <a:r>
-              <a:rPr lang="en-IN" sz="1400" dirty="0">
-                <a:latin typeface="Times New Roman" panose="02020603050405020304" pitchFamily="18" charset="0"/>
-                <a:cs typeface="Times New Roman" panose="02020603050405020304" pitchFamily="18" charset="0"/>
+              <a:rPr lang="en" sz="1400" u="sng">
+                <a:solidFill>
+                  <a:schemeClr val="hlink"/>
+                </a:solidFill>
+                <a:latin typeface="Times New Roman"/>
+                <a:ea typeface="Times New Roman"/>
+                <a:cs typeface="Times New Roman"/>
+                <a:sym typeface="Times New Roman"/>
                 <a:hlinkClick r:id="rId9"/>
               </a:rPr>
               <a:t>web crawlers</a:t>
             </a:r>
             <a:r>
-              <a:rPr lang="en-IN" sz="1400" dirty="0">
-                <a:latin typeface="Times New Roman" panose="02020603050405020304" pitchFamily="18" charset="0"/>
-                <a:cs typeface="Times New Roman" panose="02020603050405020304" pitchFamily="18" charset="0"/>
+              <a:rPr lang="en" sz="1400">
+                <a:latin typeface="Times New Roman"/>
+                <a:ea typeface="Times New Roman"/>
+                <a:cs typeface="Times New Roman"/>
+                <a:sym typeface="Times New Roman"/>
               </a:rPr>
               <a:t>), </a:t>
             </a:r>
             <a:r>
-              <a:rPr lang="en-IN" sz="1400" dirty="0">
-                <a:latin typeface="Times New Roman" panose="02020603050405020304" pitchFamily="18" charset="0"/>
-                <a:cs typeface="Times New Roman" panose="02020603050405020304" pitchFamily="18" charset="0"/>
+              <a:rPr lang="en" sz="1400" u="sng">
+                <a:solidFill>
+                  <a:schemeClr val="hlink"/>
+                </a:solidFill>
+                <a:latin typeface="Times New Roman"/>
+                <a:ea typeface="Times New Roman"/>
+                <a:cs typeface="Times New Roman"/>
+                <a:sym typeface="Times New Roman"/>
                 <a:hlinkClick r:id="rId10"/>
               </a:rPr>
               <a:t>voice browsers</a:t>
             </a:r>
             <a:r>
-              <a:rPr lang="en-IN" sz="1400" dirty="0">
-                <a:latin typeface="Times New Roman" panose="02020603050405020304" pitchFamily="18" charset="0"/>
-                <a:cs typeface="Times New Roman" panose="02020603050405020304" pitchFamily="18" charset="0"/>
+              <a:rPr lang="en" sz="1400">
+                <a:latin typeface="Times New Roman"/>
+                <a:ea typeface="Times New Roman"/>
+                <a:cs typeface="Times New Roman"/>
+                <a:sym typeface="Times New Roman"/>
               </a:rPr>
               <a:t>, </a:t>
             </a:r>
             <a:r>
-              <a:rPr lang="en-IN" sz="1400" dirty="0">
-                <a:latin typeface="Times New Roman" panose="02020603050405020304" pitchFamily="18" charset="0"/>
-                <a:cs typeface="Times New Roman" panose="02020603050405020304" pitchFamily="18" charset="0"/>
+              <a:rPr lang="en" sz="1400" u="sng">
+                <a:solidFill>
+                  <a:schemeClr val="hlink"/>
+                </a:solidFill>
+                <a:latin typeface="Times New Roman"/>
+                <a:ea typeface="Times New Roman"/>
+                <a:cs typeface="Times New Roman"/>
+                <a:sym typeface="Times New Roman"/>
                 <a:hlinkClick r:id="rId11"/>
               </a:rPr>
               <a:t>mobile apps</a:t>
             </a:r>
             <a:r>
-              <a:rPr lang="en-IN" sz="1400" dirty="0">
-                <a:latin typeface="Times New Roman" panose="02020603050405020304" pitchFamily="18" charset="0"/>
-                <a:cs typeface="Times New Roman" panose="02020603050405020304" pitchFamily="18" charset="0"/>
+              <a:rPr lang="en" sz="1400">
+                <a:latin typeface="Times New Roman"/>
+                <a:ea typeface="Times New Roman"/>
+                <a:cs typeface="Times New Roman"/>
+                <a:sym typeface="Times New Roman"/>
               </a:rPr>
               <a:t>, and other </a:t>
             </a:r>
             <a:r>
-              <a:rPr lang="en-IN" sz="1400" dirty="0">
-                <a:latin typeface="Times New Roman" panose="02020603050405020304" pitchFamily="18" charset="0"/>
-                <a:cs typeface="Times New Roman" panose="02020603050405020304" pitchFamily="18" charset="0"/>
+              <a:rPr lang="en" sz="1400" u="sng">
+                <a:solidFill>
+                  <a:schemeClr val="hlink"/>
+                </a:solidFill>
+                <a:latin typeface="Times New Roman"/>
+                <a:ea typeface="Times New Roman"/>
+                <a:cs typeface="Times New Roman"/>
+                <a:sym typeface="Times New Roman"/>
                 <a:hlinkClick r:id="rId12"/>
               </a:rPr>
               <a:t>software</a:t>
             </a:r>
             <a:r>
-              <a:rPr lang="en-IN" sz="1400" dirty="0">
-                <a:latin typeface="Times New Roman" panose="02020603050405020304" pitchFamily="18" charset="0"/>
-                <a:cs typeface="Times New Roman" panose="02020603050405020304" pitchFamily="18" charset="0"/>
+              <a:rPr lang="en" sz="1400">
+                <a:latin typeface="Times New Roman"/>
+                <a:ea typeface="Times New Roman"/>
+                <a:cs typeface="Times New Roman"/>
+                <a:sym typeface="Times New Roman"/>
               </a:rPr>
               <a:t> that accesses, consumes, or displays web content.</a:t>
             </a:r>
-          </a:p>
-          <a:p>
-            <a:pPr marL="114300" indent="0">
+            <a:endParaRPr/>
+          </a:p>
+          <a:p>
+            <a:pPr marL="114300" lvl="0" indent="0" algn="l" rtl="0">
+              <a:lnSpc>
+                <a:spcPct val="115000"/>
+              </a:lnSpc>
+              <a:spcBef>
+                <a:spcPts val="0"/>
+              </a:spcBef>
+              <a:spcAft>
+                <a:spcPts val="0"/>
+              </a:spcAft>
+              <a:buSzPts val="1800"/>
               <a:buNone/>
             </a:pPr>
             <a:r>
-              <a:rPr lang="en-IN" sz="1400" dirty="0">
-                <a:latin typeface="Times New Roman" panose="02020603050405020304" pitchFamily="18" charset="0"/>
-                <a:cs typeface="Times New Roman" panose="02020603050405020304" pitchFamily="18" charset="0"/>
+              <a:rPr lang="en" sz="1400">
+                <a:latin typeface="Times New Roman"/>
+                <a:ea typeface="Times New Roman"/>
+                <a:cs typeface="Times New Roman"/>
+                <a:sym typeface="Times New Roman"/>
               </a:rPr>
               <a:t>We will be using this protocol for API request handling which is a major part of our backend implementation.</a:t>
             </a:r>
-            <a:endParaRPr lang="en-IN" sz="2000" dirty="0">
-              <a:latin typeface="Times New Roman" panose="02020603050405020304" pitchFamily="18" charset="0"/>
-              <a:cs typeface="Times New Roman" panose="02020603050405020304" pitchFamily="18" charset="0"/>
+            <a:endParaRPr sz="2000">
+              <a:latin typeface="Times New Roman"/>
+              <a:ea typeface="Times New Roman"/>
+              <a:cs typeface="Times New Roman"/>
+              <a:sym typeface="Times New Roman"/>
             </a:endParaRPr>
           </a:p>
           <a:p>
@@ -16116,20 +16766,22 @@
               <a:buSzPts val="1800"/>
               <a:buNone/>
             </a:pPr>
-            <a:endParaRPr dirty="0"/>
+            <a:endParaRPr/>
           </a:p>
         </p:txBody>
       </p:sp>
     </p:spTree>
-    <p:extLst>
-      <p:ext uri="{BB962C8B-B14F-4D97-AF65-F5344CB8AC3E}">
-        <p14:creationId xmlns:p14="http://schemas.microsoft.com/office/powerpoint/2010/main" val="2267543229"/>
-      </p:ext>
-    </p:extLst>
   </p:cSld>
   <p:clrMapOvr>
     <a:masterClrMapping/>
   </p:clrMapOvr>
+  <p:timing>
+    <p:tnLst>
+      <p:par>
+        <p:cTn id="1" dur="indefinite" restart="never" nodeType="tmRoot"/>
+      </p:par>
+    </p:tnLst>
+  </p:timing>
 </p:sld>
 </file>
 
@@ -16138,7 +16790,7 @@
   <p:cSld>
     <p:spTree>
       <p:nvGrpSpPr>
-        <p:cNvPr id="1" name="Shape 107"/>
+        <p:cNvPr id="1" name="Shape 184"/>
         <p:cNvGrpSpPr/>
         <p:nvPr/>
       </p:nvGrpSpPr>
@@ -16152,7 +16804,7 @@
       </p:grpSpPr>
       <p:sp>
         <p:nvSpPr>
-          <p:cNvPr id="108" name="Google Shape;108;p7"/>
+          <p:cNvPr id="185" name="Google Shape;185;p37"/>
           <p:cNvSpPr txBox="1">
             <a:spLocks noGrp="1"/>
           </p:cNvSpPr>
@@ -16193,20 +16845,16 @@
               <a:buNone/>
             </a:pPr>
             <a:r>
-              <a:rPr lang="en" dirty="0"/>
-              <a:t>6</a:t>
-            </a:r>
-            <a:r>
-              <a:rPr lang="en" dirty="0" smtClean="0"/>
-              <a:t> – Algorithms and Techniques used</a:t>
-            </a:r>
-            <a:endParaRPr dirty="0"/>
+              <a:rPr lang="en"/>
+              <a:t>6 – Algorithms and Techniques used</a:t>
+            </a:r>
+            <a:endParaRPr/>
           </a:p>
         </p:txBody>
       </p:sp>
       <p:sp>
         <p:nvSpPr>
-          <p:cNvPr id="109" name="Google Shape;109;p7"/>
+          <p:cNvPr id="186" name="Google Shape;186;p37"/>
           <p:cNvSpPr txBox="1">
             <a:spLocks noGrp="1"/>
           </p:cNvSpPr>
@@ -16233,22 +16881,33 @@
           </a:bodyPr>
           <a:lstStyle/>
           <a:p>
-            <a:pPr marL="0" lvl="2" indent="0">
-              <a:spcBef>
-                <a:spcPts val="0"/>
-              </a:spcBef>
+            <a:pPr marL="0" lvl="2" indent="0" algn="l" rtl="0">
+              <a:lnSpc>
+                <a:spcPct val="115000"/>
+              </a:lnSpc>
+              <a:spcBef>
+                <a:spcPts val="0"/>
+              </a:spcBef>
+              <a:spcAft>
+                <a:spcPts val="0"/>
+              </a:spcAft>
+              <a:buSzPts val="1400"/>
               <a:buNone/>
             </a:pPr>
             <a:r>
-              <a:rPr lang="en-US" sz="1600" b="1" u="sng" dirty="0" smtClean="0">
-                <a:latin typeface="Times New Roman" panose="02020603050405020304" pitchFamily="18" charset="0"/>
-                <a:cs typeface="Times New Roman" panose="02020603050405020304" pitchFamily="18" charset="0"/>
+              <a:rPr lang="en" sz="1600" b="1" u="sng">
+                <a:latin typeface="Times New Roman"/>
+                <a:ea typeface="Times New Roman"/>
+                <a:cs typeface="Times New Roman"/>
+                <a:sym typeface="Times New Roman"/>
               </a:rPr>
               <a:t>HTTP Protocol</a:t>
             </a:r>
-            <a:endParaRPr lang="en-IN" b="1" dirty="0">
-              <a:latin typeface="Times New Roman" panose="02020603050405020304" pitchFamily="18" charset="0"/>
-              <a:cs typeface="Times New Roman" panose="02020603050405020304" pitchFamily="18" charset="0"/>
+            <a:endParaRPr b="1">
+              <a:latin typeface="Times New Roman"/>
+              <a:ea typeface="Times New Roman"/>
+              <a:cs typeface="Times New Roman"/>
+              <a:sym typeface="Times New Roman"/>
             </a:endParaRPr>
           </a:p>
           <a:p>
@@ -16265,32 +16924,24 @@
               <a:buSzPts val="1800"/>
               <a:buNone/>
             </a:pPr>
-            <a:endParaRPr dirty="0"/>
+            <a:endParaRPr/>
           </a:p>
         </p:txBody>
       </p:sp>
       <p:pic>
         <p:nvPicPr>
-          <p:cNvPr id="5122" name="Picture 2"/>
-          <p:cNvPicPr>
-            <a:picLocks noChangeAspect="1" noChangeArrowheads="1"/>
-          </p:cNvPicPr>
+          <p:cNvPr id="187" name="Google Shape;187;p37"/>
+          <p:cNvPicPr preferRelativeResize="0"/>
           <p:nvPr/>
         </p:nvPicPr>
-        <p:blipFill>
+        <p:blipFill rotWithShape="1">
           <a:blip r:embed="rId3">
-            <a:extLst>
-              <a:ext uri="{28A0092B-C50C-407E-A947-70E740481C1C}">
-                <a14:useLocalDpi xmlns:a14="http://schemas.microsoft.com/office/drawing/2010/main" val="0"/>
-              </a:ext>
-            </a:extLst>
+            <a:alphaModFix/>
           </a:blip>
           <a:srcRect/>
-          <a:stretch>
-            <a:fillRect/>
-          </a:stretch>
+          <a:stretch/>
         </p:blipFill>
-        <p:spPr bwMode="auto">
+        <p:spPr>
           <a:xfrm>
             <a:off x="1600200" y="1592132"/>
             <a:ext cx="6381974" cy="2861534"/>
@@ -16302,47 +16953,20 @@
           <a:ln>
             <a:noFill/>
           </a:ln>
-          <a:effectLst/>
-          <a:extLst>
-            <a:ext uri="{909E8E84-426E-40DD-AFC4-6F175D3DCCD1}">
-              <a14:hiddenFill xmlns:a14="http://schemas.microsoft.com/office/drawing/2010/main">
-                <a:solidFill>
-                  <a:schemeClr val="accent1"/>
-                </a:solidFill>
-              </a14:hiddenFill>
-            </a:ext>
-            <a:ext uri="{91240B29-F687-4F45-9708-019B960494DF}">
-              <a14:hiddenLine xmlns:a14="http://schemas.microsoft.com/office/drawing/2010/main" w="9525">
-                <a:solidFill>
-                  <a:schemeClr val="tx1"/>
-                </a:solidFill>
-                <a:miter lim="800000"/>
-                <a:headEnd/>
-                <a:tailEnd/>
-              </a14:hiddenLine>
-            </a:ext>
-            <a:ext uri="{AF507438-7753-43E0-B8FC-AC1667EBCBE1}">
-              <a14:hiddenEffects xmlns:a14="http://schemas.microsoft.com/office/drawing/2010/main">
-                <a:effectLst>
-                  <a:outerShdw dist="35921" dir="2700000" algn="ctr" rotWithShape="0">
-                    <a:schemeClr val="bg2"/>
-                  </a:outerShdw>
-                </a:effectLst>
-              </a14:hiddenEffects>
-            </a:ext>
-          </a:extLst>
         </p:spPr>
       </p:pic>
     </p:spTree>
-    <p:extLst>
-      <p:ext uri="{BB962C8B-B14F-4D97-AF65-F5344CB8AC3E}">
-        <p14:creationId xmlns:p14="http://schemas.microsoft.com/office/powerpoint/2010/main" val="48504520"/>
-      </p:ext>
-    </p:extLst>
   </p:cSld>
   <p:clrMapOvr>
     <a:masterClrMapping/>
   </p:clrMapOvr>
+  <p:timing>
+    <p:tnLst>
+      <p:par>
+        <p:cTn id="1" dur="indefinite" restart="never" nodeType="tmRoot"/>
+      </p:par>
+    </p:tnLst>
+  </p:timing>
 </p:sld>
 </file>
 
@@ -16456,10 +17080,10 @@
               <a:buNone/>
             </a:pPr>
             <a:r>
-              <a:rPr lang="en" b="1" dirty="0"/>
+              <a:rPr lang="en" b="1"/>
               <a:t>Expected delivery</a:t>
             </a:r>
-            <a:endParaRPr b="1" dirty="0"/>
+            <a:endParaRPr b="1"/>
           </a:p>
           <a:p>
             <a:pPr marL="0" lvl="0" indent="0" algn="l" rtl="0">
@@ -16476,10 +17100,10 @@
               <a:buNone/>
             </a:pPr>
             <a:r>
-              <a:rPr lang="en" sz="1500" dirty="0"/>
+              <a:rPr lang="en" sz="1500"/>
               <a:t>April, 2021</a:t>
             </a:r>
-            <a:endParaRPr sz="1500" dirty="0"/>
+            <a:endParaRPr sz="1500"/>
           </a:p>
           <a:p>
             <a:pPr marL="0" lvl="0" indent="0" algn="l" rtl="0">
@@ -16496,10 +17120,10 @@
               <a:buNone/>
             </a:pPr>
             <a:r>
-              <a:rPr lang="en" b="1" dirty="0"/>
+              <a:rPr lang="en" b="1"/>
               <a:t>Recent progress</a:t>
             </a:r>
-            <a:endParaRPr b="1" dirty="0"/>
+            <a:endParaRPr b="1"/>
           </a:p>
           <a:p>
             <a:pPr marL="457200" lvl="0" indent="-323850" algn="l" rtl="0">
@@ -16516,10 +17140,10 @@
               <a:buChar char="●"/>
             </a:pPr>
             <a:r>
-              <a:rPr lang="en" sz="1500" dirty="0"/>
+              <a:rPr lang="en" sz="1500"/>
               <a:t>Problem Definition</a:t>
             </a:r>
-            <a:endParaRPr sz="1500" dirty="0"/>
+            <a:endParaRPr sz="1500"/>
           </a:p>
           <a:p>
             <a:pPr marL="457200" lvl="0" indent="-323850" algn="l" rtl="0">
@@ -16536,10 +17160,10 @@
               <a:buChar char="●"/>
             </a:pPr>
             <a:r>
-              <a:rPr lang="en" sz="1500" dirty="0"/>
+              <a:rPr lang="en" sz="1500"/>
               <a:t>Scope</a:t>
             </a:r>
-            <a:endParaRPr sz="1500" dirty="0"/>
+            <a:endParaRPr sz="1500"/>
           </a:p>
           <a:p>
             <a:pPr marL="457200" lvl="0" indent="-323850" algn="l" rtl="0">
@@ -16556,13 +17180,10 @@
               <a:buChar char="●"/>
             </a:pPr>
             <a:r>
-              <a:rPr lang="en" sz="1500" dirty="0"/>
-              <a:t>Literature </a:t>
-            </a:r>
-            <a:r>
-              <a:rPr lang="en" sz="1500" dirty="0" smtClean="0"/>
-              <a:t>Survey</a:t>
-            </a:r>
+              <a:rPr lang="en" sz="1500"/>
+              <a:t>Literature Survey</a:t>
+            </a:r>
+            <a:endParaRPr/>
           </a:p>
           <a:p>
             <a:pPr marL="457200" lvl="0" indent="-323850" algn="l" rtl="0">
@@ -16579,10 +17200,10 @@
               <a:buChar char="●"/>
             </a:pPr>
             <a:r>
-              <a:rPr lang="en" sz="1500" dirty="0" smtClean="0"/>
+              <a:rPr lang="en" sz="1500"/>
               <a:t>B.Tech Final Report</a:t>
             </a:r>
-            <a:endParaRPr sz="1500" dirty="0"/>
+            <a:endParaRPr sz="1500"/>
           </a:p>
           <a:p>
             <a:pPr marL="457200" lvl="0" indent="-323850" algn="l" rtl="0">
@@ -16599,10 +17220,10 @@
               <a:buChar char="●"/>
             </a:pPr>
             <a:r>
-              <a:rPr lang="en" sz="1500" dirty="0"/>
+              <a:rPr lang="en" sz="1500"/>
               <a:t>SRS Document</a:t>
             </a:r>
-            <a:endParaRPr sz="1500" dirty="0"/>
+            <a:endParaRPr sz="1500"/>
           </a:p>
           <a:p>
             <a:pPr marL="457200" lvl="0" indent="-323850" algn="l" rtl="0">
@@ -16619,10 +17240,10 @@
               <a:buChar char="●"/>
             </a:pPr>
             <a:r>
-              <a:rPr lang="en" sz="1500" dirty="0"/>
+              <a:rPr lang="en" sz="1500"/>
               <a:t>Methodology</a:t>
             </a:r>
-            <a:endParaRPr sz="1500" dirty="0"/>
+            <a:endParaRPr sz="1500"/>
           </a:p>
           <a:p>
             <a:pPr marL="457200" lvl="0" indent="-323850" algn="l" rtl="0">
@@ -16639,10 +17260,10 @@
               <a:buChar char="●"/>
             </a:pPr>
             <a:r>
-              <a:rPr lang="en" sz="1500" dirty="0"/>
+              <a:rPr lang="en" sz="1500"/>
               <a:t>Future Scope</a:t>
             </a:r>
-            <a:endParaRPr sz="1500" dirty="0"/>
+            <a:endParaRPr sz="1500"/>
           </a:p>
           <a:p>
             <a:pPr marL="457200" lvl="0" indent="-323850" algn="l" rtl="0">
@@ -16659,10 +17280,10 @@
               <a:buChar char="●"/>
             </a:pPr>
             <a:r>
-              <a:rPr lang="en" sz="1500" dirty="0"/>
+              <a:rPr lang="en" sz="1500"/>
               <a:t>References</a:t>
             </a:r>
-            <a:endParaRPr sz="1500" dirty="0"/>
+            <a:endParaRPr sz="1500"/>
           </a:p>
           <a:p>
             <a:pPr marL="0" lvl="0" indent="0" algn="l" rtl="0">
@@ -16678,7 +17299,7 @@
               <a:buSzPts val="1800"/>
               <a:buNone/>
             </a:pPr>
-            <a:endParaRPr sz="1500" dirty="0"/>
+            <a:endParaRPr sz="1500"/>
           </a:p>
         </p:txBody>
       </p:sp>
@@ -16687,6 +17308,13 @@
   <p:clrMapOvr>
     <a:masterClrMapping/>
   </p:clrMapOvr>
+  <p:timing>
+    <p:tnLst>
+      <p:par>
+        <p:cTn id="1" dur="indefinite" restart="never" nodeType="tmRoot"/>
+      </p:par>
+    </p:tnLst>
+  </p:timing>
 </p:sld>
 </file>
 
@@ -16695,7 +17323,7 @@
   <p:cSld>
     <p:spTree>
       <p:nvGrpSpPr>
-        <p:cNvPr id="1" name="Shape 107"/>
+        <p:cNvPr id="1" name="Shape 191"/>
         <p:cNvGrpSpPr/>
         <p:nvPr/>
       </p:nvGrpSpPr>
@@ -16709,7 +17337,7 @@
       </p:grpSpPr>
       <p:sp>
         <p:nvSpPr>
-          <p:cNvPr id="108" name="Google Shape;108;p7"/>
+          <p:cNvPr id="192" name="Google Shape;192;p38"/>
           <p:cNvSpPr txBox="1">
             <a:spLocks noGrp="1"/>
           </p:cNvSpPr>
@@ -16750,20 +17378,16 @@
               <a:buNone/>
             </a:pPr>
             <a:r>
-              <a:rPr lang="en" dirty="0"/>
-              <a:t>6</a:t>
-            </a:r>
-            <a:r>
-              <a:rPr lang="en" dirty="0" smtClean="0"/>
-              <a:t> – Some of the Tools Used</a:t>
-            </a:r>
-            <a:endParaRPr dirty="0"/>
+              <a:rPr lang="en"/>
+              <a:t>6 – Some of the Tools Used</a:t>
+            </a:r>
+            <a:endParaRPr/>
           </a:p>
         </p:txBody>
       </p:sp>
       <p:sp>
         <p:nvSpPr>
-          <p:cNvPr id="109" name="Google Shape;109;p7"/>
+          <p:cNvPr id="193" name="Google Shape;193;p38"/>
           <p:cNvSpPr txBox="1">
             <a:spLocks noGrp="1"/>
           </p:cNvSpPr>
@@ -16790,140 +17414,195 @@
           </a:bodyPr>
           <a:lstStyle/>
           <a:p>
-            <a:pPr>
-              <a:buFont typeface="+mj-lt"/>
+            <a:pPr marL="457200" lvl="0" indent="-342900" algn="l" rtl="0">
+              <a:lnSpc>
+                <a:spcPct val="115000"/>
+              </a:lnSpc>
+              <a:spcBef>
+                <a:spcPts val="0"/>
+              </a:spcBef>
+              <a:spcAft>
+                <a:spcPts val="0"/>
+              </a:spcAft>
+              <a:buSzPts val="1800"/>
+              <a:buFont typeface="Arial"/>
               <a:buAutoNum type="arabicPeriod"/>
             </a:pPr>
             <a:r>
-              <a:rPr lang="en-US" dirty="0" smtClean="0">
-                <a:latin typeface="Times New Roman" panose="02020603050405020304" pitchFamily="18" charset="0"/>
-                <a:cs typeface="Times New Roman" panose="02020603050405020304" pitchFamily="18" charset="0"/>
+              <a:rPr lang="en">
+                <a:latin typeface="Times New Roman"/>
+                <a:ea typeface="Times New Roman"/>
+                <a:cs typeface="Times New Roman"/>
+                <a:sym typeface="Times New Roman"/>
               </a:rPr>
-              <a:t>Flutter</a:t>
-            </a:r>
-            <a:r>
-              <a:rPr lang="en-US" dirty="0">
-                <a:latin typeface="Times New Roman" panose="02020603050405020304" pitchFamily="18" charset="0"/>
-                <a:cs typeface="Times New Roman" panose="02020603050405020304" pitchFamily="18" charset="0"/>
-              </a:rPr>
-              <a:t>	</a:t>
-            </a:r>
-            <a:endParaRPr lang="en-IN" dirty="0">
-              <a:latin typeface="Times New Roman" panose="02020603050405020304" pitchFamily="18" charset="0"/>
-              <a:cs typeface="Times New Roman" panose="02020603050405020304" pitchFamily="18" charset="0"/>
+              <a:t>Flutter	</a:t>
+            </a:r>
+            <a:endParaRPr>
+              <a:latin typeface="Times New Roman"/>
+              <a:ea typeface="Times New Roman"/>
+              <a:cs typeface="Times New Roman"/>
+              <a:sym typeface="Times New Roman"/>
             </a:endParaRPr>
           </a:p>
           <a:p>
-            <a:pPr>
-              <a:buFont typeface="+mj-lt"/>
+            <a:pPr marL="457200" lvl="0" indent="-342900" algn="l" rtl="0">
+              <a:lnSpc>
+                <a:spcPct val="115000"/>
+              </a:lnSpc>
+              <a:spcBef>
+                <a:spcPts val="0"/>
+              </a:spcBef>
+              <a:spcAft>
+                <a:spcPts val="0"/>
+              </a:spcAft>
+              <a:buSzPts val="1800"/>
+              <a:buFont typeface="Arial"/>
               <a:buAutoNum type="arabicPeriod"/>
             </a:pPr>
             <a:r>
-              <a:rPr lang="en-US" dirty="0" smtClean="0">
-                <a:latin typeface="Times New Roman" panose="02020603050405020304" pitchFamily="18" charset="0"/>
-                <a:cs typeface="Times New Roman" panose="02020603050405020304" pitchFamily="18" charset="0"/>
+              <a:rPr lang="en">
+                <a:latin typeface="Times New Roman"/>
+                <a:ea typeface="Times New Roman"/>
+                <a:cs typeface="Times New Roman"/>
+                <a:sym typeface="Times New Roman"/>
               </a:rPr>
-              <a:t>Python</a:t>
-            </a:r>
-            <a:r>
-              <a:rPr lang="en-US" dirty="0">
-                <a:latin typeface="Times New Roman" panose="02020603050405020304" pitchFamily="18" charset="0"/>
-                <a:cs typeface="Times New Roman" panose="02020603050405020304" pitchFamily="18" charset="0"/>
-              </a:rPr>
-              <a:t>	</a:t>
-            </a:r>
-            <a:endParaRPr lang="en-IN" dirty="0">
-              <a:latin typeface="Times New Roman" panose="02020603050405020304" pitchFamily="18" charset="0"/>
-              <a:cs typeface="Times New Roman" panose="02020603050405020304" pitchFamily="18" charset="0"/>
+              <a:t>Python	</a:t>
+            </a:r>
+            <a:endParaRPr>
+              <a:latin typeface="Times New Roman"/>
+              <a:ea typeface="Times New Roman"/>
+              <a:cs typeface="Times New Roman"/>
+              <a:sym typeface="Times New Roman"/>
             </a:endParaRPr>
           </a:p>
           <a:p>
-            <a:pPr>
-              <a:buFont typeface="+mj-lt"/>
+            <a:pPr marL="457200" lvl="0" indent="-342900" algn="l" rtl="0">
+              <a:lnSpc>
+                <a:spcPct val="115000"/>
+              </a:lnSpc>
+              <a:spcBef>
+                <a:spcPts val="0"/>
+              </a:spcBef>
+              <a:spcAft>
+                <a:spcPts val="0"/>
+              </a:spcAft>
+              <a:buSzPts val="1800"/>
+              <a:buFont typeface="Arial"/>
               <a:buAutoNum type="arabicPeriod"/>
             </a:pPr>
             <a:r>
-              <a:rPr lang="en-US" dirty="0" smtClean="0">
-                <a:latin typeface="Times New Roman" panose="02020603050405020304" pitchFamily="18" charset="0"/>
-                <a:cs typeface="Times New Roman" panose="02020603050405020304" pitchFamily="18" charset="0"/>
+              <a:rPr lang="en">
+                <a:latin typeface="Times New Roman"/>
+                <a:ea typeface="Times New Roman"/>
+                <a:cs typeface="Times New Roman"/>
+                <a:sym typeface="Times New Roman"/>
               </a:rPr>
-              <a:t>API</a:t>
-            </a:r>
-            <a:r>
-              <a:rPr lang="en-US" dirty="0">
-                <a:latin typeface="Times New Roman" panose="02020603050405020304" pitchFamily="18" charset="0"/>
-                <a:cs typeface="Times New Roman" panose="02020603050405020304" pitchFamily="18" charset="0"/>
-              </a:rPr>
-              <a:t>	</a:t>
-            </a:r>
-            <a:endParaRPr lang="en-IN" dirty="0">
-              <a:latin typeface="Times New Roman" panose="02020603050405020304" pitchFamily="18" charset="0"/>
-              <a:cs typeface="Times New Roman" panose="02020603050405020304" pitchFamily="18" charset="0"/>
+              <a:t>API	</a:t>
+            </a:r>
+            <a:endParaRPr>
+              <a:latin typeface="Times New Roman"/>
+              <a:ea typeface="Times New Roman"/>
+              <a:cs typeface="Times New Roman"/>
+              <a:sym typeface="Times New Roman"/>
             </a:endParaRPr>
           </a:p>
           <a:p>
-            <a:pPr>
-              <a:buFont typeface="+mj-lt"/>
+            <a:pPr marL="457200" lvl="0" indent="-342900" algn="l" rtl="0">
+              <a:lnSpc>
+                <a:spcPct val="115000"/>
+              </a:lnSpc>
+              <a:spcBef>
+                <a:spcPts val="0"/>
+              </a:spcBef>
+              <a:spcAft>
+                <a:spcPts val="0"/>
+              </a:spcAft>
+              <a:buSzPts val="1800"/>
+              <a:buFont typeface="Arial"/>
               <a:buAutoNum type="arabicPeriod"/>
             </a:pPr>
             <a:r>
-              <a:rPr lang="en-US" dirty="0" smtClean="0">
-                <a:latin typeface="Times New Roman" panose="02020603050405020304" pitchFamily="18" charset="0"/>
-                <a:cs typeface="Times New Roman" panose="02020603050405020304" pitchFamily="18" charset="0"/>
+              <a:rPr lang="en">
+                <a:latin typeface="Times New Roman"/>
+                <a:ea typeface="Times New Roman"/>
+                <a:cs typeface="Times New Roman"/>
+                <a:sym typeface="Times New Roman"/>
               </a:rPr>
-              <a:t>Node.js</a:t>
-            </a:r>
-            <a:r>
-              <a:rPr lang="en-US" dirty="0">
-                <a:latin typeface="Times New Roman" panose="02020603050405020304" pitchFamily="18" charset="0"/>
-                <a:cs typeface="Times New Roman" panose="02020603050405020304" pitchFamily="18" charset="0"/>
-              </a:rPr>
-              <a:t>	</a:t>
-            </a:r>
-            <a:endParaRPr lang="en-IN" dirty="0">
-              <a:latin typeface="Times New Roman" panose="02020603050405020304" pitchFamily="18" charset="0"/>
-              <a:cs typeface="Times New Roman" panose="02020603050405020304" pitchFamily="18" charset="0"/>
+              <a:t>Node.js	</a:t>
+            </a:r>
+            <a:endParaRPr>
+              <a:latin typeface="Times New Roman"/>
+              <a:ea typeface="Times New Roman"/>
+              <a:cs typeface="Times New Roman"/>
+              <a:sym typeface="Times New Roman"/>
             </a:endParaRPr>
           </a:p>
           <a:p>
-            <a:pPr>
-              <a:buFont typeface="+mj-lt"/>
+            <a:pPr marL="457200" lvl="0" indent="-342900" algn="l" rtl="0">
+              <a:lnSpc>
+                <a:spcPct val="115000"/>
+              </a:lnSpc>
+              <a:spcBef>
+                <a:spcPts val="0"/>
+              </a:spcBef>
+              <a:spcAft>
+                <a:spcPts val="0"/>
+              </a:spcAft>
+              <a:buSzPts val="1800"/>
+              <a:buFont typeface="Arial"/>
               <a:buAutoNum type="arabicPeriod"/>
             </a:pPr>
             <a:r>
-              <a:rPr lang="en-US" dirty="0" smtClean="0">
-                <a:latin typeface="Times New Roman" panose="02020603050405020304" pitchFamily="18" charset="0"/>
-                <a:cs typeface="Times New Roman" panose="02020603050405020304" pitchFamily="18" charset="0"/>
+              <a:rPr lang="en">
+                <a:latin typeface="Times New Roman"/>
+                <a:ea typeface="Times New Roman"/>
+                <a:cs typeface="Times New Roman"/>
+                <a:sym typeface="Times New Roman"/>
               </a:rPr>
               <a:t>MongoDB</a:t>
             </a:r>
-          </a:p>
-          <a:p>
-            <a:pPr>
-              <a:buFont typeface="+mj-lt"/>
+            <a:endParaRPr/>
+          </a:p>
+          <a:p>
+            <a:pPr marL="457200" lvl="0" indent="-342900" algn="l" rtl="0">
+              <a:lnSpc>
+                <a:spcPct val="115000"/>
+              </a:lnSpc>
+              <a:spcBef>
+                <a:spcPts val="0"/>
+              </a:spcBef>
+              <a:spcAft>
+                <a:spcPts val="0"/>
+              </a:spcAft>
+              <a:buSzPts val="1800"/>
+              <a:buFont typeface="Arial"/>
               <a:buAutoNum type="arabicPeriod"/>
             </a:pPr>
             <a:r>
-              <a:rPr lang="en-US" dirty="0" smtClean="0">
-                <a:latin typeface="Times New Roman" panose="02020603050405020304" pitchFamily="18" charset="0"/>
-                <a:cs typeface="Times New Roman" panose="02020603050405020304" pitchFamily="18" charset="0"/>
+              <a:rPr lang="en">
+                <a:latin typeface="Times New Roman"/>
+                <a:ea typeface="Times New Roman"/>
+                <a:cs typeface="Times New Roman"/>
+                <a:sym typeface="Times New Roman"/>
               </a:rPr>
-              <a:t>Google Maps (Geolocator)</a:t>
-            </a:r>
-            <a:endParaRPr dirty="0"/>
+              <a:t>Geolocator</a:t>
+            </a:r>
+            <a:endParaRPr/>
           </a:p>
         </p:txBody>
       </p:sp>
     </p:spTree>
-    <p:extLst>
-      <p:ext uri="{BB962C8B-B14F-4D97-AF65-F5344CB8AC3E}">
-        <p14:creationId xmlns:p14="http://schemas.microsoft.com/office/powerpoint/2010/main" val="2296679823"/>
-      </p:ext>
-    </p:extLst>
   </p:cSld>
   <p:clrMapOvr>
     <a:masterClrMapping/>
   </p:clrMapOvr>
+  <p:timing>
+    <p:tnLst>
+      <p:par>
+        <p:cTn id="1" dur="indefinite" restart="never" nodeType="tmRoot"/>
+      </p:par>
+    </p:tnLst>
+  </p:timing>
 </p:sld>
 </file>
 
@@ -16932,7 +17611,7 @@
   <p:cSld>
     <p:spTree>
       <p:nvGrpSpPr>
-        <p:cNvPr id="1" name="Shape 119"/>
+        <p:cNvPr id="1" name="Shape 197"/>
         <p:cNvGrpSpPr/>
         <p:nvPr/>
       </p:nvGrpSpPr>
@@ -16946,7 +17625,7 @@
       </p:grpSpPr>
       <p:sp>
         <p:nvSpPr>
-          <p:cNvPr id="120" name="Google Shape;120;p8"/>
+          <p:cNvPr id="198" name="Google Shape;198;p8"/>
           <p:cNvSpPr txBox="1">
             <a:spLocks noGrp="1"/>
           </p:cNvSpPr>
@@ -16987,24 +17666,16 @@
               <a:buNone/>
             </a:pPr>
             <a:r>
-              <a:rPr lang="en" dirty="0"/>
-              <a:t>7</a:t>
-            </a:r>
-            <a:r>
-              <a:rPr lang="en" dirty="0" smtClean="0"/>
-              <a:t> </a:t>
-            </a:r>
-            <a:r>
-              <a:rPr lang="en" dirty="0"/>
-              <a:t>- Methodology</a:t>
-            </a:r>
-            <a:endParaRPr dirty="0"/>
+              <a:rPr lang="en"/>
+              <a:t>7 - Methodology</a:t>
+            </a:r>
+            <a:endParaRPr/>
           </a:p>
         </p:txBody>
       </p:sp>
       <p:sp>
         <p:nvSpPr>
-          <p:cNvPr id="121" name="Google Shape;121;p8"/>
+          <p:cNvPr id="199" name="Google Shape;199;p8"/>
           <p:cNvSpPr txBox="1">
             <a:spLocks noGrp="1"/>
           </p:cNvSpPr>
@@ -17045,10 +17716,10 @@
               <a:buAutoNum type="arabicPeriod"/>
             </a:pPr>
             <a:r>
-              <a:rPr lang="en" sz="1900" b="1" u="sng" dirty="0"/>
+              <a:rPr lang="en" sz="1900" b="1" u="sng"/>
               <a:t>Sell and Buy of the product</a:t>
             </a:r>
-            <a:endParaRPr sz="1900" b="1" u="sng" dirty="0"/>
+            <a:endParaRPr sz="1900" b="1" u="sng"/>
           </a:p>
           <a:p>
             <a:pPr marL="1168400" lvl="0" indent="-254000" algn="just" rtl="0">
@@ -17065,10 +17736,10 @@
               <a:buNone/>
             </a:pPr>
             <a:r>
-              <a:rPr lang="en" sz="1700" b="1" u="sng" dirty="0"/>
+              <a:rPr lang="en" sz="1700" b="1" u="sng"/>
               <a:t>A.	Activity 1 - Farmer posts the product on the application</a:t>
             </a:r>
-            <a:endParaRPr sz="1700" b="1" u="sng" dirty="0"/>
+            <a:endParaRPr sz="1700" b="1" u="sng"/>
           </a:p>
           <a:p>
             <a:pPr marL="1828800" lvl="3" indent="-336550" algn="just" rtl="0">
@@ -17085,10 +17756,10 @@
               <a:buAutoNum type="romanLcPeriod"/>
             </a:pPr>
             <a:r>
-              <a:rPr lang="en" sz="1700" b="1" dirty="0"/>
+              <a:rPr lang="en" sz="1700" b="1"/>
               <a:t>Authentication of the farmer via the Login into the application.</a:t>
             </a:r>
-            <a:endParaRPr sz="1700" b="1" dirty="0"/>
+            <a:endParaRPr sz="1700" b="1"/>
           </a:p>
           <a:p>
             <a:pPr marL="1828800" lvl="3" indent="-336550" algn="just" rtl="0">
@@ -17105,13 +17776,10 @@
               <a:buAutoNum type="romanLcPeriod"/>
             </a:pPr>
             <a:r>
-              <a:rPr lang="en" sz="1700" b="1" dirty="0"/>
-              <a:t>Posting of the product on the </a:t>
-            </a:r>
-            <a:r>
-              <a:rPr lang="en" sz="1700" b="1" dirty="0" smtClean="0"/>
-              <a:t>application.</a:t>
-            </a:r>
+              <a:rPr lang="en" sz="1700" b="1"/>
+              <a:t>Posting of the product on the application.</a:t>
+            </a:r>
+            <a:endParaRPr/>
           </a:p>
           <a:p>
             <a:pPr marL="1828800" lvl="3" indent="-336550" algn="just" rtl="0">
@@ -17128,10 +17796,10 @@
               <a:buAutoNum type="romanLcPeriod"/>
             </a:pPr>
             <a:r>
-              <a:rPr lang="en" sz="1700" b="1" dirty="0" smtClean="0"/>
+              <a:rPr lang="en" sz="1700" b="1"/>
               <a:t>Detecting the food grain by using CNN model.</a:t>
             </a:r>
-            <a:endParaRPr sz="1700" b="1" dirty="0"/>
+            <a:endParaRPr sz="1700" b="1"/>
           </a:p>
           <a:p>
             <a:pPr marL="1828800" lvl="3" indent="-336550" algn="just" rtl="0">
@@ -17148,14 +17816,10 @@
               <a:buAutoNum type="romanLcPeriod"/>
             </a:pPr>
             <a:r>
-              <a:rPr lang="en" sz="1700" b="1" dirty="0"/>
-              <a:t>Filling the details of the product</a:t>
-            </a:r>
-            <a:r>
-              <a:rPr lang="en" sz="1700" b="1" dirty="0" smtClean="0"/>
-              <a:t>.</a:t>
-            </a:r>
-            <a:endParaRPr sz="1700" b="1" dirty="0"/>
+              <a:rPr lang="en" sz="1700" b="1"/>
+              <a:t>Filling the details of the product.</a:t>
+            </a:r>
+            <a:endParaRPr sz="1700" b="1"/>
           </a:p>
           <a:p>
             <a:pPr marL="1828800" lvl="3" indent="-336550" algn="just" rtl="0">
@@ -17172,14 +17836,10 @@
               <a:buAutoNum type="romanLcPeriod"/>
             </a:pPr>
             <a:r>
-              <a:rPr lang="en" sz="1700" b="1" dirty="0"/>
-              <a:t>Final submission of the product for sale on the </a:t>
-            </a:r>
-            <a:r>
-              <a:rPr lang="en" sz="1700" b="1" dirty="0" smtClean="0"/>
-              <a:t>application.</a:t>
-            </a:r>
-            <a:endParaRPr sz="1700" b="1" dirty="0"/>
+              <a:rPr lang="en" sz="1700" b="1"/>
+              <a:t>Final submission of the product for sale on the application.</a:t>
+            </a:r>
+            <a:endParaRPr sz="1700" b="1"/>
           </a:p>
           <a:p>
             <a:pPr marL="1828800" lvl="3" indent="-336550" algn="just" rtl="0">
@@ -17196,10 +17856,10 @@
               <a:buAutoNum type="romanLcPeriod"/>
             </a:pPr>
             <a:r>
-              <a:rPr lang="en" sz="1700" b="1" dirty="0"/>
+              <a:rPr lang="en" sz="1700" b="1"/>
               <a:t>Tracking of the application for the product in the sale cycle.</a:t>
             </a:r>
-            <a:endParaRPr sz="1700" b="1" dirty="0"/>
+            <a:endParaRPr sz="1700" b="1"/>
           </a:p>
           <a:p>
             <a:pPr marL="1828800" lvl="3" indent="-336550" algn="just" rtl="0">
@@ -17216,14 +17876,10 @@
               <a:buAutoNum type="romanLcPeriod"/>
             </a:pPr>
             <a:r>
-              <a:rPr lang="en" sz="1700" b="1" dirty="0"/>
-              <a:t>Final status of the product </a:t>
-            </a:r>
-            <a:r>
-              <a:rPr lang="en" sz="1700" b="1" dirty="0" smtClean="0"/>
-              <a:t>.</a:t>
-            </a:r>
-            <a:endParaRPr sz="1700" b="1" dirty="0"/>
+              <a:rPr lang="en" sz="1700" b="1"/>
+              <a:t>Final status of the product .</a:t>
+            </a:r>
+            <a:endParaRPr sz="1700" b="1"/>
           </a:p>
           <a:p>
             <a:pPr marL="0" lvl="0" indent="0" algn="just" rtl="0">
@@ -17239,7 +17895,7 @@
               <a:buSzPts val="1800"/>
               <a:buNone/>
             </a:pPr>
-            <a:endParaRPr sz="1700" b="1" dirty="0"/>
+            <a:endParaRPr sz="1700" b="1"/>
           </a:p>
           <a:p>
             <a:pPr marL="914400" lvl="0" indent="0" algn="just" rtl="0">
@@ -17255,7 +17911,7 @@
               <a:buSzPts val="1800"/>
               <a:buNone/>
             </a:pPr>
-            <a:endParaRPr sz="1700" b="1" u="sng" dirty="0"/>
+            <a:endParaRPr sz="1700" b="1" u="sng"/>
           </a:p>
         </p:txBody>
       </p:sp>
@@ -17264,6 +17920,13 @@
   <p:clrMapOvr>
     <a:masterClrMapping/>
   </p:clrMapOvr>
+  <p:timing>
+    <p:tnLst>
+      <p:par>
+        <p:cTn id="1" dur="indefinite" restart="never" nodeType="tmRoot"/>
+      </p:par>
+    </p:tnLst>
+  </p:timing>
 </p:sld>
 </file>
 
@@ -17272,7 +17935,7 @@
   <p:cSld>
     <p:spTree>
       <p:nvGrpSpPr>
-        <p:cNvPr id="1" name="Shape 125"/>
+        <p:cNvPr id="1" name="Shape 203"/>
         <p:cNvGrpSpPr/>
         <p:nvPr/>
       </p:nvGrpSpPr>
@@ -17286,7 +17949,7 @@
       </p:grpSpPr>
       <p:sp>
         <p:nvSpPr>
-          <p:cNvPr id="126" name="Google Shape;126;p9"/>
+          <p:cNvPr id="204" name="Google Shape;204;p9"/>
           <p:cNvSpPr txBox="1">
             <a:spLocks noGrp="1"/>
           </p:cNvSpPr>
@@ -17327,24 +17990,16 @@
               <a:buNone/>
             </a:pPr>
             <a:r>
-              <a:rPr lang="en" dirty="0"/>
-              <a:t>7</a:t>
-            </a:r>
-            <a:r>
-              <a:rPr lang="en" dirty="0" smtClean="0"/>
-              <a:t> </a:t>
-            </a:r>
-            <a:r>
-              <a:rPr lang="en" dirty="0"/>
-              <a:t>- Methodology</a:t>
-            </a:r>
-            <a:endParaRPr dirty="0"/>
+              <a:rPr lang="en"/>
+              <a:t>7 - Methodology</a:t>
+            </a:r>
+            <a:endParaRPr/>
           </a:p>
         </p:txBody>
       </p:sp>
       <p:sp>
         <p:nvSpPr>
-          <p:cNvPr id="127" name="Google Shape;127;p9"/>
+          <p:cNvPr id="205" name="Google Shape;205;p9"/>
           <p:cNvSpPr txBox="1">
             <a:spLocks noGrp="1"/>
           </p:cNvSpPr>
@@ -17385,13 +18040,13 @@
               <a:buAutoNum type="arabicPeriod"/>
             </a:pPr>
             <a:r>
-              <a:rPr lang="en" sz="1900" b="1" u="sng" dirty="0"/>
+              <a:rPr lang="en" sz="1900" b="1" u="sng"/>
               <a:t>Sell and Buy of the product</a:t>
             </a:r>
-            <a:endParaRPr sz="1900" b="1" u="sng" dirty="0"/>
-          </a:p>
-          <a:p>
-            <a:pPr marL="1163638" lvl="0" indent="-249238" algn="just" rtl="0">
+            <a:endParaRPr sz="1900" b="1" u="sng"/>
+          </a:p>
+          <a:p>
+            <a:pPr marL="1163638" lvl="0" indent="-249237" algn="just" rtl="0">
               <a:lnSpc>
                 <a:spcPct val="100000"/>
               </a:lnSpc>
@@ -17405,10 +18060,10 @@
               <a:buNone/>
             </a:pPr>
             <a:r>
-              <a:rPr lang="en" sz="1700" b="1" u="sng" dirty="0"/>
+              <a:rPr lang="en" sz="1700" b="1" u="sng"/>
               <a:t>B. 	Activity 2 - Transportation of the product by the Driver </a:t>
             </a:r>
-            <a:endParaRPr sz="1700" b="1" u="sng" dirty="0"/>
+            <a:endParaRPr sz="1700" b="1" u="sng"/>
           </a:p>
           <a:p>
             <a:pPr marL="1828800" lvl="0" indent="-336550" algn="just" rtl="0">
@@ -17425,10 +18080,10 @@
               <a:buAutoNum type="romanLcPeriod"/>
             </a:pPr>
             <a:r>
-              <a:rPr lang="en" sz="1700" b="1" dirty="0"/>
+              <a:rPr lang="en" sz="1700" b="1"/>
               <a:t>Checking the availability of Driver for pickup</a:t>
             </a:r>
-            <a:endParaRPr sz="1700" b="1" dirty="0"/>
+            <a:endParaRPr sz="1700" b="1"/>
           </a:p>
           <a:p>
             <a:pPr marL="1828800" lvl="0" indent="-336550" algn="just" rtl="0">
@@ -17445,10 +18100,10 @@
               <a:buAutoNum type="romanLcPeriod"/>
             </a:pPr>
             <a:r>
-              <a:rPr lang="en" sz="1700" b="1" dirty="0"/>
+              <a:rPr lang="en" sz="1700" b="1"/>
               <a:t>Assigning list of pickup locations for driver.</a:t>
             </a:r>
-            <a:endParaRPr sz="1700" b="1" dirty="0"/>
+            <a:endParaRPr sz="1700" b="1"/>
           </a:p>
           <a:p>
             <a:pPr marL="2457450" lvl="0" indent="-336550" algn="just" rtl="0">
@@ -17465,10 +18120,10 @@
               <a:buChar char="➢"/>
             </a:pPr>
             <a:r>
-              <a:rPr lang="en" sz="1700" b="1" dirty="0"/>
+              <a:rPr lang="en" sz="1700" b="1"/>
               <a:t>Deciding group of pickup location using clustering analysis based on pincode</a:t>
             </a:r>
-            <a:endParaRPr sz="1700" b="1" dirty="0"/>
+            <a:endParaRPr sz="1700" b="1"/>
           </a:p>
           <a:p>
             <a:pPr marL="2457450" lvl="0" indent="-336550" algn="just" rtl="0">
@@ -17485,10 +18140,10 @@
               <a:buChar char="➢"/>
             </a:pPr>
             <a:r>
-              <a:rPr lang="en" sz="1700" b="1" dirty="0"/>
+              <a:rPr lang="en" sz="1700" b="1"/>
               <a:t>Using Modified Travelling Salesman Problem to predict the optimised route for pickup and distribution.</a:t>
             </a:r>
-            <a:endParaRPr sz="1700" b="1" dirty="0"/>
+            <a:endParaRPr sz="1700" b="1"/>
           </a:p>
           <a:p>
             <a:pPr marL="3200400" lvl="0" indent="0" algn="just" rtl="0">
@@ -17504,7 +18159,7 @@
               <a:buSzPts val="1800"/>
               <a:buNone/>
             </a:pPr>
-            <a:endParaRPr sz="1700" b="1" dirty="0"/>
+            <a:endParaRPr sz="1700" b="1"/>
           </a:p>
         </p:txBody>
       </p:sp>
@@ -17513,6 +18168,13 @@
   <p:clrMapOvr>
     <a:masterClrMapping/>
   </p:clrMapOvr>
+  <p:timing>
+    <p:tnLst>
+      <p:par>
+        <p:cTn id="1" dur="indefinite" restart="never" nodeType="tmRoot"/>
+      </p:par>
+    </p:tnLst>
+  </p:timing>
 </p:sld>
 </file>
 
@@ -17521,7 +18183,7 @@
   <p:cSld>
     <p:spTree>
       <p:nvGrpSpPr>
-        <p:cNvPr id="1" name="Shape 131"/>
+        <p:cNvPr id="1" name="Shape 209"/>
         <p:cNvGrpSpPr/>
         <p:nvPr/>
       </p:nvGrpSpPr>
@@ -17535,7 +18197,7 @@
       </p:grpSpPr>
       <p:sp>
         <p:nvSpPr>
-          <p:cNvPr id="132" name="Google Shape;132;p10"/>
+          <p:cNvPr id="210" name="Google Shape;210;p10"/>
           <p:cNvSpPr txBox="1">
             <a:spLocks noGrp="1"/>
           </p:cNvSpPr>
@@ -17576,24 +18238,16 @@
               <a:buNone/>
             </a:pPr>
             <a:r>
-              <a:rPr lang="en" dirty="0"/>
-              <a:t>7</a:t>
-            </a:r>
-            <a:r>
-              <a:rPr lang="en" dirty="0" smtClean="0"/>
-              <a:t> </a:t>
-            </a:r>
-            <a:r>
-              <a:rPr lang="en" dirty="0"/>
-              <a:t>- Methodology</a:t>
-            </a:r>
-            <a:endParaRPr dirty="0"/>
+              <a:rPr lang="en"/>
+              <a:t>7 - Methodology</a:t>
+            </a:r>
+            <a:endParaRPr/>
           </a:p>
         </p:txBody>
       </p:sp>
       <p:sp>
         <p:nvSpPr>
-          <p:cNvPr id="133" name="Google Shape;133;p10"/>
+          <p:cNvPr id="211" name="Google Shape;211;p10"/>
           <p:cNvSpPr txBox="1">
             <a:spLocks noGrp="1"/>
           </p:cNvSpPr>
@@ -17634,13 +18288,13 @@
               <a:buAutoNum type="arabicPeriod"/>
             </a:pPr>
             <a:r>
-              <a:rPr lang="en" sz="1900" b="1" u="sng" dirty="0"/>
+              <a:rPr lang="en" sz="1900" b="1" u="sng"/>
               <a:t>Sell and Buy of the product</a:t>
             </a:r>
-            <a:endParaRPr sz="1900" b="1" u="sng" dirty="0"/>
-          </a:p>
-          <a:p>
-            <a:pPr marL="1163638" lvl="0" indent="-249238" algn="just" rtl="0">
+            <a:endParaRPr sz="1900" b="1" u="sng"/>
+          </a:p>
+          <a:p>
+            <a:pPr marL="1163638" lvl="0" indent="-249237" algn="just" rtl="0">
               <a:lnSpc>
                 <a:spcPct val="100000"/>
               </a:lnSpc>
@@ -17654,10 +18308,10 @@
               <a:buNone/>
             </a:pPr>
             <a:r>
-              <a:rPr lang="en" sz="1700" b="1" u="sng" dirty="0"/>
+              <a:rPr lang="en" sz="1700" b="1" u="sng"/>
               <a:t>C.	Activity 3 - Buying the product </a:t>
             </a:r>
-            <a:endParaRPr sz="1700" b="1" u="sng" dirty="0"/>
+            <a:endParaRPr sz="1700" b="1" u="sng"/>
           </a:p>
           <a:p>
             <a:pPr marL="1828800" lvl="0" indent="-336550" algn="just" rtl="0">
@@ -17674,10 +18328,10 @@
               <a:buAutoNum type="romanLcPeriod"/>
             </a:pPr>
             <a:r>
-              <a:rPr lang="en" sz="1700" b="1" dirty="0"/>
+              <a:rPr lang="en" sz="1700" b="1"/>
               <a:t>Buyer places the bid for the product on the application</a:t>
             </a:r>
-            <a:endParaRPr sz="1700" b="1" dirty="0"/>
+            <a:endParaRPr sz="1700" b="1"/>
           </a:p>
           <a:p>
             <a:pPr marL="1828800" lvl="0" indent="-336550" algn="just" rtl="0">
@@ -17694,10 +18348,10 @@
               <a:buAutoNum type="romanLcPeriod"/>
             </a:pPr>
             <a:r>
-              <a:rPr lang="en" sz="1700" b="1" dirty="0"/>
+              <a:rPr lang="en" sz="1700" b="1"/>
               <a:t>Using greedy approach for allotment amount of product</a:t>
             </a:r>
-            <a:endParaRPr sz="1700" b="1" dirty="0"/>
+            <a:endParaRPr sz="1700" b="1"/>
           </a:p>
           <a:p>
             <a:pPr marL="1828800" lvl="0" indent="-336550" algn="just" rtl="0">
@@ -17714,10 +18368,10 @@
               <a:buAutoNum type="romanLcPeriod"/>
             </a:pPr>
             <a:r>
-              <a:rPr lang="en" sz="1700" b="1" dirty="0"/>
+              <a:rPr lang="en" sz="1700" b="1"/>
               <a:t>Accepting the payment for the product using the payment gateway.</a:t>
             </a:r>
-            <a:endParaRPr sz="1700" b="1" dirty="0"/>
+            <a:endParaRPr sz="1700" b="1"/>
           </a:p>
         </p:txBody>
       </p:sp>
@@ -17726,6 +18380,13 @@
   <p:clrMapOvr>
     <a:masterClrMapping/>
   </p:clrMapOvr>
+  <p:timing>
+    <p:tnLst>
+      <p:par>
+        <p:cTn id="1" dur="indefinite" restart="never" nodeType="tmRoot"/>
+      </p:par>
+    </p:tnLst>
+  </p:timing>
 </p:sld>
 </file>
 
@@ -17734,7 +18395,7 @@
   <p:cSld>
     <p:spTree>
       <p:nvGrpSpPr>
-        <p:cNvPr id="1" name="Shape 137"/>
+        <p:cNvPr id="1" name="Shape 215"/>
         <p:cNvGrpSpPr/>
         <p:nvPr/>
       </p:nvGrpSpPr>
@@ -17748,7 +18409,7 @@
       </p:grpSpPr>
       <p:sp>
         <p:nvSpPr>
-          <p:cNvPr id="138" name="Google Shape;138;p11"/>
+          <p:cNvPr id="216" name="Google Shape;216;p11"/>
           <p:cNvSpPr txBox="1">
             <a:spLocks noGrp="1"/>
           </p:cNvSpPr>
@@ -17789,24 +18450,16 @@
               <a:buNone/>
             </a:pPr>
             <a:r>
-              <a:rPr lang="en" dirty="0"/>
-              <a:t>7</a:t>
-            </a:r>
-            <a:r>
-              <a:rPr lang="en" dirty="0" smtClean="0"/>
-              <a:t> </a:t>
-            </a:r>
-            <a:r>
-              <a:rPr lang="en" dirty="0"/>
-              <a:t>- Methodology</a:t>
-            </a:r>
-            <a:endParaRPr dirty="0"/>
+              <a:rPr lang="en"/>
+              <a:t>7 - Methodology</a:t>
+            </a:r>
+            <a:endParaRPr/>
           </a:p>
         </p:txBody>
       </p:sp>
       <p:sp>
         <p:nvSpPr>
-          <p:cNvPr id="139" name="Google Shape;139;p11"/>
+          <p:cNvPr id="217" name="Google Shape;217;p11"/>
           <p:cNvSpPr txBox="1">
             <a:spLocks noGrp="1"/>
           </p:cNvSpPr>
@@ -17847,10 +18500,10 @@
               <a:buNone/>
             </a:pPr>
             <a:r>
-              <a:rPr lang="en" sz="1900" b="1" u="sng" dirty="0"/>
+              <a:rPr lang="en" sz="1900" b="1" u="sng"/>
               <a:t>2.	Contract based sales</a:t>
             </a:r>
-            <a:endParaRPr sz="1900" b="1" u="sng" dirty="0"/>
+            <a:endParaRPr sz="1900" b="1" u="sng"/>
           </a:p>
           <a:p>
             <a:pPr marL="1168400" lvl="0" indent="-254000" algn="just" rtl="0">
@@ -17867,10 +18520,10 @@
               <a:buNone/>
             </a:pPr>
             <a:r>
-              <a:rPr lang="en" sz="1700" b="1" u="sng" dirty="0"/>
+              <a:rPr lang="en" sz="1700" b="1" u="sng"/>
               <a:t>A.	Activity 1 - Client </a:t>
             </a:r>
-            <a:endParaRPr sz="1700" b="1" u="sng" dirty="0"/>
+            <a:endParaRPr sz="1700" b="1" u="sng"/>
           </a:p>
           <a:p>
             <a:pPr marL="1828800" lvl="3" indent="-336550" algn="just" rtl="0">
@@ -17887,10 +18540,10 @@
               <a:buAutoNum type="romanLcPeriod"/>
             </a:pPr>
             <a:r>
-              <a:rPr lang="en" sz="1700" b="1" dirty="0"/>
+              <a:rPr lang="en" sz="1700" b="1"/>
               <a:t>Details for the product to be grown</a:t>
             </a:r>
-            <a:endParaRPr sz="1700" b="1" dirty="0"/>
+            <a:endParaRPr sz="1700" b="1"/>
           </a:p>
           <a:p>
             <a:pPr marL="1828800" lvl="3" indent="-336550" algn="just" rtl="0">
@@ -17907,10 +18560,10 @@
               <a:buAutoNum type="romanLcPeriod"/>
             </a:pPr>
             <a:r>
-              <a:rPr lang="en" sz="1700" b="1" dirty="0"/>
+              <a:rPr lang="en" sz="1700" b="1"/>
               <a:t>Quantity of the required product to be grown</a:t>
             </a:r>
-            <a:endParaRPr sz="1700" b="1" dirty="0"/>
+            <a:endParaRPr sz="1700" b="1"/>
           </a:p>
           <a:p>
             <a:pPr marL="1828800" lvl="3" indent="-336550" algn="just" rtl="0">
@@ -17927,13 +18580,13 @@
               <a:buAutoNum type="romanLcPeriod"/>
             </a:pPr>
             <a:r>
-              <a:rPr lang="en" sz="1700" b="1" dirty="0"/>
+              <a:rPr lang="en" sz="1700" b="1"/>
               <a:t>Notifying farmers for the availability of a contract</a:t>
             </a:r>
-            <a:endParaRPr sz="1700" b="1" dirty="0"/>
-          </a:p>
-          <a:p>
-            <a:pPr marL="1163638" lvl="0" indent="-249238" algn="just" rtl="0">
+            <a:endParaRPr sz="1700" b="1"/>
+          </a:p>
+          <a:p>
+            <a:pPr marL="1163638" lvl="0" indent="-249237" algn="just" rtl="0">
               <a:lnSpc>
                 <a:spcPct val="100000"/>
               </a:lnSpc>
@@ -17947,10 +18600,10 @@
               <a:buNone/>
             </a:pPr>
             <a:r>
-              <a:rPr lang="en" sz="1700" b="1" u="sng" dirty="0"/>
+              <a:rPr lang="en" sz="1700" b="1" u="sng"/>
               <a:t>B.	Activity 2 - Assigning of the contract to the farmers by conditional mapping</a:t>
             </a:r>
-            <a:endParaRPr sz="1700" b="1" u="sng" dirty="0"/>
+            <a:endParaRPr sz="1700" b="1" u="sng"/>
           </a:p>
         </p:txBody>
       </p:sp>
@@ -17959,6 +18612,13 @@
   <p:clrMapOvr>
     <a:masterClrMapping/>
   </p:clrMapOvr>
+  <p:timing>
+    <p:tnLst>
+      <p:par>
+        <p:cTn id="1" dur="indefinite" restart="never" nodeType="tmRoot"/>
+      </p:par>
+    </p:tnLst>
+  </p:timing>
 </p:sld>
 </file>
 
@@ -17967,7 +18627,7 @@
   <p:cSld>
     <p:spTree>
       <p:nvGrpSpPr>
-        <p:cNvPr id="1" name="Shape 137"/>
+        <p:cNvPr id="1" name="Shape 221"/>
         <p:cNvGrpSpPr/>
         <p:nvPr/>
       </p:nvGrpSpPr>
@@ -17981,7 +18641,7 @@
       </p:grpSpPr>
       <p:sp>
         <p:nvSpPr>
-          <p:cNvPr id="138" name="Google Shape;138;p11"/>
+          <p:cNvPr id="222" name="Google Shape;222;p39"/>
           <p:cNvSpPr txBox="1">
             <a:spLocks noGrp="1"/>
           </p:cNvSpPr>
@@ -18022,20 +18682,16 @@
               <a:buNone/>
             </a:pPr>
             <a:r>
-              <a:rPr lang="en" dirty="0"/>
-              <a:t>8</a:t>
-            </a:r>
-            <a:r>
-              <a:rPr lang="en" dirty="0" smtClean="0"/>
-              <a:t> – Completed Implementation</a:t>
-            </a:r>
-            <a:endParaRPr dirty="0"/>
+              <a:rPr lang="en"/>
+              <a:t>8 – Completed Implementation</a:t>
+            </a:r>
+            <a:endParaRPr/>
           </a:p>
         </p:txBody>
       </p:sp>
       <p:sp>
         <p:nvSpPr>
-          <p:cNvPr id="139" name="Google Shape;139;p11"/>
+          <p:cNvPr id="223" name="Google Shape;223;p39"/>
           <p:cNvSpPr txBox="1">
             <a:spLocks noGrp="1"/>
           </p:cNvSpPr>
@@ -18062,7 +18718,7 @@
           </a:bodyPr>
           <a:lstStyle/>
           <a:p>
-            <a:pPr marL="400050" lvl="0" algn="just" rtl="0">
+            <a:pPr marL="400050" lvl="0" indent="-342900" algn="just" rtl="0">
               <a:lnSpc>
                 <a:spcPct val="100000"/>
               </a:lnSpc>
@@ -18073,24 +18729,21 @@
                 <a:spcPts val="0"/>
               </a:spcAft>
               <a:buSzPts val="1800"/>
-              <a:buFont typeface="+mj-lt"/>
+              <a:buFont typeface="Arial"/>
               <a:buAutoNum type="arabicPeriod"/>
             </a:pPr>
             <a:r>
-              <a:rPr lang="en-IN" sz="1700" b="1" u="sng" dirty="0" smtClean="0"/>
+              <a:rPr lang="en" sz="1700" b="1" u="sng"/>
               <a:t>Geolocator – </a:t>
             </a:r>
             <a:r>
-              <a:rPr lang="en-IN" sz="1700" dirty="0" smtClean="0"/>
-              <a:t>Getting the latitude and longitude of the current user</a:t>
-            </a:r>
-            <a:r>
-              <a:rPr lang="en-IN" sz="1700" dirty="0" smtClean="0"/>
-              <a:t>.</a:t>
-            </a:r>
-          </a:p>
-          <a:p>
-            <a:pPr marL="400050" lvl="0" algn="just" rtl="0">
+              <a:rPr lang="en" sz="1700"/>
+              <a:t>Getting the latitude and longitude of the current user.</a:t>
+            </a:r>
+            <a:endParaRPr/>
+          </a:p>
+          <a:p>
+            <a:pPr marL="400050" lvl="0" indent="-228600" algn="just" rtl="0">
               <a:lnSpc>
                 <a:spcPct val="100000"/>
               </a:lnSpc>
@@ -18101,13 +18754,55 @@
                 <a:spcPts val="0"/>
               </a:spcAft>
               <a:buSzPts val="1800"/>
-              <a:buFont typeface="+mj-lt"/>
+              <a:buFont typeface="Arial"/>
+              <a:buNone/>
+            </a:pPr>
+            <a:endParaRPr sz="1700"/>
+          </a:p>
+          <a:p>
+            <a:pPr marL="400050" lvl="0" indent="-228600" algn="just" rtl="0">
+              <a:lnSpc>
+                <a:spcPct val="100000"/>
+              </a:lnSpc>
+              <a:spcBef>
+                <a:spcPts val="1200"/>
+              </a:spcBef>
+              <a:spcAft>
+                <a:spcPts val="0"/>
+              </a:spcAft>
+              <a:buSzPts val="1800"/>
+              <a:buFont typeface="Arial"/>
+              <a:buNone/>
+            </a:pPr>
+            <a:endParaRPr sz="1700"/>
+          </a:p>
+          <a:p>
+            <a:pPr marL="400050" lvl="0" indent="-342900" algn="just" rtl="0">
+              <a:lnSpc>
+                <a:spcPct val="100000"/>
+              </a:lnSpc>
+              <a:spcBef>
+                <a:spcPts val="0"/>
+              </a:spcBef>
+              <a:spcAft>
+                <a:spcPts val="0"/>
+              </a:spcAft>
+              <a:buSzPts val="1800"/>
+              <a:buFont typeface="Arial"/>
               <a:buAutoNum type="arabicPeriod"/>
             </a:pPr>
-            <a:endParaRPr lang="en-IN" sz="1700" dirty="0" smtClean="0"/>
-          </a:p>
-          <a:p>
-            <a:pPr marL="400050" lvl="0" algn="just" rtl="0">
+            <a:r>
+              <a:rPr lang="en" sz="1700" b="1" u="sng"/>
+              <a:t>Camera Access – </a:t>
+            </a:r>
+            <a:r>
+              <a:rPr lang="en" sz="1700"/>
+              <a:t>Getting image of the grain for classification</a:t>
+            </a:r>
+            <a:endParaRPr sz="1700"/>
+          </a:p>
+          <a:p>
+            <a:pPr marL="400050" lvl="0" indent="-342900" algn="just" rtl="0">
               <a:lnSpc>
                 <a:spcPct val="100000"/>
               </a:lnSpc>
@@ -18118,39 +18813,42 @@
                 <a:spcPts val="0"/>
               </a:spcAft>
               <a:buSzPts val="1800"/>
-              <a:buFont typeface="+mj-lt"/>
+              <a:buFont typeface="Arial"/>
               <a:buAutoNum type="arabicPeriod"/>
             </a:pPr>
-            <a:endParaRPr lang="en-IN" sz="1700" dirty="0" smtClean="0"/>
-          </a:p>
-          <a:p>
-            <a:pPr marL="400050" lvl="0" algn="just" rtl="0">
-              <a:lnSpc>
-                <a:spcPct val="100000"/>
-              </a:lnSpc>
+            <a:r>
+              <a:rPr lang="en" sz="1700" b="1" u="sng"/>
+              <a:t>DB Deployment – </a:t>
+            </a:r>
+            <a:r>
+              <a:rPr lang="en" sz="1700"/>
+              <a:t>Multiple user by having live database.</a:t>
+            </a:r>
+            <a:endParaRPr/>
+          </a:p>
+          <a:p>
+            <a:pPr marL="400050" lvl="0" indent="-342900" algn="just" rtl="0">
+              <a:lnSpc>
+                <a:spcPct val="100000"/>
+              </a:lnSpc>
+              <a:spcBef>
+                <a:spcPts val="1200"/>
+              </a:spcBef>
               <a:spcAft>
                 <a:spcPts val="0"/>
               </a:spcAft>
               <a:buSzPts val="1800"/>
-              <a:buFont typeface="+mj-lt"/>
+              <a:buFont typeface="Arial"/>
               <a:buAutoNum type="arabicPeriod"/>
             </a:pPr>
             <a:r>
-              <a:rPr lang="en-IN" sz="1700" b="1" u="sng" dirty="0" smtClean="0"/>
-              <a:t>Camera Access – </a:t>
-            </a:r>
-            <a:r>
-              <a:rPr lang="en-IN" sz="1700" dirty="0" smtClean="0"/>
-              <a:t>Getting image of the grain for </a:t>
-            </a:r>
-            <a:r>
-              <a:rPr lang="en-IN" sz="1700" dirty="0" smtClean="0"/>
-              <a:t>classification</a:t>
-            </a:r>
-            <a:endParaRPr lang="en-IN" sz="1700" dirty="0" smtClean="0"/>
-          </a:p>
-          <a:p>
-            <a:pPr marL="400050" lvl="0" algn="just" rtl="0">
+              <a:rPr lang="en" sz="1700" b="1" u="sng"/>
+              <a:t>Deployment of some API’s on Heroku</a:t>
+            </a:r>
+            <a:endParaRPr/>
+          </a:p>
+          <a:p>
+            <a:pPr marL="400050" lvl="0" indent="-342900" algn="just" rtl="0">
               <a:lnSpc>
                 <a:spcPct val="100000"/>
               </a:lnSpc>
@@ -18161,20 +18859,21 @@
                 <a:spcPts val="0"/>
               </a:spcAft>
               <a:buSzPts val="1800"/>
-              <a:buFont typeface="+mj-lt"/>
+              <a:buFont typeface="Arial"/>
               <a:buAutoNum type="arabicPeriod"/>
             </a:pPr>
             <a:r>
-              <a:rPr lang="en-IN" sz="1700" b="1" u="sng" dirty="0" smtClean="0"/>
-              <a:t>DB Deployment – </a:t>
-            </a:r>
-            <a:r>
-              <a:rPr lang="en-IN" sz="1700" dirty="0" smtClean="0"/>
-              <a:t>Multiple user by having live database.</a:t>
-            </a:r>
-          </a:p>
-          <a:p>
-            <a:pPr marL="400050" lvl="0" algn="just" rtl="0">
+              <a:rPr lang="en" sz="1700" b="1" u="sng"/>
+              <a:t>Parts of Frontend UI  - </a:t>
+            </a:r>
+            <a:r>
+              <a:rPr lang="en" sz="1700"/>
+              <a:t> Some of the UI modules of farmer is completed.</a:t>
+            </a:r>
+            <a:endParaRPr sz="1700"/>
+          </a:p>
+          <a:p>
+            <a:pPr marL="400050" lvl="0" indent="-342900" algn="just" rtl="0">
               <a:lnSpc>
                 <a:spcPct val="100000"/>
               </a:lnSpc>
@@ -18185,77 +18884,33 @@
                 <a:spcPts val="0"/>
               </a:spcAft>
               <a:buSzPts val="1800"/>
-              <a:buFont typeface="+mj-lt"/>
+              <a:buFont typeface="Arial"/>
               <a:buAutoNum type="arabicPeriod"/>
             </a:pPr>
             <a:r>
-              <a:rPr lang="en-IN" sz="1700" b="1" u="sng" dirty="0" smtClean="0"/>
-              <a:t>Deployment of some API’s on Heroku</a:t>
-            </a:r>
-          </a:p>
-          <a:p>
-            <a:pPr marL="400050" lvl="0" algn="just" rtl="0">
-              <a:lnSpc>
-                <a:spcPct val="100000"/>
-              </a:lnSpc>
-              <a:spcBef>
-                <a:spcPts val="1200"/>
-              </a:spcBef>
-              <a:spcAft>
-                <a:spcPts val="0"/>
-              </a:spcAft>
-              <a:buSzPts val="1800"/>
-              <a:buFont typeface="+mj-lt"/>
-              <a:buAutoNum type="arabicPeriod"/>
-            </a:pPr>
-            <a:r>
-              <a:rPr lang="en-IN" sz="1700" b="1" u="sng" dirty="0" smtClean="0"/>
-              <a:t>Parts of Frontend UI  - </a:t>
-            </a:r>
-            <a:r>
-              <a:rPr lang="en-IN" sz="1700" dirty="0" smtClean="0"/>
-              <a:t> Some of the UI modules of farmer is completed.</a:t>
-            </a:r>
-            <a:endParaRPr lang="en-IN" sz="1700" dirty="0"/>
-          </a:p>
-          <a:p>
-            <a:pPr marL="400050" lvl="0" algn="just" rtl="0">
-              <a:lnSpc>
-                <a:spcPct val="100000"/>
-              </a:lnSpc>
-              <a:spcBef>
-                <a:spcPts val="1200"/>
-              </a:spcBef>
-              <a:spcAft>
-                <a:spcPts val="0"/>
-              </a:spcAft>
-              <a:buSzPts val="1800"/>
-              <a:buFont typeface="+mj-lt"/>
-              <a:buAutoNum type="arabicPeriod"/>
-            </a:pPr>
-            <a:r>
-              <a:rPr lang="en-IN" sz="1700" b="1" u="sng" dirty="0" smtClean="0"/>
+              <a:rPr lang="en" sz="1700" b="1" u="sng"/>
               <a:t>Web Scrapping – </a:t>
             </a:r>
             <a:r>
-              <a:rPr lang="en-IN" sz="1700" dirty="0" smtClean="0"/>
+              <a:rPr lang="en" sz="1700"/>
               <a:t>Finding images for dataset to feed into CNN model.</a:t>
             </a:r>
-            <a:endParaRPr lang="en-IN" sz="1700" b="1" u="sng" dirty="0" smtClean="0"/>
+            <a:endParaRPr sz="1700" b="1" u="sng"/>
           </a:p>
         </p:txBody>
       </p:sp>
       <p:pic>
         <p:nvPicPr>
-          <p:cNvPr id="4" name="Picture 3"/>
-          <p:cNvPicPr/>
+          <p:cNvPr id="224" name="Google Shape;224;p39"/>
+          <p:cNvPicPr preferRelativeResize="0"/>
           <p:nvPr/>
         </p:nvPicPr>
-        <p:blipFill>
-          <a:blip r:embed="rId3"/>
-          <a:stretch>
-            <a:fillRect/>
-          </a:stretch>
+        <p:blipFill rotWithShape="1">
+          <a:blip r:embed="rId3">
+            <a:alphaModFix/>
+          </a:blip>
+          <a:srcRect/>
+          <a:stretch/>
         </p:blipFill>
         <p:spPr>
           <a:xfrm>
@@ -18265,18 +18920,24 @@
           <a:prstGeom prst="rect">
             <a:avLst/>
           </a:prstGeom>
+          <a:noFill/>
+          <a:ln>
+            <a:noFill/>
+          </a:ln>
         </p:spPr>
       </p:pic>
     </p:spTree>
-    <p:extLst>
-      <p:ext uri="{BB962C8B-B14F-4D97-AF65-F5344CB8AC3E}">
-        <p14:creationId xmlns:p14="http://schemas.microsoft.com/office/powerpoint/2010/main" val="1127999602"/>
-      </p:ext>
-    </p:extLst>
   </p:cSld>
   <p:clrMapOvr>
     <a:masterClrMapping/>
   </p:clrMapOvr>
+  <p:timing>
+    <p:tnLst>
+      <p:par>
+        <p:cTn id="1" dur="indefinite" restart="never" nodeType="tmRoot"/>
+      </p:par>
+    </p:tnLst>
+  </p:timing>
 </p:sld>
 </file>
 
@@ -18285,7 +18946,7 @@
   <p:cSld>
     <p:spTree>
       <p:nvGrpSpPr>
-        <p:cNvPr id="1" name="Shape 143"/>
+        <p:cNvPr id="1" name="Shape 228"/>
         <p:cNvGrpSpPr/>
         <p:nvPr/>
       </p:nvGrpSpPr>
@@ -18299,7 +18960,7 @@
       </p:grpSpPr>
       <p:sp>
         <p:nvSpPr>
-          <p:cNvPr id="144" name="Google Shape;144;p12"/>
+          <p:cNvPr id="229" name="Google Shape;229;p12"/>
           <p:cNvSpPr txBox="1">
             <a:spLocks noGrp="1"/>
           </p:cNvSpPr>
@@ -18340,24 +19001,16 @@
               <a:buNone/>
             </a:pPr>
             <a:r>
-              <a:rPr lang="en" dirty="0"/>
-              <a:t>9</a:t>
-            </a:r>
-            <a:r>
-              <a:rPr lang="en" dirty="0" smtClean="0"/>
-              <a:t>- </a:t>
-            </a:r>
-            <a:r>
-              <a:rPr lang="en" dirty="0"/>
-              <a:t>Future Scope</a:t>
-            </a:r>
-            <a:endParaRPr dirty="0"/>
+              <a:rPr lang="en"/>
+              <a:t>9- Future Scope</a:t>
+            </a:r>
+            <a:endParaRPr/>
           </a:p>
         </p:txBody>
       </p:sp>
       <p:sp>
         <p:nvSpPr>
-          <p:cNvPr id="145" name="Google Shape;145;p12"/>
+          <p:cNvPr id="230" name="Google Shape;230;p12"/>
           <p:cNvSpPr txBox="1">
             <a:spLocks noGrp="1"/>
           </p:cNvSpPr>
@@ -18490,6 +19143,13 @@
   <p:clrMapOvr>
     <a:masterClrMapping/>
   </p:clrMapOvr>
+  <p:timing>
+    <p:tnLst>
+      <p:par>
+        <p:cTn id="1" dur="indefinite" restart="never" nodeType="tmRoot"/>
+      </p:par>
+    </p:tnLst>
+  </p:timing>
 </p:sld>
 </file>
 
@@ -18498,7 +19158,7 @@
   <p:cSld>
     <p:spTree>
       <p:nvGrpSpPr>
-        <p:cNvPr id="1" name="Shape 149"/>
+        <p:cNvPr id="1" name="Shape 234"/>
         <p:cNvGrpSpPr/>
         <p:nvPr/>
       </p:nvGrpSpPr>
@@ -18512,7 +19172,7 @@
       </p:grpSpPr>
       <p:sp>
         <p:nvSpPr>
-          <p:cNvPr id="150" name="Google Shape;150;p13"/>
+          <p:cNvPr id="235" name="Google Shape;235;p13"/>
           <p:cNvSpPr txBox="1">
             <a:spLocks noGrp="1"/>
           </p:cNvSpPr>
@@ -18553,20 +19213,16 @@
               <a:buNone/>
             </a:pPr>
             <a:r>
-              <a:rPr lang="en" dirty="0" smtClean="0"/>
-              <a:t>10 </a:t>
-            </a:r>
-            <a:r>
-              <a:rPr lang="en" dirty="0"/>
-              <a:t>- References</a:t>
-            </a:r>
-            <a:endParaRPr dirty="0"/>
+              <a:rPr lang="en"/>
+              <a:t>10 - References</a:t>
+            </a:r>
+            <a:endParaRPr/>
           </a:p>
         </p:txBody>
       </p:sp>
       <p:sp>
         <p:nvSpPr>
-          <p:cNvPr id="151" name="Google Shape;151;p13"/>
+          <p:cNvPr id="236" name="Google Shape;236;p13"/>
           <p:cNvSpPr txBox="1">
             <a:spLocks noGrp="1"/>
           </p:cNvSpPr>
@@ -19093,6 +19749,13 @@
   <p:clrMapOvr>
     <a:masterClrMapping/>
   </p:clrMapOvr>
+  <p:timing>
+    <p:tnLst>
+      <p:par>
+        <p:cTn id="1" dur="indefinite" restart="never" nodeType="tmRoot"/>
+      </p:par>
+    </p:tnLst>
+  </p:timing>
 </p:sld>
 </file>
 
@@ -19101,7 +19764,7 @@
   <p:cSld>
     <p:spTree>
       <p:nvGrpSpPr>
-        <p:cNvPr id="1" name="Shape 155"/>
+        <p:cNvPr id="1" name="Shape 240"/>
         <p:cNvGrpSpPr/>
         <p:nvPr/>
       </p:nvGrpSpPr>
@@ -19115,7 +19778,7 @@
       </p:grpSpPr>
       <p:sp>
         <p:nvSpPr>
-          <p:cNvPr id="156" name="Google Shape;156;p14"/>
+          <p:cNvPr id="241" name="Google Shape;241;p14"/>
           <p:cNvSpPr txBox="1">
             <a:spLocks noGrp="1"/>
           </p:cNvSpPr>
@@ -19176,6 +19839,13 @@
   <p:clrMapOvr>
     <a:masterClrMapping/>
   </p:clrMapOvr>
+  <p:timing>
+    <p:tnLst>
+      <p:par>
+        <p:cTn id="1" dur="indefinite" restart="never" nodeType="tmRoot"/>
+      </p:par>
+    </p:tnLst>
+  </p:timing>
 </p:sld>
 </file>
 
@@ -19320,6 +19990,13 @@
   <p:clrMapOvr>
     <a:masterClrMapping/>
   </p:clrMapOvr>
+  <p:timing>
+    <p:tnLst>
+      <p:par>
+        <p:cTn id="1" dur="indefinite" restart="never" nodeType="tmRoot"/>
+      </p:par>
+    </p:tnLst>
+  </p:timing>
 </p:sld>
 </file>
 
@@ -19484,6 +20161,13 @@
   <p:clrMapOvr>
     <a:masterClrMapping/>
   </p:clrMapOvr>
+  <p:timing>
+    <p:tnLst>
+      <p:par>
+        <p:cTn id="1" dur="indefinite" restart="never" nodeType="tmRoot"/>
+      </p:par>
+    </p:tnLst>
+  </p:timing>
 </p:sld>
 </file>
 
@@ -19644,6 +20328,13 @@
   <p:clrMapOvr>
     <a:masterClrMapping/>
   </p:clrMapOvr>
+  <p:timing>
+    <p:tnLst>
+      <p:par>
+        <p:cTn id="1" dur="indefinite" restart="never" nodeType="tmRoot"/>
+      </p:par>
+    </p:tnLst>
+  </p:timing>
 </p:sld>
 </file>
 
@@ -20183,6 +20874,13 @@
   <p:clrMapOvr>
     <a:masterClrMapping/>
   </p:clrMapOvr>
+  <p:timing>
+    <p:tnLst>
+      <p:par>
+        <p:cTn id="1" dur="indefinite" restart="never" nodeType="tmRoot"/>
+      </p:par>
+    </p:tnLst>
+  </p:timing>
 </p:sld>
 </file>
 
@@ -20376,6 +21074,13 @@
   <p:clrMapOvr>
     <a:masterClrMapping/>
   </p:clrMapOvr>
+  <p:timing>
+    <p:tnLst>
+      <p:par>
+        <p:cTn id="1" dur="indefinite" restart="never" nodeType="tmRoot"/>
+      </p:par>
+    </p:tnLst>
+  </p:timing>
 </p:sld>
 </file>
 
@@ -20384,7 +21089,7 @@
   <p:cSld>
     <p:spTree>
       <p:nvGrpSpPr>
-        <p:cNvPr id="1" name="Shape 107"/>
+        <p:cNvPr id="1" name="Shape 113"/>
         <p:cNvGrpSpPr/>
         <p:nvPr/>
       </p:nvGrpSpPr>
@@ -20398,7 +21103,7 @@
       </p:grpSpPr>
       <p:sp>
         <p:nvSpPr>
-          <p:cNvPr id="108" name="Google Shape;108;p7"/>
+          <p:cNvPr id="114" name="Google Shape;114;p27"/>
           <p:cNvSpPr txBox="1">
             <a:spLocks noGrp="1"/>
           </p:cNvSpPr>
@@ -20439,20 +21144,16 @@
               <a:buNone/>
             </a:pPr>
             <a:r>
-              <a:rPr lang="en" dirty="0"/>
-              <a:t>5</a:t>
-            </a:r>
-            <a:r>
-              <a:rPr lang="en" dirty="0" smtClean="0"/>
-              <a:t> – B.Tech Final Report</a:t>
-            </a:r>
-            <a:endParaRPr dirty="0"/>
+              <a:rPr lang="en"/>
+              <a:t>5 – B.Tech Final Report</a:t>
+            </a:r>
+            <a:endParaRPr/>
           </a:p>
         </p:txBody>
       </p:sp>
       <p:sp>
         <p:nvSpPr>
-          <p:cNvPr id="109" name="Google Shape;109;p7"/>
+          <p:cNvPr id="115" name="Google Shape;115;p27"/>
           <p:cNvSpPr txBox="1">
             <a:spLocks noGrp="1"/>
           </p:cNvSpPr>
@@ -20503,25 +21204,7 @@
                 <a:cs typeface="Times New Roman"/>
                 <a:sym typeface="Times New Roman"/>
               </a:rPr>
-              <a:t>For </a:t>
-            </a:r>
-            <a:r>
-              <a:rPr lang="en" sz="1600" b="1" dirty="0" smtClean="0">
-                <a:latin typeface="Times New Roman"/>
-                <a:ea typeface="Times New Roman"/>
-                <a:cs typeface="Times New Roman"/>
-                <a:sym typeface="Times New Roman"/>
-              </a:rPr>
-              <a:t>Final Report </a:t>
-            </a:r>
-            <a:r>
-              <a:rPr lang="en" sz="1600" b="1" dirty="0">
-                <a:latin typeface="Times New Roman"/>
-                <a:ea typeface="Times New Roman"/>
-                <a:cs typeface="Times New Roman"/>
-                <a:sym typeface="Times New Roman"/>
-              </a:rPr>
-              <a:t>we have prepared a separate document.</a:t>
+              <a:t>For Final Report we have prepared a separate document.</a:t>
             </a:r>
             <a:endParaRPr sz="1600" b="1" dirty="0">
               <a:latin typeface="Times New Roman"/>
@@ -20559,7 +21242,7 @@
                 <a:sym typeface="Times New Roman"/>
                 <a:hlinkClick r:id="rId3"/>
               </a:rPr>
-              <a:t>Click here for SRS Document.</a:t>
+              <a:t>Click here for Final Year Project Document.</a:t>
             </a:r>
             <a:endParaRPr sz="1600" b="1" dirty="0">
               <a:latin typeface="Times New Roman"/>
@@ -20587,15 +21270,17 @@
         </p:txBody>
       </p:sp>
     </p:spTree>
-    <p:extLst>
-      <p:ext uri="{BB962C8B-B14F-4D97-AF65-F5344CB8AC3E}">
-        <p14:creationId xmlns:p14="http://schemas.microsoft.com/office/powerpoint/2010/main" val="441282172"/>
-      </p:ext>
-    </p:extLst>
   </p:cSld>
   <p:clrMapOvr>
     <a:masterClrMapping/>
   </p:clrMapOvr>
+  <p:timing>
+    <p:tnLst>
+      <p:par>
+        <p:cTn id="1" dur="indefinite" restart="never" nodeType="tmRoot"/>
+      </p:par>
+    </p:tnLst>
+  </p:timing>
 </p:sld>
 </file>
 
@@ -20604,7 +21289,7 @@
   <p:cSld>
     <p:spTree>
       <p:nvGrpSpPr>
-        <p:cNvPr id="1" name="Shape 113"/>
+        <p:cNvPr id="1" name="Shape 119"/>
         <p:cNvGrpSpPr/>
         <p:nvPr/>
       </p:nvGrpSpPr>
@@ -20618,7 +21303,7 @@
       </p:grpSpPr>
       <p:sp>
         <p:nvSpPr>
-          <p:cNvPr id="114" name="Google Shape;114;ga9befa7a57_0_0"/>
+          <p:cNvPr id="120" name="Google Shape;120;ga9befa7a57_0_0"/>
           <p:cNvSpPr txBox="1">
             <a:spLocks noGrp="1"/>
           </p:cNvSpPr>
@@ -20659,16 +21344,16 @@
               <a:buNone/>
             </a:pPr>
             <a:r>
-              <a:rPr lang="en" dirty="0"/>
+              <a:rPr lang="en"/>
               <a:t>Diagrams</a:t>
             </a:r>
-            <a:endParaRPr dirty="0"/>
+            <a:endParaRPr/>
           </a:p>
         </p:txBody>
       </p:sp>
       <p:sp>
         <p:nvSpPr>
-          <p:cNvPr id="115" name="Google Shape;115;ga9befa7a57_0_0"/>
+          <p:cNvPr id="121" name="Google Shape;121;ga9befa7a57_0_0"/>
           <p:cNvSpPr txBox="1">
             <a:spLocks noGrp="1"/>
           </p:cNvSpPr>
@@ -20713,7 +21398,7 @@
               <a:buNone/>
             </a:pPr>
             <a:r>
-              <a:rPr lang="en" sz="1600" b="1" dirty="0">
+              <a:rPr lang="en" sz="1600" b="1">
                 <a:latin typeface="Times New Roman"/>
                 <a:ea typeface="Times New Roman"/>
                 <a:cs typeface="Times New Roman"/>
@@ -20721,7 +21406,7 @@
               </a:rPr>
               <a:t>For different diagrams please click on the following link.</a:t>
             </a:r>
-            <a:endParaRPr sz="1600" b="1" dirty="0">
+            <a:endParaRPr sz="1600" b="1">
               <a:latin typeface="Times New Roman"/>
               <a:ea typeface="Times New Roman"/>
               <a:cs typeface="Times New Roman"/>
@@ -20747,7 +21432,7 @@
               <a:buNone/>
             </a:pPr>
             <a:r>
-              <a:rPr lang="en" sz="1600" b="1" u="sng" dirty="0">
+              <a:rPr lang="en" sz="1600" b="1" u="sng">
                 <a:solidFill>
                   <a:schemeClr val="hlink"/>
                 </a:solidFill>
@@ -20757,22 +21442,9 @@
                 <a:sym typeface="Times New Roman"/>
                 <a:hlinkClick r:id="rId3"/>
               </a:rPr>
-              <a:t>Click here for diagrams</a:t>
-            </a:r>
-            <a:r>
-              <a:rPr lang="en" sz="1600" b="1" u="sng" dirty="0" smtClean="0">
-                <a:solidFill>
-                  <a:schemeClr val="hlink"/>
-                </a:solidFill>
-                <a:latin typeface="Times New Roman"/>
-                <a:ea typeface="Times New Roman"/>
-                <a:cs typeface="Times New Roman"/>
-                <a:sym typeface="Times New Roman"/>
-                <a:hlinkClick r:id="rId3"/>
-              </a:rPr>
-              <a:t>.</a:t>
-            </a:r>
-            <a:endParaRPr lang="en" sz="1600" b="1" u="sng" dirty="0" smtClean="0">
+              <a:t>Click here for diagrams.</a:t>
+            </a:r>
+            <a:endParaRPr sz="1600" b="1" u="sng">
               <a:solidFill>
                 <a:schemeClr val="hlink"/>
               </a:solidFill>
@@ -20801,7 +21473,7 @@
               <a:buNone/>
             </a:pPr>
             <a:r>
-              <a:rPr lang="en-IN" sz="1600" b="1" dirty="0" smtClean="0">
+              <a:rPr lang="en" sz="1600" b="1">
                 <a:latin typeface="Times New Roman"/>
                 <a:ea typeface="Times New Roman"/>
                 <a:cs typeface="Times New Roman"/>
@@ -20809,6 +21481,7 @@
               </a:rPr>
               <a:t>Architectural Diagram</a:t>
             </a:r>
+            <a:endParaRPr/>
           </a:p>
           <a:p>
             <a:pPr marL="0" lvl="0" indent="0" algn="l" rtl="0">
@@ -20828,7 +21501,7 @@
               <a:buFont typeface="Arial"/>
               <a:buNone/>
             </a:pPr>
-            <a:endParaRPr sz="1600" b="1" dirty="0">
+            <a:endParaRPr sz="1600" b="1">
               <a:latin typeface="Times New Roman"/>
               <a:ea typeface="Times New Roman"/>
               <a:cs typeface="Times New Roman"/>
@@ -20849,32 +21522,24 @@
               <a:buSzPts val="1800"/>
               <a:buNone/>
             </a:pPr>
-            <a:endParaRPr dirty="0"/>
+            <a:endParaRPr/>
           </a:p>
         </p:txBody>
       </p:sp>
       <p:pic>
         <p:nvPicPr>
-          <p:cNvPr id="1026" name="Picture 2" descr="C:\Users\Parth\Desktop\1711055\final year project\kissan-bandhu\documents\Diagrams\architectural diagram.png"/>
-          <p:cNvPicPr>
-            <a:picLocks noChangeAspect="1" noChangeArrowheads="1"/>
-          </p:cNvPicPr>
+          <p:cNvPr id="122" name="Google Shape;122;ga9befa7a57_0_0" descr="C:\Users\Parth\Desktop\1711055\final year project\kissan-bandhu\documents\Diagrams\architectural diagram.png"/>
+          <p:cNvPicPr preferRelativeResize="0"/>
           <p:nvPr/>
         </p:nvPicPr>
-        <p:blipFill>
+        <p:blipFill rotWithShape="1">
           <a:blip r:embed="rId4">
-            <a:extLst>
-              <a:ext uri="{28A0092B-C50C-407E-A947-70E740481C1C}">
-                <a14:useLocalDpi xmlns:a14="http://schemas.microsoft.com/office/drawing/2010/main" val="0"/>
-              </a:ext>
-            </a:extLst>
+            <a:alphaModFix/>
           </a:blip>
           <a:srcRect/>
-          <a:stretch>
-            <a:fillRect/>
-          </a:stretch>
+          <a:stretch/>
         </p:blipFill>
-        <p:spPr bwMode="auto">
+        <p:spPr>
           <a:xfrm>
             <a:off x="1252331" y="2188439"/>
             <a:ext cx="7026965" cy="2258907"/>
@@ -20883,15 +21548,9 @@
             <a:avLst/>
           </a:prstGeom>
           <a:noFill/>
-          <a:extLst>
-            <a:ext uri="{909E8E84-426E-40DD-AFC4-6F175D3DCCD1}">
-              <a14:hiddenFill xmlns:a14="http://schemas.microsoft.com/office/drawing/2010/main">
-                <a:solidFill>
-                  <a:srgbClr val="FFFFFF"/>
-                </a:solidFill>
-              </a14:hiddenFill>
-            </a:ext>
-          </a:extLst>
+          <a:ln>
+            <a:noFill/>
+          </a:ln>
         </p:spPr>
       </p:pic>
     </p:spTree>
@@ -20899,6 +21558,13 @@
   <p:clrMapOvr>
     <a:masterClrMapping/>
   </p:clrMapOvr>
+  <p:timing>
+    <p:tnLst>
+      <p:par>
+        <p:cTn id="1" dur="indefinite" restart="never" nodeType="tmRoot"/>
+      </p:par>
+    </p:tnLst>
+  </p:timing>
 </p:sld>
 </file>
 
